--- a/doc/README.pptx
+++ b/doc/README.pptx
@@ -17,6 +17,7 @@
     <p:sldId id="274" r:id="rId11"/>
     <p:sldId id="275" r:id="rId12"/>
     <p:sldId id="276" r:id="rId13"/>
+    <p:sldId id="277" r:id="rId14"/>
   </p:sldIdLst>
   <p:sldSz cx="9144000" cy="6858000" type="screen4x3"/>
   <p:notesSz cx="6858000" cy="9144000"/>
@@ -299,7 +300,7 @@
           <a:p>
             <a:fld id="{43D670B6-17E9-42AF-9D91-86B995B7E615}" type="datetimeFigureOut">
               <a:rPr lang="uk-UA" smtClean="0"/>
-              <a:t>27.01.2018</a:t>
+              <a:t>30.01.2018</a:t>
             </a:fld>
             <a:endParaRPr lang="uk-UA"/>
           </a:p>
@@ -469,7 +470,7 @@
           <a:p>
             <a:fld id="{43D670B6-17E9-42AF-9D91-86B995B7E615}" type="datetimeFigureOut">
               <a:rPr lang="uk-UA" smtClean="0"/>
-              <a:t>27.01.2018</a:t>
+              <a:t>30.01.2018</a:t>
             </a:fld>
             <a:endParaRPr lang="uk-UA"/>
           </a:p>
@@ -649,7 +650,7 @@
           <a:p>
             <a:fld id="{43D670B6-17E9-42AF-9D91-86B995B7E615}" type="datetimeFigureOut">
               <a:rPr lang="uk-UA" smtClean="0"/>
-              <a:t>27.01.2018</a:t>
+              <a:t>30.01.2018</a:t>
             </a:fld>
             <a:endParaRPr lang="uk-UA"/>
           </a:p>
@@ -819,7 +820,7 @@
           <a:p>
             <a:fld id="{43D670B6-17E9-42AF-9D91-86B995B7E615}" type="datetimeFigureOut">
               <a:rPr lang="uk-UA" smtClean="0"/>
-              <a:t>27.01.2018</a:t>
+              <a:t>30.01.2018</a:t>
             </a:fld>
             <a:endParaRPr lang="uk-UA"/>
           </a:p>
@@ -1065,7 +1066,7 @@
           <a:p>
             <a:fld id="{43D670B6-17E9-42AF-9D91-86B995B7E615}" type="datetimeFigureOut">
               <a:rPr lang="uk-UA" smtClean="0"/>
-              <a:t>27.01.2018</a:t>
+              <a:t>30.01.2018</a:t>
             </a:fld>
             <a:endParaRPr lang="uk-UA"/>
           </a:p>
@@ -1353,7 +1354,7 @@
           <a:p>
             <a:fld id="{43D670B6-17E9-42AF-9D91-86B995B7E615}" type="datetimeFigureOut">
               <a:rPr lang="uk-UA" smtClean="0"/>
-              <a:t>27.01.2018</a:t>
+              <a:t>30.01.2018</a:t>
             </a:fld>
             <a:endParaRPr lang="uk-UA"/>
           </a:p>
@@ -1775,7 +1776,7 @@
           <a:p>
             <a:fld id="{43D670B6-17E9-42AF-9D91-86B995B7E615}" type="datetimeFigureOut">
               <a:rPr lang="uk-UA" smtClean="0"/>
-              <a:t>27.01.2018</a:t>
+              <a:t>30.01.2018</a:t>
             </a:fld>
             <a:endParaRPr lang="uk-UA"/>
           </a:p>
@@ -1893,7 +1894,7 @@
           <a:p>
             <a:fld id="{43D670B6-17E9-42AF-9D91-86B995B7E615}" type="datetimeFigureOut">
               <a:rPr lang="uk-UA" smtClean="0"/>
-              <a:t>27.01.2018</a:t>
+              <a:t>30.01.2018</a:t>
             </a:fld>
             <a:endParaRPr lang="uk-UA"/>
           </a:p>
@@ -1988,7 +1989,7 @@
           <a:p>
             <a:fld id="{43D670B6-17E9-42AF-9D91-86B995B7E615}" type="datetimeFigureOut">
               <a:rPr lang="uk-UA" smtClean="0"/>
-              <a:t>27.01.2018</a:t>
+              <a:t>30.01.2018</a:t>
             </a:fld>
             <a:endParaRPr lang="uk-UA"/>
           </a:p>
@@ -2265,7 +2266,7 @@
           <a:p>
             <a:fld id="{43D670B6-17E9-42AF-9D91-86B995B7E615}" type="datetimeFigureOut">
               <a:rPr lang="uk-UA" smtClean="0"/>
-              <a:t>27.01.2018</a:t>
+              <a:t>30.01.2018</a:t>
             </a:fld>
             <a:endParaRPr lang="uk-UA"/>
           </a:p>
@@ -2518,7 +2519,7 @@
           <a:p>
             <a:fld id="{43D670B6-17E9-42AF-9D91-86B995B7E615}" type="datetimeFigureOut">
               <a:rPr lang="uk-UA" smtClean="0"/>
-              <a:t>27.01.2018</a:t>
+              <a:t>30.01.2018</a:t>
             </a:fld>
             <a:endParaRPr lang="uk-UA"/>
           </a:p>
@@ -2731,7 +2732,7 @@
           <a:p>
             <a:fld id="{43D670B6-17E9-42AF-9D91-86B995B7E615}" type="datetimeFigureOut">
               <a:rPr lang="uk-UA" smtClean="0"/>
-              <a:t>27.01.2018</a:t>
+              <a:t>30.01.2018</a:t>
             </a:fld>
             <a:endParaRPr lang="uk-UA"/>
           </a:p>
@@ -3524,7 +3525,7 @@
 </p:sld>
 </file>
 
-<file path=ppt/slides/slide2.xml><?xml version="1.0" encoding="utf-8"?>
+<file path=ppt/slides/slide13.xml><?xml version="1.0" encoding="utf-8"?>
 <p:sld xmlns:a="http://schemas.openxmlformats.org/drawingml/2006/main" xmlns:r="http://schemas.openxmlformats.org/officeDocument/2006/relationships" xmlns:p="http://schemas.openxmlformats.org/presentationml/2006/main">
   <p:cSld>
     <p:spTree>
@@ -3557,189 +3558,16 @@
           <a:lstStyle/>
           <a:p>
             <a:r>
-              <a:rPr lang="en-US" b="1" dirty="0"/>
-              <a:t>FINAL PROJECT</a:t>
-            </a:r>
-            <a:endParaRPr lang="uk-UA" dirty="0"/>
-          </a:p>
-        </p:txBody>
-      </p:sp>
-      <p:sp>
-        <p:nvSpPr>
-          <p:cNvPr id="3" name="Объект 2"/>
-          <p:cNvSpPr>
-            <a:spLocks noGrp="1"/>
-          </p:cNvSpPr>
-          <p:nvPr>
-            <p:ph idx="1"/>
-          </p:nvPr>
-        </p:nvSpPr>
-        <p:spPr/>
-        <p:txBody>
-          <a:bodyPr/>
-          <a:lstStyle/>
-          <a:p>
-            <a:pPr marL="0" indent="0" algn="just">
-              <a:buNone/>
-            </a:pPr>
-            <a:r>
               <a:rPr lang="ru-RU" dirty="0" smtClean="0"/>
-              <a:t>	Система </a:t>
-            </a:r>
-            <a:r>
-              <a:rPr lang="ru-RU" b="1" dirty="0"/>
-              <a:t>Ремонтное</a:t>
-            </a:r>
-            <a:r>
-              <a:rPr lang="ru-RU" dirty="0"/>
-              <a:t> </a:t>
-            </a:r>
-            <a:r>
-              <a:rPr lang="ru-RU" b="1" dirty="0" smtClean="0"/>
-              <a:t>Агентство</a:t>
-            </a:r>
-            <a:r>
-              <a:rPr lang="ru-RU" dirty="0" smtClean="0"/>
-              <a:t>. </a:t>
-            </a:r>
-            <a:r>
-              <a:rPr lang="ru-RU" b="1" dirty="0"/>
-              <a:t>Пользователь</a:t>
-            </a:r>
-            <a:r>
-              <a:rPr lang="ru-RU" dirty="0"/>
-              <a:t> может создать заявку на ремонт изделия. </a:t>
-            </a:r>
-            <a:r>
-              <a:rPr lang="ru-RU" b="1" dirty="0"/>
-              <a:t>Менеджер</a:t>
-            </a:r>
-            <a:r>
-              <a:rPr lang="ru-RU" dirty="0"/>
-              <a:t> может принять заявку указав цену, либо отклонить заявку, указав причину. </a:t>
-            </a:r>
-            <a:r>
-              <a:rPr lang="ru-RU" b="1" dirty="0"/>
-              <a:t>Мастер</a:t>
-            </a:r>
-            <a:r>
-              <a:rPr lang="ru-RU" dirty="0"/>
-              <a:t> может выполнить принятую </a:t>
-            </a:r>
-            <a:r>
-              <a:rPr lang="ru-RU" b="1" dirty="0"/>
-              <a:t>Менеджером</a:t>
-            </a:r>
-            <a:r>
-              <a:rPr lang="ru-RU" dirty="0"/>
-              <a:t> заявку. </a:t>
-            </a:r>
-            <a:r>
-              <a:rPr lang="ru-RU" b="1" dirty="0"/>
-              <a:t>Пользователь</a:t>
-            </a:r>
-            <a:r>
-              <a:rPr lang="ru-RU" dirty="0"/>
-              <a:t> может оставить </a:t>
-            </a:r>
-            <a:r>
-              <a:rPr lang="ru-RU" b="1" dirty="0"/>
-              <a:t>Отзыв</a:t>
-            </a:r>
-            <a:r>
-              <a:rPr lang="ru-RU" dirty="0"/>
-              <a:t> о выполненных работах</a:t>
-            </a:r>
-            <a:r>
-              <a:rPr lang="ru-RU" dirty="0" smtClean="0"/>
-              <a:t>.</a:t>
-            </a:r>
-            <a:endParaRPr lang="uk-UA" dirty="0"/>
-          </a:p>
-        </p:txBody>
-      </p:sp>
-    </p:spTree>
-    <p:extLst>
-      <p:ext uri="{BB962C8B-B14F-4D97-AF65-F5344CB8AC3E}">
-        <p14:creationId xmlns:p14="http://schemas.microsoft.com/office/powerpoint/2010/main" val="1806728988"/>
-      </p:ext>
-    </p:extLst>
-  </p:cSld>
-  <p:clrMapOvr>
-    <a:masterClrMapping/>
-  </p:clrMapOvr>
-</p:sld>
-</file>
-
-<file path=ppt/slides/slide3.xml><?xml version="1.0" encoding="utf-8"?>
-<p:sld xmlns:a="http://schemas.openxmlformats.org/drawingml/2006/main" xmlns:r="http://schemas.openxmlformats.org/officeDocument/2006/relationships" xmlns:p="http://schemas.openxmlformats.org/presentationml/2006/main">
-  <p:cSld>
-    <p:spTree>
-      <p:nvGrpSpPr>
-        <p:cNvPr id="1" name=""/>
-        <p:cNvGrpSpPr/>
-        <p:nvPr/>
-      </p:nvGrpSpPr>
-      <p:grpSpPr>
-        <a:xfrm>
-          <a:off x="0" y="0"/>
-          <a:ext cx="0" cy="0"/>
-          <a:chOff x="0" y="0"/>
-          <a:chExt cx="0" cy="0"/>
-        </a:xfrm>
-      </p:grpSpPr>
-      <p:sp>
-        <p:nvSpPr>
-          <p:cNvPr id="2" name="Заголовок 1"/>
-          <p:cNvSpPr>
-            <a:spLocks noGrp="1"/>
-          </p:cNvSpPr>
-          <p:nvPr>
-            <p:ph type="title"/>
-          </p:nvPr>
-        </p:nvSpPr>
-        <p:spPr/>
-        <p:txBody>
-          <a:bodyPr/>
-          <a:lstStyle/>
-          <a:p>
-            <a:r>
-              <a:rPr lang="uk-UA" dirty="0" smtClean="0"/>
-              <a:t>Структура баз</a:t>
-            </a:r>
-            <a:r>
-              <a:rPr lang="ru-RU" dirty="0" smtClean="0"/>
-              <a:t>ы данных</a:t>
-            </a:r>
-            <a:endParaRPr lang="uk-UA" dirty="0"/>
-          </a:p>
-        </p:txBody>
-      </p:sp>
-      <p:sp>
-        <p:nvSpPr>
-          <p:cNvPr id="3" name="Объект 2"/>
-          <p:cNvSpPr>
-            <a:spLocks noGrp="1"/>
-          </p:cNvSpPr>
-          <p:nvPr>
-            <p:ph idx="1"/>
-          </p:nvPr>
-        </p:nvSpPr>
-        <p:spPr/>
-        <p:txBody>
-          <a:bodyPr/>
-          <a:lstStyle/>
-          <a:p>
-            <a:pPr marL="0" indent="0">
-              <a:buNone/>
-            </a:pPr>
-            <a:endParaRPr lang="uk-UA" dirty="0"/>
+              <a:t>Оставить отзыв</a:t>
+            </a:r>
+            <a:endParaRPr lang="ru-RU" dirty="0"/>
           </a:p>
         </p:txBody>
       </p:sp>
       <p:pic>
         <p:nvPicPr>
-          <p:cNvPr id="1026" name="Picture 2"/>
+          <p:cNvPr id="2050" name="Picture 2"/>
           <p:cNvPicPr>
             <a:picLocks noChangeAspect="1" noChangeArrowheads="1"/>
           </p:cNvPicPr>
@@ -3760,8 +3588,8 @@
         </p:blipFill>
         <p:spPr bwMode="auto">
           <a:xfrm>
-            <a:off x="438378" y="1556791"/>
-            <a:ext cx="8310086" cy="4558039"/>
+            <a:off x="899592" y="1268760"/>
+            <a:ext cx="7056783" cy="4896544"/>
           </a:xfrm>
           <a:prstGeom prst="rect">
             <a:avLst/>
@@ -3804,7 +3632,7 @@
     </p:spTree>
     <p:extLst>
       <p:ext uri="{BB962C8B-B14F-4D97-AF65-F5344CB8AC3E}">
-        <p14:creationId xmlns:p14="http://schemas.microsoft.com/office/powerpoint/2010/main" val="161780547"/>
+        <p14:creationId xmlns:p14="http://schemas.microsoft.com/office/powerpoint/2010/main" val="2407607894"/>
       </p:ext>
     </p:extLst>
   </p:cSld>
@@ -3814,7 +3642,7 @@
 </p:sld>
 </file>
 
-<file path=ppt/slides/slide4.xml><?xml version="1.0" encoding="utf-8"?>
+<file path=ppt/slides/slide2.xml><?xml version="1.0" encoding="utf-8"?>
 <p:sld xmlns:a="http://schemas.openxmlformats.org/drawingml/2006/main" xmlns:r="http://schemas.openxmlformats.org/officeDocument/2006/relationships" xmlns:p="http://schemas.openxmlformats.org/presentationml/2006/main">
   <p:cSld>
     <p:spTree>
@@ -3847,16 +3675,8 @@
           <a:lstStyle/>
           <a:p>
             <a:r>
-              <a:rPr lang="ru-RU" dirty="0" smtClean="0"/>
-              <a:t>Архитектура 1</a:t>
-            </a:r>
-            <a:r>
-              <a:rPr lang="en-US" dirty="0" smtClean="0"/>
-              <a:t>/</a:t>
-            </a:r>
-            <a:r>
-              <a:rPr lang="ru-RU" dirty="0" smtClean="0"/>
-              <a:t>3</a:t>
+              <a:rPr lang="en-US" b="1" dirty="0"/>
+              <a:t>FINAL PROJECT</a:t>
             </a:r>
             <a:endParaRPr lang="uk-UA" dirty="0"/>
           </a:p>
@@ -3877,1464 +3697,80 @@
           <a:bodyPr/>
           <a:lstStyle/>
           <a:p>
-            <a:pPr marL="0" indent="0">
+            <a:pPr marL="0" indent="0" algn="just">
               <a:buNone/>
             </a:pPr>
-            <a:endParaRPr lang="uk-UA" dirty="0"/>
-          </a:p>
-        </p:txBody>
-      </p:sp>
-      <p:sp>
-        <p:nvSpPr>
-          <p:cNvPr id="57" name="Прямоугольник 56"/>
-          <p:cNvSpPr/>
-          <p:nvPr/>
-        </p:nvSpPr>
-        <p:spPr>
-          <a:xfrm>
-            <a:off x="3307804" y="1870111"/>
-            <a:ext cx="4288531" cy="4295193"/>
-          </a:xfrm>
-          <a:prstGeom prst="rect">
-            <a:avLst/>
-          </a:prstGeom>
-        </p:spPr>
-        <p:style>
-          <a:lnRef idx="2">
-            <a:schemeClr val="accent1"/>
-          </a:lnRef>
-          <a:fillRef idx="1">
-            <a:schemeClr val="lt1"/>
-          </a:fillRef>
-          <a:effectRef idx="0">
-            <a:schemeClr val="accent1"/>
-          </a:effectRef>
-          <a:fontRef idx="minor">
-            <a:schemeClr val="dk1"/>
-          </a:fontRef>
-        </p:style>
-        <p:txBody>
-          <a:bodyPr rtlCol="0" anchor="ctr"/>
-          <a:lstStyle/>
-          <a:p>
-            <a:pPr algn="ctr"/>
-            <a:endParaRPr lang="uk-UA"/>
-          </a:p>
-        </p:txBody>
-      </p:sp>
-      <p:sp>
-        <p:nvSpPr>
-          <p:cNvPr id="58" name="Прямоугольник 57"/>
-          <p:cNvSpPr/>
-          <p:nvPr/>
-        </p:nvSpPr>
-        <p:spPr>
-          <a:xfrm>
-            <a:off x="3307805" y="1643953"/>
-            <a:ext cx="1648198" cy="241311"/>
-          </a:xfrm>
-          <a:prstGeom prst="rect">
-            <a:avLst/>
-          </a:prstGeom>
-        </p:spPr>
-        <p:style>
-          <a:lnRef idx="2">
-            <a:schemeClr val="accent1">
-              <a:shade val="50000"/>
-            </a:schemeClr>
-          </a:lnRef>
-          <a:fillRef idx="1">
-            <a:schemeClr val="accent1"/>
-          </a:fillRef>
-          <a:effectRef idx="0">
-            <a:schemeClr val="accent1"/>
-          </a:effectRef>
-          <a:fontRef idx="minor">
-            <a:schemeClr val="lt1"/>
-          </a:fontRef>
-        </p:style>
-        <p:txBody>
-          <a:bodyPr rtlCol="0" anchor="ctr"/>
-          <a:lstStyle/>
-          <a:p>
-            <a:pPr algn="ctr"/>
-            <a:r>
-              <a:rPr lang="en-US" dirty="0" smtClean="0"/>
-              <a:t>Apache Tomcat</a:t>
-            </a:r>
-            <a:endParaRPr lang="uk-UA" dirty="0"/>
-          </a:p>
-        </p:txBody>
-      </p:sp>
-      <p:sp>
-        <p:nvSpPr>
-          <p:cNvPr id="59" name="Скругленный прямоугольник 58"/>
-          <p:cNvSpPr/>
-          <p:nvPr/>
-        </p:nvSpPr>
-        <p:spPr>
-          <a:xfrm>
-            <a:off x="479675" y="2532322"/>
-            <a:ext cx="1152128" cy="648072"/>
-          </a:xfrm>
-          <a:prstGeom prst="roundRect">
-            <a:avLst/>
-          </a:prstGeom>
-        </p:spPr>
-        <p:style>
-          <a:lnRef idx="2">
-            <a:schemeClr val="accent1">
-              <a:shade val="50000"/>
-            </a:schemeClr>
-          </a:lnRef>
-          <a:fillRef idx="1">
-            <a:schemeClr val="accent1"/>
-          </a:fillRef>
-          <a:effectRef idx="0">
-            <a:schemeClr val="accent1"/>
-          </a:effectRef>
-          <a:fontRef idx="minor">
-            <a:schemeClr val="lt1"/>
-          </a:fontRef>
-        </p:style>
-        <p:txBody>
-          <a:bodyPr rtlCol="0" anchor="ctr"/>
-          <a:lstStyle/>
-          <a:p>
-            <a:pPr algn="ctr"/>
-            <a:r>
-              <a:rPr lang="en-US" dirty="0" smtClean="0"/>
-              <a:t>Browser</a:t>
-            </a:r>
-            <a:endParaRPr lang="uk-UA" dirty="0"/>
-          </a:p>
-        </p:txBody>
-      </p:sp>
-      <p:cxnSp>
-        <p:nvCxnSpPr>
-          <p:cNvPr id="60" name="Прямая со стрелкой 59"/>
-          <p:cNvCxnSpPr/>
-          <p:nvPr/>
-        </p:nvCxnSpPr>
-        <p:spPr>
-          <a:xfrm>
-            <a:off x="1631803" y="2657754"/>
-            <a:ext cx="1676002" cy="0"/>
-          </a:xfrm>
-          <a:prstGeom prst="straightConnector1">
-            <a:avLst/>
-          </a:prstGeom>
-          <a:ln>
-            <a:tailEnd type="arrow"/>
-          </a:ln>
-        </p:spPr>
-        <p:style>
-          <a:lnRef idx="1">
-            <a:schemeClr val="accent1"/>
-          </a:lnRef>
-          <a:fillRef idx="0">
-            <a:schemeClr val="accent1"/>
-          </a:fillRef>
-          <a:effectRef idx="0">
-            <a:schemeClr val="accent1"/>
-          </a:effectRef>
-          <a:fontRef idx="minor">
-            <a:schemeClr val="tx1"/>
-          </a:fontRef>
-        </p:style>
-      </p:cxnSp>
-      <p:cxnSp>
-        <p:nvCxnSpPr>
-          <p:cNvPr id="61" name="Прямая со стрелкой 60"/>
-          <p:cNvCxnSpPr/>
-          <p:nvPr/>
-        </p:nvCxnSpPr>
-        <p:spPr>
-          <a:xfrm flipH="1">
-            <a:off x="1631804" y="3017794"/>
-            <a:ext cx="1676001" cy="0"/>
-          </a:xfrm>
-          <a:prstGeom prst="straightConnector1">
-            <a:avLst/>
-          </a:prstGeom>
-          <a:ln>
-            <a:tailEnd type="arrow"/>
-          </a:ln>
-        </p:spPr>
-        <p:style>
-          <a:lnRef idx="1">
-            <a:schemeClr val="accent1"/>
-          </a:lnRef>
-          <a:fillRef idx="0">
-            <a:schemeClr val="accent1"/>
-          </a:fillRef>
-          <a:effectRef idx="0">
-            <a:schemeClr val="accent1"/>
-          </a:effectRef>
-          <a:fontRef idx="minor">
-            <a:schemeClr val="tx1"/>
-          </a:fontRef>
-        </p:style>
-      </p:cxnSp>
-      <p:sp>
-        <p:nvSpPr>
-          <p:cNvPr id="62" name="TextBox 61"/>
-          <p:cNvSpPr txBox="1"/>
-          <p:nvPr/>
-        </p:nvSpPr>
-        <p:spPr>
-          <a:xfrm>
-            <a:off x="1631803" y="2576454"/>
-            <a:ext cx="1143583" cy="307777"/>
-          </a:xfrm>
-          <a:prstGeom prst="rect">
-            <a:avLst/>
-          </a:prstGeom>
-          <a:noFill/>
-        </p:spPr>
-        <p:txBody>
-          <a:bodyPr wrap="none" rtlCol="0">
-            <a:spAutoFit/>
-          </a:bodyPr>
-          <a:lstStyle/>
-          <a:p>
-            <a:r>
-              <a:rPr lang="en-US" sz="1400" dirty="0" smtClean="0"/>
-              <a:t>Http Request</a:t>
-            </a:r>
-            <a:endParaRPr lang="uk-UA" sz="1400" dirty="0"/>
-          </a:p>
-        </p:txBody>
-      </p:sp>
-      <p:sp>
-        <p:nvSpPr>
-          <p:cNvPr id="63" name="TextBox 62"/>
-          <p:cNvSpPr txBox="1"/>
-          <p:nvPr/>
-        </p:nvSpPr>
-        <p:spPr>
-          <a:xfrm>
-            <a:off x="1631804" y="2782025"/>
-            <a:ext cx="1249766" cy="307777"/>
-          </a:xfrm>
-          <a:prstGeom prst="rect">
-            <a:avLst/>
-          </a:prstGeom>
-          <a:noFill/>
-        </p:spPr>
-        <p:txBody>
-          <a:bodyPr wrap="none" rtlCol="0">
-            <a:spAutoFit/>
-          </a:bodyPr>
-          <a:lstStyle/>
-          <a:p>
-            <a:r>
-              <a:rPr lang="en-US" sz="1400" dirty="0" smtClean="0"/>
-              <a:t>Http Response</a:t>
-            </a:r>
-            <a:endParaRPr lang="uk-UA" sz="1400" dirty="0"/>
-          </a:p>
-        </p:txBody>
-      </p:sp>
-      <p:sp>
-        <p:nvSpPr>
-          <p:cNvPr id="64" name="TextBox 63"/>
-          <p:cNvSpPr txBox="1"/>
-          <p:nvPr/>
-        </p:nvSpPr>
-        <p:spPr>
-          <a:xfrm>
-            <a:off x="2338759" y="2369722"/>
-            <a:ext cx="301686" cy="369332"/>
-          </a:xfrm>
-          <a:prstGeom prst="rect">
-            <a:avLst/>
-          </a:prstGeom>
-          <a:noFill/>
-        </p:spPr>
-        <p:txBody>
-          <a:bodyPr wrap="none" rtlCol="0">
-            <a:spAutoFit/>
-          </a:bodyPr>
-          <a:lstStyle/>
-          <a:p>
-            <a:r>
-              <a:rPr lang="en-US" dirty="0" smtClean="0"/>
-              <a:t>1</a:t>
-            </a:r>
-            <a:endParaRPr lang="uk-UA" dirty="0"/>
-          </a:p>
-        </p:txBody>
-      </p:sp>
-      <p:sp>
-        <p:nvSpPr>
-          <p:cNvPr id="65" name="TextBox 64"/>
-          <p:cNvSpPr txBox="1"/>
-          <p:nvPr/>
-        </p:nvSpPr>
-        <p:spPr>
-          <a:xfrm>
-            <a:off x="2338759" y="3035384"/>
-            <a:ext cx="418704" cy="369332"/>
-          </a:xfrm>
-          <a:prstGeom prst="rect">
-            <a:avLst/>
-          </a:prstGeom>
-          <a:noFill/>
-        </p:spPr>
-        <p:txBody>
-          <a:bodyPr wrap="none" rtlCol="0">
-            <a:spAutoFit/>
-          </a:bodyPr>
-          <a:lstStyle/>
-          <a:p>
             <a:r>
               <a:rPr lang="ru-RU" dirty="0" smtClean="0"/>
-              <a:t>16</a:t>
-            </a:r>
-            <a:endParaRPr lang="uk-UA" dirty="0"/>
-          </a:p>
-        </p:txBody>
-      </p:sp>
-      <p:sp>
-        <p:nvSpPr>
-          <p:cNvPr id="73" name="Скругленный прямоугольник 72"/>
-          <p:cNvSpPr/>
-          <p:nvPr/>
-        </p:nvSpPr>
-        <p:spPr>
-          <a:xfrm>
-            <a:off x="3994032" y="2492859"/>
-            <a:ext cx="1296144" cy="648072"/>
-          </a:xfrm>
-          <a:prstGeom prst="roundRect">
-            <a:avLst/>
-          </a:prstGeom>
-        </p:spPr>
-        <p:style>
-          <a:lnRef idx="2">
-            <a:schemeClr val="accent1">
-              <a:shade val="50000"/>
-            </a:schemeClr>
-          </a:lnRef>
-          <a:fillRef idx="1">
-            <a:schemeClr val="accent1"/>
-          </a:fillRef>
-          <a:effectRef idx="0">
-            <a:schemeClr val="accent1"/>
-          </a:effectRef>
-          <a:fontRef idx="minor">
-            <a:schemeClr val="lt1"/>
-          </a:fontRef>
-        </p:style>
-        <p:txBody>
-          <a:bodyPr rtlCol="0" anchor="ctr"/>
-          <a:lstStyle/>
-          <a:p>
-            <a:pPr algn="ctr"/>
-            <a:r>
-              <a:rPr lang="en-US" dirty="0" smtClean="0"/>
-              <a:t>Controller</a:t>
-            </a:r>
-            <a:endParaRPr lang="uk-UA" dirty="0"/>
-          </a:p>
-        </p:txBody>
-      </p:sp>
-      <p:cxnSp>
-        <p:nvCxnSpPr>
-          <p:cNvPr id="74" name="Прямая со стрелкой 73"/>
-          <p:cNvCxnSpPr/>
-          <p:nvPr/>
-        </p:nvCxnSpPr>
-        <p:spPr>
-          <a:xfrm>
-            <a:off x="3281938" y="2632345"/>
-            <a:ext cx="711206" cy="0"/>
-          </a:xfrm>
-          <a:prstGeom prst="straightConnector1">
-            <a:avLst/>
-          </a:prstGeom>
-          <a:ln>
-            <a:tailEnd type="arrow"/>
-          </a:ln>
-        </p:spPr>
-        <p:style>
-          <a:lnRef idx="1">
-            <a:schemeClr val="accent1"/>
-          </a:lnRef>
-          <a:fillRef idx="0">
-            <a:schemeClr val="accent1"/>
-          </a:fillRef>
-          <a:effectRef idx="0">
-            <a:schemeClr val="accent1"/>
-          </a:effectRef>
-          <a:fontRef idx="minor">
-            <a:schemeClr val="tx1"/>
-          </a:fontRef>
-        </p:style>
-      </p:cxnSp>
-      <p:cxnSp>
-        <p:nvCxnSpPr>
-          <p:cNvPr id="75" name="Прямая со стрелкой 74"/>
-          <p:cNvCxnSpPr/>
-          <p:nvPr/>
-        </p:nvCxnSpPr>
-        <p:spPr>
-          <a:xfrm flipH="1">
-            <a:off x="3281938" y="2992385"/>
-            <a:ext cx="711206" cy="0"/>
-          </a:xfrm>
-          <a:prstGeom prst="straightConnector1">
-            <a:avLst/>
-          </a:prstGeom>
-          <a:ln>
-            <a:tailEnd type="arrow"/>
-          </a:ln>
-        </p:spPr>
-        <p:style>
-          <a:lnRef idx="1">
-            <a:schemeClr val="accent1"/>
-          </a:lnRef>
-          <a:fillRef idx="0">
-            <a:schemeClr val="accent1"/>
-          </a:fillRef>
-          <a:effectRef idx="0">
-            <a:schemeClr val="accent1"/>
-          </a:effectRef>
-          <a:fontRef idx="minor">
-            <a:schemeClr val="tx1"/>
-          </a:fontRef>
-        </p:style>
-      </p:cxnSp>
-      <p:sp>
-        <p:nvSpPr>
-          <p:cNvPr id="76" name="TextBox 75"/>
-          <p:cNvSpPr txBox="1"/>
-          <p:nvPr/>
-        </p:nvSpPr>
-        <p:spPr>
-          <a:xfrm>
-            <a:off x="3486698" y="2344313"/>
-            <a:ext cx="301686" cy="369332"/>
-          </a:xfrm>
-          <a:prstGeom prst="rect">
-            <a:avLst/>
-          </a:prstGeom>
-          <a:noFill/>
-        </p:spPr>
-        <p:txBody>
-          <a:bodyPr wrap="none" rtlCol="0">
-            <a:spAutoFit/>
-          </a:bodyPr>
-          <a:lstStyle/>
-          <a:p>
-            <a:r>
-              <a:rPr lang="en-US" dirty="0" smtClean="0"/>
-              <a:t>2</a:t>
-            </a:r>
-            <a:endParaRPr lang="uk-UA" dirty="0"/>
-          </a:p>
-        </p:txBody>
-      </p:sp>
-      <p:sp>
-        <p:nvSpPr>
-          <p:cNvPr id="77" name="TextBox 76"/>
-          <p:cNvSpPr txBox="1"/>
-          <p:nvPr/>
-        </p:nvSpPr>
-        <p:spPr>
-          <a:xfrm>
-            <a:off x="3486698" y="2694313"/>
-            <a:ext cx="418704" cy="369332"/>
-          </a:xfrm>
-          <a:prstGeom prst="rect">
-            <a:avLst/>
-          </a:prstGeom>
-          <a:noFill/>
-        </p:spPr>
-        <p:txBody>
-          <a:bodyPr wrap="none" rtlCol="0">
-            <a:spAutoFit/>
-          </a:bodyPr>
-          <a:lstStyle/>
-          <a:p>
-            <a:r>
-              <a:rPr lang="en-US" dirty="0" smtClean="0"/>
-              <a:t>1</a:t>
+              <a:t>	Система </a:t>
+            </a:r>
+            <a:r>
+              <a:rPr lang="ru-RU" b="1" dirty="0"/>
+              <a:t>Ремонтное</a:t>
+            </a:r>
+            <a:r>
+              <a:rPr lang="ru-RU" dirty="0"/>
+              <a:t> </a:t>
+            </a:r>
+            <a:r>
+              <a:rPr lang="ru-RU" b="1" dirty="0" smtClean="0"/>
+              <a:t>Агентство</a:t>
             </a:r>
             <a:r>
               <a:rPr lang="ru-RU" dirty="0" smtClean="0"/>
-              <a:t>5</a:t>
-            </a:r>
-            <a:endParaRPr lang="uk-UA" dirty="0"/>
-          </a:p>
-        </p:txBody>
-      </p:sp>
-      <p:sp>
-        <p:nvSpPr>
-          <p:cNvPr id="78" name="Скругленный прямоугольник 77"/>
-          <p:cNvSpPr/>
-          <p:nvPr/>
-        </p:nvSpPr>
-        <p:spPr>
-          <a:xfrm>
-            <a:off x="5717456" y="2462407"/>
-            <a:ext cx="1296144" cy="648072"/>
-          </a:xfrm>
-          <a:prstGeom prst="roundRect">
-            <a:avLst/>
-          </a:prstGeom>
-        </p:spPr>
-        <p:style>
-          <a:lnRef idx="2">
-            <a:schemeClr val="accent1">
-              <a:shade val="50000"/>
-            </a:schemeClr>
-          </a:lnRef>
-          <a:fillRef idx="1">
-            <a:schemeClr val="accent1"/>
-          </a:fillRef>
-          <a:effectRef idx="0">
-            <a:schemeClr val="accent1"/>
-          </a:effectRef>
-          <a:fontRef idx="minor">
-            <a:schemeClr val="lt1"/>
-          </a:fontRef>
-        </p:style>
-        <p:txBody>
-          <a:bodyPr rtlCol="0" anchor="ctr"/>
-          <a:lstStyle/>
-          <a:p>
-            <a:pPr algn="ctr"/>
-            <a:r>
-              <a:rPr lang="en-US" dirty="0" smtClean="0"/>
-              <a:t>Command</a:t>
-            </a:r>
-            <a:endParaRPr lang="uk-UA" dirty="0"/>
-          </a:p>
-        </p:txBody>
-      </p:sp>
-      <p:cxnSp>
-        <p:nvCxnSpPr>
-          <p:cNvPr id="79" name="Прямая со стрелкой 78"/>
-          <p:cNvCxnSpPr/>
-          <p:nvPr/>
-        </p:nvCxnSpPr>
-        <p:spPr>
-          <a:xfrm>
-            <a:off x="5199985" y="2615565"/>
-            <a:ext cx="517471" cy="2128"/>
-          </a:xfrm>
-          <a:prstGeom prst="straightConnector1">
-            <a:avLst/>
-          </a:prstGeom>
-          <a:ln>
-            <a:tailEnd type="arrow"/>
-          </a:ln>
-        </p:spPr>
-        <p:style>
-          <a:lnRef idx="1">
-            <a:schemeClr val="accent1"/>
-          </a:lnRef>
-          <a:fillRef idx="0">
-            <a:schemeClr val="accent1"/>
-          </a:fillRef>
-          <a:effectRef idx="0">
-            <a:schemeClr val="accent1"/>
-          </a:effectRef>
-          <a:fontRef idx="minor">
-            <a:schemeClr val="tx1"/>
-          </a:fontRef>
-        </p:style>
-      </p:cxnSp>
-      <p:cxnSp>
-        <p:nvCxnSpPr>
-          <p:cNvPr id="80" name="Прямая со стрелкой 79"/>
-          <p:cNvCxnSpPr/>
-          <p:nvPr/>
-        </p:nvCxnSpPr>
-        <p:spPr>
-          <a:xfrm>
-            <a:off x="6725568" y="3110479"/>
-            <a:ext cx="0" cy="587334"/>
-          </a:xfrm>
-          <a:prstGeom prst="straightConnector1">
-            <a:avLst/>
-          </a:prstGeom>
-          <a:ln>
-            <a:tailEnd type="arrow"/>
-          </a:ln>
-        </p:spPr>
-        <p:style>
-          <a:lnRef idx="1">
-            <a:schemeClr val="accent1"/>
-          </a:lnRef>
-          <a:fillRef idx="0">
-            <a:schemeClr val="accent1"/>
-          </a:fillRef>
-          <a:effectRef idx="0">
-            <a:schemeClr val="accent1"/>
-          </a:effectRef>
-          <a:fontRef idx="minor">
-            <a:schemeClr val="tx1"/>
-          </a:fontRef>
-        </p:style>
-      </p:cxnSp>
-      <p:cxnSp>
-        <p:nvCxnSpPr>
-          <p:cNvPr id="81" name="Прямая со стрелкой 80"/>
-          <p:cNvCxnSpPr/>
-          <p:nvPr/>
-        </p:nvCxnSpPr>
-        <p:spPr>
-          <a:xfrm flipV="1">
-            <a:off x="5933480" y="3110479"/>
-            <a:ext cx="0" cy="587334"/>
-          </a:xfrm>
-          <a:prstGeom prst="straightConnector1">
-            <a:avLst/>
-          </a:prstGeom>
-          <a:ln>
-            <a:tailEnd type="arrow"/>
-          </a:ln>
-        </p:spPr>
-        <p:style>
-          <a:lnRef idx="1">
-            <a:schemeClr val="accent1"/>
-          </a:lnRef>
-          <a:fillRef idx="0">
-            <a:schemeClr val="accent1"/>
-          </a:fillRef>
-          <a:effectRef idx="0">
-            <a:schemeClr val="accent1"/>
-          </a:effectRef>
-          <a:fontRef idx="minor">
-            <a:schemeClr val="tx1"/>
-          </a:fontRef>
-        </p:style>
-      </p:cxnSp>
-      <p:cxnSp>
-        <p:nvCxnSpPr>
-          <p:cNvPr id="82" name="Прямая со стрелкой 81"/>
-          <p:cNvCxnSpPr/>
-          <p:nvPr/>
-        </p:nvCxnSpPr>
-        <p:spPr>
-          <a:xfrm flipH="1">
-            <a:off x="5284520" y="2977733"/>
-            <a:ext cx="432936" cy="0"/>
-          </a:xfrm>
-          <a:prstGeom prst="straightConnector1">
-            <a:avLst/>
-          </a:prstGeom>
-          <a:ln>
-            <a:tailEnd type="arrow"/>
-          </a:ln>
-        </p:spPr>
-        <p:style>
-          <a:lnRef idx="1">
-            <a:schemeClr val="accent1"/>
-          </a:lnRef>
-          <a:fillRef idx="0">
-            <a:schemeClr val="accent1"/>
-          </a:fillRef>
-          <a:effectRef idx="0">
-            <a:schemeClr val="accent1"/>
-          </a:effectRef>
-          <a:fontRef idx="minor">
-            <a:schemeClr val="tx1"/>
-          </a:fontRef>
-        </p:style>
-      </p:cxnSp>
-      <p:sp>
-        <p:nvSpPr>
-          <p:cNvPr id="83" name="TextBox 82"/>
-          <p:cNvSpPr txBox="1"/>
-          <p:nvPr/>
-        </p:nvSpPr>
-        <p:spPr>
-          <a:xfrm>
-            <a:off x="5350145" y="2307595"/>
-            <a:ext cx="301686" cy="369332"/>
-          </a:xfrm>
-          <a:prstGeom prst="rect">
-            <a:avLst/>
-          </a:prstGeom>
-          <a:noFill/>
-        </p:spPr>
-        <p:txBody>
-          <a:bodyPr wrap="none" rtlCol="0">
-            <a:spAutoFit/>
-          </a:bodyPr>
-          <a:lstStyle/>
-          <a:p>
-            <a:r>
-              <a:rPr lang="en-US" dirty="0" smtClean="0"/>
-              <a:t>3</a:t>
-            </a:r>
-            <a:endParaRPr lang="uk-UA" dirty="0"/>
-          </a:p>
-        </p:txBody>
-      </p:sp>
-      <p:sp>
-        <p:nvSpPr>
-          <p:cNvPr id="84" name="TextBox 83"/>
-          <p:cNvSpPr txBox="1"/>
-          <p:nvPr/>
-        </p:nvSpPr>
-        <p:spPr>
-          <a:xfrm>
-            <a:off x="6725568" y="3219480"/>
-            <a:ext cx="301686" cy="369332"/>
-          </a:xfrm>
-          <a:prstGeom prst="rect">
-            <a:avLst/>
-          </a:prstGeom>
-          <a:noFill/>
-        </p:spPr>
-        <p:txBody>
-          <a:bodyPr wrap="none" rtlCol="0">
-            <a:spAutoFit/>
-          </a:bodyPr>
-          <a:lstStyle/>
-          <a:p>
-            <a:r>
-              <a:rPr lang="en-US" dirty="0" smtClean="0"/>
-              <a:t>4</a:t>
-            </a:r>
-            <a:endParaRPr lang="uk-UA" dirty="0"/>
-          </a:p>
-        </p:txBody>
-      </p:sp>
-      <p:sp>
-        <p:nvSpPr>
-          <p:cNvPr id="85" name="TextBox 84"/>
-          <p:cNvSpPr txBox="1"/>
-          <p:nvPr/>
-        </p:nvSpPr>
-        <p:spPr>
-          <a:xfrm>
-            <a:off x="5933480" y="3219480"/>
-            <a:ext cx="418704" cy="369332"/>
-          </a:xfrm>
-          <a:prstGeom prst="rect">
-            <a:avLst/>
-          </a:prstGeom>
-          <a:noFill/>
-        </p:spPr>
-        <p:txBody>
-          <a:bodyPr wrap="none" rtlCol="0">
-            <a:spAutoFit/>
-          </a:bodyPr>
-          <a:lstStyle/>
-          <a:p>
-            <a:r>
-              <a:rPr lang="en-US" dirty="0" smtClean="0"/>
-              <a:t>1</a:t>
+              <a:t>. </a:t>
+            </a:r>
+            <a:r>
+              <a:rPr lang="ru-RU" b="1" dirty="0"/>
+              <a:t>Пользователь</a:t>
+            </a:r>
+            <a:r>
+              <a:rPr lang="ru-RU" dirty="0"/>
+              <a:t> может создать заявку на ремонт изделия. </a:t>
+            </a:r>
+            <a:r>
+              <a:rPr lang="ru-RU" b="1" dirty="0"/>
+              <a:t>Менеджер</a:t>
+            </a:r>
+            <a:r>
+              <a:rPr lang="ru-RU" dirty="0"/>
+              <a:t> может принять заявку указав цену, либо отклонить заявку, указав причину. </a:t>
+            </a:r>
+            <a:r>
+              <a:rPr lang="ru-RU" b="1" dirty="0"/>
+              <a:t>Мастер</a:t>
+            </a:r>
+            <a:r>
+              <a:rPr lang="ru-RU" dirty="0"/>
+              <a:t> может выполнить принятую </a:t>
+            </a:r>
+            <a:r>
+              <a:rPr lang="ru-RU" b="1" dirty="0"/>
+              <a:t>Менеджером</a:t>
+            </a:r>
+            <a:r>
+              <a:rPr lang="ru-RU" dirty="0"/>
+              <a:t> заявку. </a:t>
+            </a:r>
+            <a:r>
+              <a:rPr lang="ru-RU" b="1" dirty="0"/>
+              <a:t>Пользователь</a:t>
+            </a:r>
+            <a:r>
+              <a:rPr lang="ru-RU" dirty="0"/>
+              <a:t> может оставить </a:t>
+            </a:r>
+            <a:r>
+              <a:rPr lang="ru-RU" b="1" dirty="0"/>
+              <a:t>Отзыв</a:t>
+            </a:r>
+            <a:r>
+              <a:rPr lang="ru-RU" dirty="0"/>
+              <a:t> о выполненных работах</a:t>
             </a:r>
             <a:r>
               <a:rPr lang="ru-RU" dirty="0" smtClean="0"/>
-              <a:t>3</a:t>
-            </a:r>
-            <a:endParaRPr lang="uk-UA" dirty="0"/>
-          </a:p>
-        </p:txBody>
-      </p:sp>
-      <p:sp>
-        <p:nvSpPr>
-          <p:cNvPr id="86" name="TextBox 85"/>
-          <p:cNvSpPr txBox="1"/>
-          <p:nvPr/>
-        </p:nvSpPr>
-        <p:spPr>
-          <a:xfrm>
-            <a:off x="5307877" y="2631631"/>
-            <a:ext cx="418704" cy="369332"/>
-          </a:xfrm>
-          <a:prstGeom prst="rect">
-            <a:avLst/>
-          </a:prstGeom>
-          <a:noFill/>
-        </p:spPr>
-        <p:txBody>
-          <a:bodyPr wrap="none" rtlCol="0">
-            <a:spAutoFit/>
-          </a:bodyPr>
-          <a:lstStyle/>
-          <a:p>
-            <a:r>
-              <a:rPr lang="en-US" dirty="0" smtClean="0"/>
-              <a:t>1</a:t>
-            </a:r>
-            <a:r>
-              <a:rPr lang="ru-RU" dirty="0" smtClean="0"/>
-              <a:t>4</a:t>
-            </a:r>
-            <a:endParaRPr lang="uk-UA" dirty="0"/>
-          </a:p>
-        </p:txBody>
-      </p:sp>
-      <p:sp>
-        <p:nvSpPr>
-          <p:cNvPr id="88" name="Скругленный прямоугольник 87"/>
-          <p:cNvSpPr/>
-          <p:nvPr/>
-        </p:nvSpPr>
-        <p:spPr>
-          <a:xfrm>
-            <a:off x="5726581" y="3693671"/>
-            <a:ext cx="1356972" cy="648072"/>
-          </a:xfrm>
-          <a:prstGeom prst="roundRect">
-            <a:avLst/>
-          </a:prstGeom>
-        </p:spPr>
-        <p:style>
-          <a:lnRef idx="2">
-            <a:schemeClr val="accent1">
-              <a:shade val="50000"/>
-            </a:schemeClr>
-          </a:lnRef>
-          <a:fillRef idx="1">
-            <a:schemeClr val="accent1"/>
-          </a:fillRef>
-          <a:effectRef idx="0">
-            <a:schemeClr val="accent1"/>
-          </a:effectRef>
-          <a:fontRef idx="minor">
-            <a:schemeClr val="lt1"/>
-          </a:fontRef>
-        </p:style>
-        <p:txBody>
-          <a:bodyPr rtlCol="0" anchor="ctr"/>
-          <a:lstStyle/>
-          <a:p>
-            <a:pPr algn="ctr"/>
-            <a:r>
-              <a:rPr lang="en-US" dirty="0" smtClean="0"/>
-              <a:t>Specific Command</a:t>
-            </a:r>
-            <a:endParaRPr lang="uk-UA" dirty="0"/>
-          </a:p>
-        </p:txBody>
-      </p:sp>
-      <p:sp>
-        <p:nvSpPr>
-          <p:cNvPr id="89" name="Скругленный прямоугольник 88"/>
-          <p:cNvSpPr/>
-          <p:nvPr/>
-        </p:nvSpPr>
-        <p:spPr>
-          <a:xfrm>
-            <a:off x="5726581" y="4857265"/>
-            <a:ext cx="1356972" cy="648072"/>
-          </a:xfrm>
-          <a:prstGeom prst="roundRect">
-            <a:avLst/>
-          </a:prstGeom>
-        </p:spPr>
-        <p:style>
-          <a:lnRef idx="2">
-            <a:schemeClr val="accent1">
-              <a:shade val="50000"/>
-            </a:schemeClr>
-          </a:lnRef>
-          <a:fillRef idx="1">
-            <a:schemeClr val="accent1"/>
-          </a:fillRef>
-          <a:effectRef idx="0">
-            <a:schemeClr val="accent1"/>
-          </a:effectRef>
-          <a:fontRef idx="minor">
-            <a:schemeClr val="lt1"/>
-          </a:fontRef>
-        </p:style>
-        <p:txBody>
-          <a:bodyPr rtlCol="0" anchor="ctr"/>
-          <a:lstStyle/>
-          <a:p>
-            <a:pPr algn="ctr"/>
-            <a:r>
-              <a:rPr lang="en-US" dirty="0" smtClean="0"/>
-              <a:t>Specific Service</a:t>
-            </a:r>
-            <a:endParaRPr lang="uk-UA" dirty="0"/>
-          </a:p>
-        </p:txBody>
-      </p:sp>
-      <p:cxnSp>
-        <p:nvCxnSpPr>
-          <p:cNvPr id="90" name="Прямая со стрелкой 89"/>
-          <p:cNvCxnSpPr/>
-          <p:nvPr/>
-        </p:nvCxnSpPr>
-        <p:spPr>
-          <a:xfrm>
-            <a:off x="6732240" y="4201031"/>
-            <a:ext cx="0" cy="648072"/>
-          </a:xfrm>
-          <a:prstGeom prst="straightConnector1">
-            <a:avLst/>
-          </a:prstGeom>
-          <a:ln>
-            <a:tailEnd type="arrow"/>
-          </a:ln>
-        </p:spPr>
-        <p:style>
-          <a:lnRef idx="1">
-            <a:schemeClr val="accent1"/>
-          </a:lnRef>
-          <a:fillRef idx="0">
-            <a:schemeClr val="accent1"/>
-          </a:fillRef>
-          <a:effectRef idx="0">
-            <a:schemeClr val="accent1"/>
-          </a:effectRef>
-          <a:fontRef idx="minor">
-            <a:schemeClr val="tx1"/>
-          </a:fontRef>
-        </p:style>
-      </p:cxnSp>
-      <p:cxnSp>
-        <p:nvCxnSpPr>
-          <p:cNvPr id="91" name="Прямая со стрелкой 90"/>
-          <p:cNvCxnSpPr/>
-          <p:nvPr/>
-        </p:nvCxnSpPr>
-        <p:spPr>
-          <a:xfrm flipV="1">
-            <a:off x="5940307" y="4201031"/>
-            <a:ext cx="0" cy="648072"/>
-          </a:xfrm>
-          <a:prstGeom prst="straightConnector1">
-            <a:avLst/>
-          </a:prstGeom>
-          <a:ln>
-            <a:tailEnd type="arrow"/>
-          </a:ln>
-        </p:spPr>
-        <p:style>
-          <a:lnRef idx="1">
-            <a:schemeClr val="accent1"/>
-          </a:lnRef>
-          <a:fillRef idx="0">
-            <a:schemeClr val="accent1"/>
-          </a:fillRef>
-          <a:effectRef idx="0">
-            <a:schemeClr val="accent1"/>
-          </a:effectRef>
-          <a:fontRef idx="minor">
-            <a:schemeClr val="tx1"/>
-          </a:fontRef>
-        </p:style>
-      </p:cxnSp>
-      <p:sp>
-        <p:nvSpPr>
-          <p:cNvPr id="92" name="TextBox 91"/>
-          <p:cNvSpPr txBox="1"/>
-          <p:nvPr/>
-        </p:nvSpPr>
-        <p:spPr>
-          <a:xfrm>
-            <a:off x="5940307" y="4369549"/>
-            <a:ext cx="418704" cy="369332"/>
-          </a:xfrm>
-          <a:prstGeom prst="rect">
-            <a:avLst/>
-          </a:prstGeom>
-          <a:noFill/>
-        </p:spPr>
-        <p:txBody>
-          <a:bodyPr wrap="none" rtlCol="0">
-            <a:spAutoFit/>
-          </a:bodyPr>
-          <a:lstStyle/>
-          <a:p>
-            <a:r>
-              <a:rPr lang="en-US" dirty="0" smtClean="0"/>
-              <a:t>10</a:t>
-            </a:r>
-            <a:endParaRPr lang="uk-UA" dirty="0"/>
-          </a:p>
-        </p:txBody>
-      </p:sp>
-      <p:sp>
-        <p:nvSpPr>
-          <p:cNvPr id="93" name="TextBox 92"/>
-          <p:cNvSpPr txBox="1"/>
-          <p:nvPr/>
-        </p:nvSpPr>
-        <p:spPr>
-          <a:xfrm>
-            <a:off x="6718586" y="4348259"/>
-            <a:ext cx="301686" cy="369332"/>
-          </a:xfrm>
-          <a:prstGeom prst="rect">
-            <a:avLst/>
-          </a:prstGeom>
-          <a:noFill/>
-        </p:spPr>
-        <p:txBody>
-          <a:bodyPr wrap="none" rtlCol="0">
-            <a:spAutoFit/>
-          </a:bodyPr>
-          <a:lstStyle/>
-          <a:p>
-            <a:r>
-              <a:rPr lang="en-US" dirty="0" smtClean="0"/>
-              <a:t>5</a:t>
-            </a:r>
-            <a:endParaRPr lang="uk-UA" dirty="0"/>
-          </a:p>
-        </p:txBody>
-      </p:sp>
-      <p:sp>
-        <p:nvSpPr>
-          <p:cNvPr id="94" name="Скругленный прямоугольник 93"/>
-          <p:cNvSpPr/>
-          <p:nvPr/>
-        </p:nvSpPr>
-        <p:spPr>
-          <a:xfrm>
-            <a:off x="3901797" y="4849103"/>
-            <a:ext cx="1332448" cy="648072"/>
-          </a:xfrm>
-          <a:prstGeom prst="roundRect">
-            <a:avLst/>
-          </a:prstGeom>
-        </p:spPr>
-        <p:style>
-          <a:lnRef idx="2">
-            <a:schemeClr val="accent1">
-              <a:shade val="50000"/>
-            </a:schemeClr>
-          </a:lnRef>
-          <a:fillRef idx="1">
-            <a:schemeClr val="accent1"/>
-          </a:fillRef>
-          <a:effectRef idx="0">
-            <a:schemeClr val="accent1"/>
-          </a:effectRef>
-          <a:fontRef idx="minor">
-            <a:schemeClr val="lt1"/>
-          </a:fontRef>
-        </p:style>
-        <p:txBody>
-          <a:bodyPr rtlCol="0" anchor="ctr"/>
-          <a:lstStyle/>
-          <a:p>
-            <a:pPr algn="ctr"/>
-            <a:r>
-              <a:rPr lang="en-US" dirty="0"/>
-              <a:t>Specific DAO</a:t>
-            </a:r>
-            <a:endParaRPr lang="uk-UA" dirty="0"/>
-          </a:p>
-        </p:txBody>
-      </p:sp>
-      <p:cxnSp>
-        <p:nvCxnSpPr>
-          <p:cNvPr id="95" name="Прямая со стрелкой 94"/>
-          <p:cNvCxnSpPr/>
-          <p:nvPr/>
-        </p:nvCxnSpPr>
-        <p:spPr>
-          <a:xfrm>
-            <a:off x="5236489" y="5013176"/>
-            <a:ext cx="504056" cy="0"/>
-          </a:xfrm>
-          <a:prstGeom prst="straightConnector1">
-            <a:avLst/>
-          </a:prstGeom>
-          <a:ln>
-            <a:tailEnd type="arrow"/>
-          </a:ln>
-        </p:spPr>
-        <p:style>
-          <a:lnRef idx="1">
-            <a:schemeClr val="accent1"/>
-          </a:lnRef>
-          <a:fillRef idx="0">
-            <a:schemeClr val="accent1"/>
-          </a:fillRef>
-          <a:effectRef idx="0">
-            <a:schemeClr val="accent1"/>
-          </a:effectRef>
-          <a:fontRef idx="minor">
-            <a:schemeClr val="tx1"/>
-          </a:fontRef>
-        </p:style>
-      </p:cxnSp>
-      <p:sp>
-        <p:nvSpPr>
-          <p:cNvPr id="96" name="TextBox 95"/>
-          <p:cNvSpPr txBox="1"/>
-          <p:nvPr/>
-        </p:nvSpPr>
-        <p:spPr>
-          <a:xfrm>
-            <a:off x="5301226" y="4996635"/>
-            <a:ext cx="301686" cy="369332"/>
-          </a:xfrm>
-          <a:prstGeom prst="rect">
-            <a:avLst/>
-          </a:prstGeom>
-          <a:noFill/>
-        </p:spPr>
-        <p:txBody>
-          <a:bodyPr wrap="none" rtlCol="0">
-            <a:spAutoFit/>
-          </a:bodyPr>
-          <a:lstStyle/>
-          <a:p>
-            <a:r>
-              <a:rPr lang="en-US" dirty="0" smtClean="0"/>
-              <a:t>6</a:t>
-            </a:r>
-            <a:endParaRPr lang="uk-UA" dirty="0"/>
-          </a:p>
-        </p:txBody>
-      </p:sp>
-      <p:cxnSp>
-        <p:nvCxnSpPr>
-          <p:cNvPr id="97" name="Прямая со стрелкой 96"/>
-          <p:cNvCxnSpPr/>
-          <p:nvPr/>
-        </p:nvCxnSpPr>
-        <p:spPr>
-          <a:xfrm flipH="1">
-            <a:off x="5218895" y="5376382"/>
-            <a:ext cx="507686" cy="0"/>
-          </a:xfrm>
-          <a:prstGeom prst="straightConnector1">
-            <a:avLst/>
-          </a:prstGeom>
-          <a:ln>
-            <a:tailEnd type="arrow"/>
-          </a:ln>
-        </p:spPr>
-        <p:style>
-          <a:lnRef idx="1">
-            <a:schemeClr val="accent1"/>
-          </a:lnRef>
-          <a:fillRef idx="0">
-            <a:schemeClr val="accent1"/>
-          </a:fillRef>
-          <a:effectRef idx="0">
-            <a:schemeClr val="accent1"/>
-          </a:effectRef>
-          <a:fontRef idx="minor">
-            <a:schemeClr val="tx1"/>
-          </a:fontRef>
-        </p:style>
-      </p:cxnSp>
-      <p:sp>
-        <p:nvSpPr>
-          <p:cNvPr id="100" name="TextBox 99"/>
-          <p:cNvSpPr txBox="1"/>
-          <p:nvPr/>
-        </p:nvSpPr>
-        <p:spPr>
-          <a:xfrm>
-            <a:off x="5321895" y="4627303"/>
-            <a:ext cx="301686" cy="369332"/>
-          </a:xfrm>
-          <a:prstGeom prst="rect">
-            <a:avLst/>
-          </a:prstGeom>
-          <a:noFill/>
-        </p:spPr>
-        <p:txBody>
-          <a:bodyPr wrap="none" rtlCol="0">
-            <a:spAutoFit/>
-          </a:bodyPr>
-          <a:lstStyle/>
-          <a:p>
-            <a:r>
-              <a:rPr lang="en-US" dirty="0" smtClean="0"/>
-              <a:t>8</a:t>
-            </a:r>
-            <a:endParaRPr lang="uk-UA" dirty="0"/>
-          </a:p>
-        </p:txBody>
-      </p:sp>
-      <p:sp>
-        <p:nvSpPr>
-          <p:cNvPr id="102" name="Скругленный прямоугольник 101"/>
-          <p:cNvSpPr/>
-          <p:nvPr/>
-        </p:nvSpPr>
-        <p:spPr>
-          <a:xfrm>
-            <a:off x="1448253" y="4798285"/>
-            <a:ext cx="1296144" cy="864096"/>
-          </a:xfrm>
-          <a:prstGeom prst="roundRect">
-            <a:avLst/>
-          </a:prstGeom>
-        </p:spPr>
-        <p:style>
-          <a:lnRef idx="2">
-            <a:schemeClr val="accent1">
-              <a:shade val="50000"/>
-            </a:schemeClr>
-          </a:lnRef>
-          <a:fillRef idx="1">
-            <a:schemeClr val="accent1"/>
-          </a:fillRef>
-          <a:effectRef idx="0">
-            <a:schemeClr val="accent1"/>
-          </a:effectRef>
-          <a:fontRef idx="minor">
-            <a:schemeClr val="lt1"/>
-          </a:fontRef>
-        </p:style>
-        <p:txBody>
-          <a:bodyPr rtlCol="0" anchor="ctr"/>
-          <a:lstStyle/>
-          <a:p>
-            <a:pPr algn="ctr"/>
-            <a:r>
-              <a:rPr lang="en-US" dirty="0" smtClean="0"/>
-              <a:t>Database</a:t>
-            </a:r>
-            <a:endParaRPr lang="uk-UA" dirty="0"/>
-          </a:p>
-        </p:txBody>
-      </p:sp>
-      <p:cxnSp>
-        <p:nvCxnSpPr>
-          <p:cNvPr id="103" name="Прямая со стрелкой 102"/>
-          <p:cNvCxnSpPr/>
-          <p:nvPr/>
-        </p:nvCxnSpPr>
-        <p:spPr>
-          <a:xfrm>
-            <a:off x="2750477" y="5198724"/>
-            <a:ext cx="1151320" cy="0"/>
-          </a:xfrm>
-          <a:prstGeom prst="straightConnector1">
-            <a:avLst/>
-          </a:prstGeom>
-          <a:ln>
-            <a:headEnd type="arrow"/>
-            <a:tailEnd type="arrow"/>
-          </a:ln>
-        </p:spPr>
-        <p:style>
-          <a:lnRef idx="1">
-            <a:schemeClr val="accent1"/>
-          </a:lnRef>
-          <a:fillRef idx="0">
-            <a:schemeClr val="accent1"/>
-          </a:fillRef>
-          <a:effectRef idx="0">
-            <a:schemeClr val="accent1"/>
-          </a:effectRef>
-          <a:fontRef idx="minor">
-            <a:schemeClr val="tx1"/>
-          </a:fontRef>
-        </p:style>
-      </p:cxnSp>
-      <p:sp>
-        <p:nvSpPr>
-          <p:cNvPr id="104" name="TextBox 103"/>
-          <p:cNvSpPr txBox="1"/>
-          <p:nvPr/>
-        </p:nvSpPr>
-        <p:spPr>
-          <a:xfrm>
-            <a:off x="3335855" y="4810630"/>
-            <a:ext cx="301686" cy="369332"/>
-          </a:xfrm>
-          <a:prstGeom prst="rect">
-            <a:avLst/>
-          </a:prstGeom>
-          <a:noFill/>
-        </p:spPr>
-        <p:txBody>
-          <a:bodyPr wrap="none" rtlCol="0">
-            <a:spAutoFit/>
-          </a:bodyPr>
-          <a:lstStyle/>
-          <a:p>
-            <a:r>
-              <a:rPr lang="en-US" dirty="0" smtClean="0"/>
-              <a:t>7</a:t>
-            </a:r>
-            <a:endParaRPr lang="uk-UA" dirty="0"/>
-          </a:p>
-        </p:txBody>
-      </p:sp>
-      <p:sp>
-        <p:nvSpPr>
-          <p:cNvPr id="106" name="Скругленный прямоугольник 105"/>
-          <p:cNvSpPr/>
-          <p:nvPr/>
-        </p:nvSpPr>
-        <p:spPr>
-          <a:xfrm>
-            <a:off x="3968350" y="3693671"/>
-            <a:ext cx="1296144" cy="648072"/>
-          </a:xfrm>
-          <a:prstGeom prst="roundRect">
-            <a:avLst/>
-          </a:prstGeom>
-        </p:spPr>
-        <p:style>
-          <a:lnRef idx="2">
-            <a:schemeClr val="accent1">
-              <a:shade val="50000"/>
-            </a:schemeClr>
-          </a:lnRef>
-          <a:fillRef idx="1">
-            <a:schemeClr val="accent1"/>
-          </a:fillRef>
-          <a:effectRef idx="0">
-            <a:schemeClr val="accent1"/>
-          </a:effectRef>
-          <a:fontRef idx="minor">
-            <a:schemeClr val="lt1"/>
-          </a:fontRef>
-        </p:style>
-        <p:txBody>
-          <a:bodyPr rtlCol="0" anchor="ctr"/>
-          <a:lstStyle/>
-          <a:p>
-            <a:pPr algn="ctr"/>
-            <a:r>
-              <a:rPr lang="en-US" dirty="0" smtClean="0"/>
-              <a:t>*.</a:t>
-            </a:r>
-            <a:r>
-              <a:rPr lang="en-US" dirty="0" err="1" smtClean="0"/>
-              <a:t>jsp</a:t>
-            </a:r>
-            <a:endParaRPr lang="uk-UA" dirty="0"/>
-          </a:p>
-        </p:txBody>
-      </p:sp>
-      <p:cxnSp>
-        <p:nvCxnSpPr>
-          <p:cNvPr id="107" name="Прямая со стрелкой 106"/>
-          <p:cNvCxnSpPr/>
-          <p:nvPr/>
-        </p:nvCxnSpPr>
-        <p:spPr>
-          <a:xfrm flipH="1">
-            <a:off x="5264494" y="3861048"/>
-            <a:ext cx="432936" cy="0"/>
-          </a:xfrm>
-          <a:prstGeom prst="straightConnector1">
-            <a:avLst/>
-          </a:prstGeom>
-          <a:ln>
-            <a:tailEnd type="arrow"/>
-          </a:ln>
-        </p:spPr>
-        <p:style>
-          <a:lnRef idx="1">
-            <a:schemeClr val="accent1"/>
-          </a:lnRef>
-          <a:fillRef idx="0">
-            <a:schemeClr val="accent1"/>
-          </a:fillRef>
-          <a:effectRef idx="0">
-            <a:schemeClr val="accent1"/>
-          </a:effectRef>
-          <a:fontRef idx="minor">
-            <a:schemeClr val="tx1"/>
-          </a:fontRef>
-        </p:style>
-      </p:cxnSp>
-      <p:sp>
-        <p:nvSpPr>
-          <p:cNvPr id="108" name="TextBox 107"/>
-          <p:cNvSpPr txBox="1"/>
-          <p:nvPr/>
-        </p:nvSpPr>
-        <p:spPr>
-          <a:xfrm>
-            <a:off x="5288850" y="3588510"/>
-            <a:ext cx="418704" cy="369332"/>
-          </a:xfrm>
-          <a:prstGeom prst="rect">
-            <a:avLst/>
-          </a:prstGeom>
-          <a:noFill/>
-        </p:spPr>
-        <p:txBody>
-          <a:bodyPr wrap="none" rtlCol="0">
-            <a:spAutoFit/>
-          </a:bodyPr>
-          <a:lstStyle/>
-          <a:p>
-            <a:r>
-              <a:rPr lang="en-US" dirty="0" smtClean="0"/>
-              <a:t>11</a:t>
-            </a:r>
-            <a:endParaRPr lang="uk-UA" dirty="0"/>
-          </a:p>
-        </p:txBody>
-      </p:sp>
-      <p:cxnSp>
-        <p:nvCxnSpPr>
-          <p:cNvPr id="109" name="Прямая со стрелкой 108"/>
-          <p:cNvCxnSpPr/>
-          <p:nvPr/>
-        </p:nvCxnSpPr>
-        <p:spPr>
-          <a:xfrm>
-            <a:off x="5193374" y="4213694"/>
-            <a:ext cx="504056" cy="0"/>
-          </a:xfrm>
-          <a:prstGeom prst="straightConnector1">
-            <a:avLst/>
-          </a:prstGeom>
-          <a:ln>
-            <a:tailEnd type="arrow"/>
-          </a:ln>
-        </p:spPr>
-        <p:style>
-          <a:lnRef idx="1">
-            <a:schemeClr val="accent1"/>
-          </a:lnRef>
-          <a:fillRef idx="0">
-            <a:schemeClr val="accent1"/>
-          </a:fillRef>
-          <a:effectRef idx="0">
-            <a:schemeClr val="accent1"/>
-          </a:effectRef>
-          <a:fontRef idx="minor">
-            <a:schemeClr val="tx1"/>
-          </a:fontRef>
-        </p:style>
-      </p:cxnSp>
-      <p:sp>
-        <p:nvSpPr>
-          <p:cNvPr id="110" name="TextBox 109"/>
-          <p:cNvSpPr txBox="1"/>
-          <p:nvPr/>
-        </p:nvSpPr>
-        <p:spPr>
-          <a:xfrm>
-            <a:off x="5263386" y="3865784"/>
-            <a:ext cx="418704" cy="369332"/>
-          </a:xfrm>
-          <a:prstGeom prst="rect">
-            <a:avLst/>
-          </a:prstGeom>
-          <a:noFill/>
-        </p:spPr>
-        <p:txBody>
-          <a:bodyPr wrap="none" rtlCol="0">
-            <a:spAutoFit/>
-          </a:bodyPr>
-          <a:lstStyle/>
-          <a:p>
-            <a:r>
-              <a:rPr lang="en-US" dirty="0" smtClean="0"/>
-              <a:t>12</a:t>
+              <a:t>.</a:t>
             </a:r>
             <a:endParaRPr lang="uk-UA" dirty="0"/>
           </a:p>
@@ -5343,7 +3779,7 @@
     </p:spTree>
     <p:extLst>
       <p:ext uri="{BB962C8B-B14F-4D97-AF65-F5344CB8AC3E}">
-        <p14:creationId xmlns:p14="http://schemas.microsoft.com/office/powerpoint/2010/main" val="125127479"/>
+        <p14:creationId xmlns:p14="http://schemas.microsoft.com/office/powerpoint/2010/main" val="1806728988"/>
       </p:ext>
     </p:extLst>
   </p:cSld>
@@ -5353,7 +3789,7 @@
 </p:sld>
 </file>
 
-<file path=ppt/slides/slide5.xml><?xml version="1.0" encoding="utf-8"?>
+<file path=ppt/slides/slide3.xml><?xml version="1.0" encoding="utf-8"?>
 <p:sld xmlns:a="http://schemas.openxmlformats.org/drawingml/2006/main" xmlns:r="http://schemas.openxmlformats.org/officeDocument/2006/relationships" xmlns:p="http://schemas.openxmlformats.org/presentationml/2006/main">
   <p:cSld>
     <p:spTree>
@@ -5386,16 +3822,12 @@
           <a:lstStyle/>
           <a:p>
             <a:r>
-              <a:rPr lang="ru-RU" dirty="0"/>
-              <a:t>Архитектура </a:t>
+              <a:rPr lang="uk-UA" dirty="0" smtClean="0"/>
+              <a:t>Структура баз</a:t>
             </a:r>
             <a:r>
               <a:rPr lang="ru-RU" dirty="0" smtClean="0"/>
-              <a:t>2</a:t>
-            </a:r>
-            <a:r>
-              <a:rPr lang="en-US" dirty="0" smtClean="0"/>
-              <a:t>/3</a:t>
+              <a:t>ы данных</a:t>
             </a:r>
             <a:endParaRPr lang="uk-UA" dirty="0"/>
           </a:p>
@@ -5403,1414 +3835,29 @@
       </p:sp>
       <p:sp>
         <p:nvSpPr>
-          <p:cNvPr id="29" name="Прямоугольник 28"/>
-          <p:cNvSpPr/>
-          <p:nvPr/>
-        </p:nvSpPr>
-        <p:spPr>
-          <a:xfrm>
-            <a:off x="539552" y="1700808"/>
-            <a:ext cx="2232248" cy="295095"/>
-          </a:xfrm>
-          <a:prstGeom prst="rect">
-            <a:avLst/>
-          </a:prstGeom>
-        </p:spPr>
-        <p:style>
-          <a:lnRef idx="2">
-            <a:schemeClr val="accent1">
-              <a:shade val="50000"/>
-            </a:schemeClr>
-          </a:lnRef>
-          <a:fillRef idx="1">
-            <a:schemeClr val="accent1"/>
-          </a:fillRef>
-          <a:effectRef idx="0">
-            <a:schemeClr val="accent1"/>
-          </a:effectRef>
-          <a:fontRef idx="minor">
-            <a:schemeClr val="lt1"/>
-          </a:fontRef>
-        </p:style>
-        <p:txBody>
-          <a:bodyPr rtlCol="0" anchor="ctr"/>
-          <a:lstStyle/>
-          <a:p>
-            <a:pPr algn="ctr"/>
-            <a:r>
-              <a:rPr lang="en-US" dirty="0" smtClean="0"/>
-              <a:t>Java</a:t>
-            </a:r>
+          <p:cNvPr id="3" name="Объект 2"/>
+          <p:cNvSpPr>
+            <a:spLocks noGrp="1"/>
+          </p:cNvSpPr>
+          <p:nvPr>
+            <p:ph idx="1"/>
+          </p:nvPr>
+        </p:nvSpPr>
+        <p:spPr/>
+        <p:txBody>
+          <a:bodyPr/>
+          <a:lstStyle/>
+          <a:p>
+            <a:pPr marL="0" indent="0">
+              <a:buNone/>
+            </a:pPr>
             <a:endParaRPr lang="uk-UA" dirty="0"/>
-          </a:p>
-        </p:txBody>
-      </p:sp>
-      <p:sp>
-        <p:nvSpPr>
-          <p:cNvPr id="30" name="Прямоугольник 29"/>
-          <p:cNvSpPr/>
-          <p:nvPr/>
-        </p:nvSpPr>
-        <p:spPr>
-          <a:xfrm>
-            <a:off x="3491880" y="1700808"/>
-            <a:ext cx="2232248" cy="295095"/>
-          </a:xfrm>
-          <a:prstGeom prst="rect">
-            <a:avLst/>
-          </a:prstGeom>
-        </p:spPr>
-        <p:style>
-          <a:lnRef idx="2">
-            <a:schemeClr val="accent1">
-              <a:shade val="50000"/>
-            </a:schemeClr>
-          </a:lnRef>
-          <a:fillRef idx="1">
-            <a:schemeClr val="accent1"/>
-          </a:fillRef>
-          <a:effectRef idx="0">
-            <a:schemeClr val="accent1"/>
-          </a:effectRef>
-          <a:fontRef idx="minor">
-            <a:schemeClr val="lt1"/>
-          </a:fontRef>
-        </p:style>
-        <p:txBody>
-          <a:bodyPr rtlCol="0" anchor="ctr"/>
-          <a:lstStyle/>
-          <a:p>
-            <a:pPr algn="ctr"/>
-            <a:r>
-              <a:rPr lang="en-US" dirty="0" smtClean="0"/>
-              <a:t>commands</a:t>
-            </a:r>
-            <a:endParaRPr lang="uk-UA" dirty="0"/>
-          </a:p>
-        </p:txBody>
-      </p:sp>
-      <p:sp>
-        <p:nvSpPr>
-          <p:cNvPr id="31" name="Прямоугольник 30"/>
-          <p:cNvSpPr/>
-          <p:nvPr/>
-        </p:nvSpPr>
-        <p:spPr>
-          <a:xfrm>
-            <a:off x="3491880" y="2060848"/>
-            <a:ext cx="2232248" cy="295095"/>
-          </a:xfrm>
-          <a:prstGeom prst="rect">
-            <a:avLst/>
-          </a:prstGeom>
-        </p:spPr>
-        <p:style>
-          <a:lnRef idx="2">
-            <a:schemeClr val="accent1">
-              <a:shade val="50000"/>
-            </a:schemeClr>
-          </a:lnRef>
-          <a:fillRef idx="1">
-            <a:schemeClr val="accent1"/>
-          </a:fillRef>
-          <a:effectRef idx="0">
-            <a:schemeClr val="accent1"/>
-          </a:effectRef>
-          <a:fontRef idx="minor">
-            <a:schemeClr val="lt1"/>
-          </a:fontRef>
-        </p:style>
-        <p:txBody>
-          <a:bodyPr rtlCol="0" anchor="ctr"/>
-          <a:lstStyle/>
-          <a:p>
-            <a:pPr algn="ctr"/>
-            <a:r>
-              <a:rPr lang="en-US" dirty="0" smtClean="0"/>
-              <a:t>configurations</a:t>
-            </a:r>
-            <a:endParaRPr lang="uk-UA" dirty="0"/>
-          </a:p>
-        </p:txBody>
-      </p:sp>
-      <p:sp>
-        <p:nvSpPr>
-          <p:cNvPr id="32" name="Прямоугольник 31"/>
-          <p:cNvSpPr/>
-          <p:nvPr/>
-        </p:nvSpPr>
-        <p:spPr>
-          <a:xfrm>
-            <a:off x="3491880" y="2420888"/>
-            <a:ext cx="2232248" cy="295095"/>
-          </a:xfrm>
-          <a:prstGeom prst="rect">
-            <a:avLst/>
-          </a:prstGeom>
-        </p:spPr>
-        <p:style>
-          <a:lnRef idx="2">
-            <a:schemeClr val="accent1">
-              <a:shade val="50000"/>
-            </a:schemeClr>
-          </a:lnRef>
-          <a:fillRef idx="1">
-            <a:schemeClr val="accent1"/>
-          </a:fillRef>
-          <a:effectRef idx="0">
-            <a:schemeClr val="accent1"/>
-          </a:effectRef>
-          <a:fontRef idx="minor">
-            <a:schemeClr val="lt1"/>
-          </a:fontRef>
-        </p:style>
-        <p:txBody>
-          <a:bodyPr rtlCol="0" anchor="ctr"/>
-          <a:lstStyle/>
-          <a:p>
-            <a:pPr algn="ctr"/>
-            <a:r>
-              <a:rPr lang="en-US" dirty="0" smtClean="0"/>
-              <a:t>exception</a:t>
-            </a:r>
-            <a:endParaRPr lang="uk-UA" dirty="0"/>
-          </a:p>
-        </p:txBody>
-      </p:sp>
-      <p:sp>
-        <p:nvSpPr>
-          <p:cNvPr id="33" name="Прямоугольник 32"/>
-          <p:cNvSpPr/>
-          <p:nvPr/>
-        </p:nvSpPr>
-        <p:spPr>
-          <a:xfrm>
-            <a:off x="3491880" y="2780928"/>
-            <a:ext cx="2232248" cy="295095"/>
-          </a:xfrm>
-          <a:prstGeom prst="rect">
-            <a:avLst/>
-          </a:prstGeom>
-        </p:spPr>
-        <p:style>
-          <a:lnRef idx="2">
-            <a:schemeClr val="accent1">
-              <a:shade val="50000"/>
-            </a:schemeClr>
-          </a:lnRef>
-          <a:fillRef idx="1">
-            <a:schemeClr val="accent1"/>
-          </a:fillRef>
-          <a:effectRef idx="0">
-            <a:schemeClr val="accent1"/>
-          </a:effectRef>
-          <a:fontRef idx="minor">
-            <a:schemeClr val="lt1"/>
-          </a:fontRef>
-        </p:style>
-        <p:txBody>
-          <a:bodyPr rtlCol="0" anchor="ctr"/>
-          <a:lstStyle/>
-          <a:p>
-            <a:pPr algn="ctr"/>
-            <a:r>
-              <a:rPr lang="en-US" dirty="0" smtClean="0"/>
-              <a:t>filters</a:t>
-            </a:r>
-            <a:endParaRPr lang="uk-UA" dirty="0"/>
-          </a:p>
-        </p:txBody>
-      </p:sp>
-      <p:sp>
-        <p:nvSpPr>
-          <p:cNvPr id="34" name="Прямоугольник 33"/>
-          <p:cNvSpPr/>
-          <p:nvPr/>
-        </p:nvSpPr>
-        <p:spPr>
-          <a:xfrm>
-            <a:off x="3491880" y="3140968"/>
-            <a:ext cx="2232248" cy="295095"/>
-          </a:xfrm>
-          <a:prstGeom prst="rect">
-            <a:avLst/>
-          </a:prstGeom>
-        </p:spPr>
-        <p:style>
-          <a:lnRef idx="2">
-            <a:schemeClr val="accent1">
-              <a:shade val="50000"/>
-            </a:schemeClr>
-          </a:lnRef>
-          <a:fillRef idx="1">
-            <a:schemeClr val="accent1"/>
-          </a:fillRef>
-          <a:effectRef idx="0">
-            <a:schemeClr val="accent1"/>
-          </a:effectRef>
-          <a:fontRef idx="minor">
-            <a:schemeClr val="lt1"/>
-          </a:fontRef>
-        </p:style>
-        <p:txBody>
-          <a:bodyPr rtlCol="0" anchor="ctr"/>
-          <a:lstStyle/>
-          <a:p>
-            <a:pPr algn="ctr"/>
-            <a:r>
-              <a:rPr lang="en-US" dirty="0" smtClean="0"/>
-              <a:t>model</a:t>
-            </a:r>
-            <a:endParaRPr lang="uk-UA" dirty="0"/>
-          </a:p>
-        </p:txBody>
-      </p:sp>
-      <p:sp>
-        <p:nvSpPr>
-          <p:cNvPr id="35" name="Прямоугольник 34"/>
-          <p:cNvSpPr/>
-          <p:nvPr/>
-        </p:nvSpPr>
-        <p:spPr>
-          <a:xfrm>
-            <a:off x="6372200" y="3140968"/>
-            <a:ext cx="2232248" cy="295095"/>
-          </a:xfrm>
-          <a:prstGeom prst="rect">
-            <a:avLst/>
-          </a:prstGeom>
-        </p:spPr>
-        <p:style>
-          <a:lnRef idx="2">
-            <a:schemeClr val="accent1">
-              <a:shade val="50000"/>
-            </a:schemeClr>
-          </a:lnRef>
-          <a:fillRef idx="1">
-            <a:schemeClr val="accent1"/>
-          </a:fillRef>
-          <a:effectRef idx="0">
-            <a:schemeClr val="accent1"/>
-          </a:effectRef>
-          <a:fontRef idx="minor">
-            <a:schemeClr val="lt1"/>
-          </a:fontRef>
-        </p:style>
-        <p:txBody>
-          <a:bodyPr rtlCol="0" anchor="ctr"/>
-          <a:lstStyle/>
-          <a:p>
-            <a:pPr algn="ctr"/>
-            <a:r>
-              <a:rPr lang="en-US" dirty="0" smtClean="0"/>
-              <a:t>entity</a:t>
-            </a:r>
-            <a:endParaRPr lang="uk-UA" dirty="0"/>
-          </a:p>
-        </p:txBody>
-      </p:sp>
-      <p:sp>
-        <p:nvSpPr>
-          <p:cNvPr id="36" name="Прямоугольник 35"/>
-          <p:cNvSpPr/>
-          <p:nvPr/>
-        </p:nvSpPr>
-        <p:spPr>
-          <a:xfrm>
-            <a:off x="6372200" y="3501008"/>
-            <a:ext cx="2232248" cy="295095"/>
-          </a:xfrm>
-          <a:prstGeom prst="rect">
-            <a:avLst/>
-          </a:prstGeom>
-        </p:spPr>
-        <p:style>
-          <a:lnRef idx="2">
-            <a:schemeClr val="accent1">
-              <a:shade val="50000"/>
-            </a:schemeClr>
-          </a:lnRef>
-          <a:fillRef idx="1">
-            <a:schemeClr val="accent1"/>
-          </a:fillRef>
-          <a:effectRef idx="0">
-            <a:schemeClr val="accent1"/>
-          </a:effectRef>
-          <a:fontRef idx="minor">
-            <a:schemeClr val="lt1"/>
-          </a:fontRef>
-        </p:style>
-        <p:txBody>
-          <a:bodyPr rtlCol="0" anchor="ctr"/>
-          <a:lstStyle/>
-          <a:p>
-            <a:pPr algn="ctr"/>
-            <a:r>
-              <a:rPr lang="en-US" dirty="0" smtClean="0"/>
-              <a:t>DAO</a:t>
-            </a:r>
-            <a:endParaRPr lang="uk-UA" dirty="0"/>
-          </a:p>
-        </p:txBody>
-      </p:sp>
-      <p:sp>
-        <p:nvSpPr>
-          <p:cNvPr id="37" name="Прямоугольник 36"/>
-          <p:cNvSpPr/>
-          <p:nvPr/>
-        </p:nvSpPr>
-        <p:spPr>
-          <a:xfrm>
-            <a:off x="3491880" y="3501008"/>
-            <a:ext cx="2232248" cy="295095"/>
-          </a:xfrm>
-          <a:prstGeom prst="rect">
-            <a:avLst/>
-          </a:prstGeom>
-        </p:spPr>
-        <p:style>
-          <a:lnRef idx="2">
-            <a:schemeClr val="accent1">
-              <a:shade val="50000"/>
-            </a:schemeClr>
-          </a:lnRef>
-          <a:fillRef idx="1">
-            <a:schemeClr val="accent1"/>
-          </a:fillRef>
-          <a:effectRef idx="0">
-            <a:schemeClr val="accent1"/>
-          </a:effectRef>
-          <a:fontRef idx="minor">
-            <a:schemeClr val="lt1"/>
-          </a:fontRef>
-        </p:style>
-        <p:txBody>
-          <a:bodyPr rtlCol="0" anchor="ctr"/>
-          <a:lstStyle/>
-          <a:p>
-            <a:pPr algn="ctr"/>
-            <a:r>
-              <a:rPr lang="en-US" dirty="0" smtClean="0"/>
-              <a:t>services</a:t>
-            </a:r>
-            <a:endParaRPr lang="uk-UA" dirty="0"/>
-          </a:p>
-        </p:txBody>
-      </p:sp>
-      <p:sp>
-        <p:nvSpPr>
-          <p:cNvPr id="38" name="Прямоугольник 37"/>
-          <p:cNvSpPr/>
-          <p:nvPr/>
-        </p:nvSpPr>
-        <p:spPr>
-          <a:xfrm>
-            <a:off x="3491880" y="3861048"/>
-            <a:ext cx="2232248" cy="295095"/>
-          </a:xfrm>
-          <a:prstGeom prst="rect">
-            <a:avLst/>
-          </a:prstGeom>
-        </p:spPr>
-        <p:style>
-          <a:lnRef idx="2">
-            <a:schemeClr val="accent1">
-              <a:shade val="50000"/>
-            </a:schemeClr>
-          </a:lnRef>
-          <a:fillRef idx="1">
-            <a:schemeClr val="accent1"/>
-          </a:fillRef>
-          <a:effectRef idx="0">
-            <a:schemeClr val="accent1"/>
-          </a:effectRef>
-          <a:fontRef idx="minor">
-            <a:schemeClr val="lt1"/>
-          </a:fontRef>
-        </p:style>
-        <p:txBody>
-          <a:bodyPr rtlCol="0" anchor="ctr"/>
-          <a:lstStyle/>
-          <a:p>
-            <a:pPr algn="ctr"/>
-            <a:r>
-              <a:rPr lang="en-US" dirty="0" smtClean="0"/>
-              <a:t>servlet</a:t>
-            </a:r>
-            <a:endParaRPr lang="uk-UA" dirty="0"/>
-          </a:p>
-        </p:txBody>
-      </p:sp>
-      <p:sp>
-        <p:nvSpPr>
-          <p:cNvPr id="39" name="Прямоугольник 38"/>
-          <p:cNvSpPr/>
-          <p:nvPr/>
-        </p:nvSpPr>
-        <p:spPr>
-          <a:xfrm>
-            <a:off x="3491880" y="4221088"/>
-            <a:ext cx="2232248" cy="295095"/>
-          </a:xfrm>
-          <a:prstGeom prst="rect">
-            <a:avLst/>
-          </a:prstGeom>
-        </p:spPr>
-        <p:style>
-          <a:lnRef idx="2">
-            <a:schemeClr val="accent1">
-              <a:shade val="50000"/>
-            </a:schemeClr>
-          </a:lnRef>
-          <a:fillRef idx="1">
-            <a:schemeClr val="accent1"/>
-          </a:fillRef>
-          <a:effectRef idx="0">
-            <a:schemeClr val="accent1"/>
-          </a:effectRef>
-          <a:fontRef idx="minor">
-            <a:schemeClr val="lt1"/>
-          </a:fontRef>
-        </p:style>
-        <p:txBody>
-          <a:bodyPr rtlCol="0" anchor="ctr"/>
-          <a:lstStyle/>
-          <a:p>
-            <a:pPr algn="ctr"/>
-            <a:r>
-              <a:rPr lang="en-US" dirty="0" smtClean="0"/>
-              <a:t>transaction</a:t>
-            </a:r>
-            <a:endParaRPr lang="uk-UA" dirty="0"/>
-          </a:p>
-        </p:txBody>
-      </p:sp>
-      <p:sp>
-        <p:nvSpPr>
-          <p:cNvPr id="40" name="Прямоугольник 39"/>
-          <p:cNvSpPr/>
-          <p:nvPr/>
-        </p:nvSpPr>
-        <p:spPr>
-          <a:xfrm>
-            <a:off x="3491880" y="4581128"/>
-            <a:ext cx="2232248" cy="295095"/>
-          </a:xfrm>
-          <a:prstGeom prst="rect">
-            <a:avLst/>
-          </a:prstGeom>
-        </p:spPr>
-        <p:style>
-          <a:lnRef idx="2">
-            <a:schemeClr val="accent1">
-              <a:shade val="50000"/>
-            </a:schemeClr>
-          </a:lnRef>
-          <a:fillRef idx="1">
-            <a:schemeClr val="accent1"/>
-          </a:fillRef>
-          <a:effectRef idx="0">
-            <a:schemeClr val="accent1"/>
-          </a:effectRef>
-          <a:fontRef idx="minor">
-            <a:schemeClr val="lt1"/>
-          </a:fontRef>
-        </p:style>
-        <p:txBody>
-          <a:bodyPr rtlCol="0" anchor="ctr"/>
-          <a:lstStyle/>
-          <a:p>
-            <a:pPr algn="ctr"/>
-            <a:r>
-              <a:rPr lang="en-US" dirty="0" err="1" smtClean="0"/>
-              <a:t>util</a:t>
-            </a:r>
-            <a:endParaRPr lang="uk-UA" dirty="0"/>
-          </a:p>
-        </p:txBody>
-      </p:sp>
-      <p:cxnSp>
-        <p:nvCxnSpPr>
-          <p:cNvPr id="42" name="Прямая со стрелкой 41"/>
-          <p:cNvCxnSpPr>
-            <a:stCxn id="29" idx="3"/>
-            <a:endCxn id="30" idx="1"/>
-          </p:cNvCxnSpPr>
-          <p:nvPr/>
-        </p:nvCxnSpPr>
-        <p:spPr>
-          <a:xfrm>
-            <a:off x="2771800" y="1848356"/>
-            <a:ext cx="720080" cy="0"/>
-          </a:xfrm>
-          <a:prstGeom prst="straightConnector1">
-            <a:avLst/>
-          </a:prstGeom>
-          <a:ln>
-            <a:tailEnd type="arrow"/>
-          </a:ln>
-        </p:spPr>
-        <p:style>
-          <a:lnRef idx="1">
-            <a:schemeClr val="accent1"/>
-          </a:lnRef>
-          <a:fillRef idx="0">
-            <a:schemeClr val="accent1"/>
-          </a:fillRef>
-          <a:effectRef idx="0">
-            <a:schemeClr val="accent1"/>
-          </a:effectRef>
-          <a:fontRef idx="minor">
-            <a:schemeClr val="tx1"/>
-          </a:fontRef>
-        </p:style>
-      </p:cxnSp>
-      <p:cxnSp>
-        <p:nvCxnSpPr>
-          <p:cNvPr id="43" name="Прямая со стрелкой 42"/>
-          <p:cNvCxnSpPr/>
-          <p:nvPr/>
-        </p:nvCxnSpPr>
-        <p:spPr>
-          <a:xfrm>
-            <a:off x="5652120" y="3284984"/>
-            <a:ext cx="720080" cy="0"/>
-          </a:xfrm>
-          <a:prstGeom prst="straightConnector1">
-            <a:avLst/>
-          </a:prstGeom>
-          <a:ln>
-            <a:tailEnd type="arrow"/>
-          </a:ln>
-        </p:spPr>
-        <p:style>
-          <a:lnRef idx="1">
-            <a:schemeClr val="accent1"/>
-          </a:lnRef>
-          <a:fillRef idx="0">
-            <a:schemeClr val="accent1"/>
-          </a:fillRef>
-          <a:effectRef idx="0">
-            <a:schemeClr val="accent1"/>
-          </a:effectRef>
-          <a:fontRef idx="minor">
-            <a:schemeClr val="tx1"/>
-          </a:fontRef>
-        </p:style>
-      </p:cxnSp>
-      <p:sp>
-        <p:nvSpPr>
-          <p:cNvPr id="44" name="Прямоугольник 43"/>
-          <p:cNvSpPr/>
-          <p:nvPr/>
-        </p:nvSpPr>
-        <p:spPr>
-          <a:xfrm>
-            <a:off x="467544" y="5013176"/>
-            <a:ext cx="2232248" cy="295095"/>
-          </a:xfrm>
-          <a:prstGeom prst="rect">
-            <a:avLst/>
-          </a:prstGeom>
-        </p:spPr>
-        <p:style>
-          <a:lnRef idx="2">
-            <a:schemeClr val="accent6">
-              <a:shade val="50000"/>
-            </a:schemeClr>
-          </a:lnRef>
-          <a:fillRef idx="1">
-            <a:schemeClr val="accent6"/>
-          </a:fillRef>
-          <a:effectRef idx="0">
-            <a:schemeClr val="accent6"/>
-          </a:effectRef>
-          <a:fontRef idx="minor">
-            <a:schemeClr val="lt1"/>
-          </a:fontRef>
-        </p:style>
-        <p:txBody>
-          <a:bodyPr rtlCol="0" anchor="ctr"/>
-          <a:lstStyle/>
-          <a:p>
-            <a:pPr algn="ctr"/>
-            <a:r>
-              <a:rPr lang="en-US" dirty="0" smtClean="0"/>
-              <a:t>resources</a:t>
-            </a:r>
-            <a:endParaRPr lang="uk-UA" dirty="0"/>
-          </a:p>
-        </p:txBody>
-      </p:sp>
-      <p:sp>
-        <p:nvSpPr>
-          <p:cNvPr id="45" name="Прямоугольник 44"/>
-          <p:cNvSpPr/>
-          <p:nvPr/>
-        </p:nvSpPr>
-        <p:spPr>
-          <a:xfrm>
-            <a:off x="467544" y="5373216"/>
-            <a:ext cx="2232248" cy="295095"/>
-          </a:xfrm>
-          <a:prstGeom prst="rect">
-            <a:avLst/>
-          </a:prstGeom>
-        </p:spPr>
-        <p:style>
-          <a:lnRef idx="2">
-            <a:schemeClr val="accent4">
-              <a:shade val="50000"/>
-            </a:schemeClr>
-          </a:lnRef>
-          <a:fillRef idx="1">
-            <a:schemeClr val="accent4"/>
-          </a:fillRef>
-          <a:effectRef idx="0">
-            <a:schemeClr val="accent4"/>
-          </a:effectRef>
-          <a:fontRef idx="minor">
-            <a:schemeClr val="lt1"/>
-          </a:fontRef>
-        </p:style>
-        <p:txBody>
-          <a:bodyPr rtlCol="0" anchor="ctr"/>
-          <a:lstStyle/>
-          <a:p>
-            <a:pPr algn="ctr"/>
-            <a:r>
-              <a:rPr lang="en-US" dirty="0" err="1" smtClean="0"/>
-              <a:t>webapp</a:t>
-            </a:r>
-            <a:endParaRPr lang="uk-UA" dirty="0"/>
-          </a:p>
-        </p:txBody>
-      </p:sp>
-      <p:sp>
-        <p:nvSpPr>
-          <p:cNvPr id="46" name="Прямоугольник 45"/>
-          <p:cNvSpPr/>
-          <p:nvPr/>
-        </p:nvSpPr>
-        <p:spPr>
-          <a:xfrm>
-            <a:off x="467544" y="6158241"/>
-            <a:ext cx="2232248" cy="295095"/>
-          </a:xfrm>
-          <a:prstGeom prst="rect">
-            <a:avLst/>
-          </a:prstGeom>
-        </p:spPr>
-        <p:style>
-          <a:lnRef idx="2">
-            <a:schemeClr val="accent3">
-              <a:shade val="50000"/>
-            </a:schemeClr>
-          </a:lnRef>
-          <a:fillRef idx="1">
-            <a:schemeClr val="accent3"/>
-          </a:fillRef>
-          <a:effectRef idx="0">
-            <a:schemeClr val="accent3"/>
-          </a:effectRef>
-          <a:fontRef idx="minor">
-            <a:schemeClr val="lt1"/>
-          </a:fontRef>
-        </p:style>
-        <p:txBody>
-          <a:bodyPr rtlCol="0" anchor="ctr"/>
-          <a:lstStyle/>
-          <a:p>
-            <a:pPr algn="ctr"/>
-            <a:r>
-              <a:rPr lang="en-US" dirty="0" smtClean="0"/>
-              <a:t>test</a:t>
-            </a:r>
-            <a:endParaRPr lang="uk-UA" dirty="0"/>
-          </a:p>
-        </p:txBody>
-      </p:sp>
-      <p:sp>
-        <p:nvSpPr>
-          <p:cNvPr id="47" name="Прямоугольник 46"/>
-          <p:cNvSpPr/>
-          <p:nvPr/>
-        </p:nvSpPr>
-        <p:spPr>
-          <a:xfrm>
-            <a:off x="3419872" y="5373216"/>
-            <a:ext cx="2232248" cy="295095"/>
-          </a:xfrm>
-          <a:prstGeom prst="rect">
-            <a:avLst/>
-          </a:prstGeom>
-        </p:spPr>
-        <p:style>
-          <a:lnRef idx="2">
-            <a:schemeClr val="accent4">
-              <a:shade val="50000"/>
-            </a:schemeClr>
-          </a:lnRef>
-          <a:fillRef idx="1">
-            <a:schemeClr val="accent4"/>
-          </a:fillRef>
-          <a:effectRef idx="0">
-            <a:schemeClr val="accent4"/>
-          </a:effectRef>
-          <a:fontRef idx="minor">
-            <a:schemeClr val="lt1"/>
-          </a:fontRef>
-        </p:style>
-        <p:txBody>
-          <a:bodyPr rtlCol="0" anchor="ctr"/>
-          <a:lstStyle/>
-          <a:p>
-            <a:pPr algn="ctr"/>
-            <a:r>
-              <a:rPr lang="en-US" dirty="0" smtClean="0"/>
-              <a:t>META-INF</a:t>
-            </a:r>
-            <a:endParaRPr lang="uk-UA" dirty="0"/>
-          </a:p>
-        </p:txBody>
-      </p:sp>
-      <p:sp>
-        <p:nvSpPr>
-          <p:cNvPr id="48" name="Прямоугольник 47"/>
-          <p:cNvSpPr/>
-          <p:nvPr/>
-        </p:nvSpPr>
-        <p:spPr>
-          <a:xfrm>
-            <a:off x="6372200" y="5373216"/>
-            <a:ext cx="2232248" cy="295095"/>
-          </a:xfrm>
-          <a:prstGeom prst="rect">
-            <a:avLst/>
-          </a:prstGeom>
-        </p:spPr>
-        <p:style>
-          <a:lnRef idx="2">
-            <a:schemeClr val="accent4">
-              <a:shade val="50000"/>
-            </a:schemeClr>
-          </a:lnRef>
-          <a:fillRef idx="1">
-            <a:schemeClr val="accent4"/>
-          </a:fillRef>
-          <a:effectRef idx="0">
-            <a:schemeClr val="accent4"/>
-          </a:effectRef>
-          <a:fontRef idx="minor">
-            <a:schemeClr val="lt1"/>
-          </a:fontRef>
-        </p:style>
-        <p:txBody>
-          <a:bodyPr rtlCol="0" anchor="ctr"/>
-          <a:lstStyle/>
-          <a:p>
-            <a:pPr algn="ctr"/>
-            <a:r>
-              <a:rPr lang="en-US" dirty="0"/>
-              <a:t>context.xml</a:t>
-            </a:r>
-            <a:endParaRPr lang="uk-UA" dirty="0"/>
-          </a:p>
-        </p:txBody>
-      </p:sp>
-      <p:cxnSp>
-        <p:nvCxnSpPr>
-          <p:cNvPr id="50" name="Прямая со стрелкой 49"/>
-          <p:cNvCxnSpPr>
-            <a:stCxn id="45" idx="3"/>
-            <a:endCxn id="47" idx="1"/>
-          </p:cNvCxnSpPr>
-          <p:nvPr/>
-        </p:nvCxnSpPr>
-        <p:spPr>
-          <a:xfrm>
-            <a:off x="2699792" y="5520764"/>
-            <a:ext cx="720080" cy="0"/>
-          </a:xfrm>
-          <a:prstGeom prst="straightConnector1">
-            <a:avLst/>
-          </a:prstGeom>
-          <a:ln>
-            <a:tailEnd type="arrow"/>
-          </a:ln>
-        </p:spPr>
-        <p:style>
-          <a:lnRef idx="1">
-            <a:schemeClr val="accent1"/>
-          </a:lnRef>
-          <a:fillRef idx="0">
-            <a:schemeClr val="accent1"/>
-          </a:fillRef>
-          <a:effectRef idx="0">
-            <a:schemeClr val="accent1"/>
-          </a:effectRef>
-          <a:fontRef idx="minor">
-            <a:schemeClr val="tx1"/>
-          </a:fontRef>
-        </p:style>
-      </p:cxnSp>
-      <p:cxnSp>
-        <p:nvCxnSpPr>
-          <p:cNvPr id="52" name="Прямая со стрелкой 51"/>
-          <p:cNvCxnSpPr>
-            <a:stCxn id="47" idx="3"/>
-            <a:endCxn id="48" idx="1"/>
-          </p:cNvCxnSpPr>
-          <p:nvPr/>
-        </p:nvCxnSpPr>
-        <p:spPr>
-          <a:xfrm>
-            <a:off x="5652120" y="5520764"/>
-            <a:ext cx="720080" cy="0"/>
-          </a:xfrm>
-          <a:prstGeom prst="straightConnector1">
-            <a:avLst/>
-          </a:prstGeom>
-          <a:ln>
-            <a:tailEnd type="arrow"/>
-          </a:ln>
-        </p:spPr>
-        <p:style>
-          <a:lnRef idx="1">
-            <a:schemeClr val="accent1"/>
-          </a:lnRef>
-          <a:fillRef idx="0">
-            <a:schemeClr val="accent1"/>
-          </a:fillRef>
-          <a:effectRef idx="0">
-            <a:schemeClr val="accent1"/>
-          </a:effectRef>
-          <a:fontRef idx="minor">
-            <a:schemeClr val="tx1"/>
-          </a:fontRef>
-        </p:style>
-      </p:cxnSp>
-      <p:sp>
-        <p:nvSpPr>
-          <p:cNvPr id="53" name="Прямоугольник 52"/>
-          <p:cNvSpPr/>
-          <p:nvPr/>
-        </p:nvSpPr>
-        <p:spPr>
-          <a:xfrm>
-            <a:off x="3419872" y="5726193"/>
-            <a:ext cx="2232248" cy="295095"/>
-          </a:xfrm>
-          <a:prstGeom prst="rect">
-            <a:avLst/>
-          </a:prstGeom>
-        </p:spPr>
-        <p:style>
-          <a:lnRef idx="2">
-            <a:schemeClr val="accent4">
-              <a:shade val="50000"/>
-            </a:schemeClr>
-          </a:lnRef>
-          <a:fillRef idx="1">
-            <a:schemeClr val="accent4"/>
-          </a:fillRef>
-          <a:effectRef idx="0">
-            <a:schemeClr val="accent4"/>
-          </a:effectRef>
-          <a:fontRef idx="minor">
-            <a:schemeClr val="lt1"/>
-          </a:fontRef>
-        </p:style>
-        <p:txBody>
-          <a:bodyPr rtlCol="0" anchor="ctr"/>
-          <a:lstStyle/>
-          <a:p>
-            <a:pPr algn="ctr"/>
-            <a:r>
-              <a:rPr lang="en-US" dirty="0" smtClean="0"/>
-              <a:t>WEB-INF</a:t>
-            </a:r>
-            <a:endParaRPr lang="uk-UA" dirty="0"/>
-          </a:p>
-        </p:txBody>
-      </p:sp>
-      <p:sp>
-        <p:nvSpPr>
-          <p:cNvPr id="54" name="Прямоугольник 53"/>
-          <p:cNvSpPr/>
-          <p:nvPr/>
-        </p:nvSpPr>
-        <p:spPr>
-          <a:xfrm>
-            <a:off x="6372200" y="5733256"/>
-            <a:ext cx="2232248" cy="295095"/>
-          </a:xfrm>
-          <a:prstGeom prst="rect">
-            <a:avLst/>
-          </a:prstGeom>
-        </p:spPr>
-        <p:style>
-          <a:lnRef idx="2">
-            <a:schemeClr val="accent4">
-              <a:shade val="50000"/>
-            </a:schemeClr>
-          </a:lnRef>
-          <a:fillRef idx="1">
-            <a:schemeClr val="accent4"/>
-          </a:fillRef>
-          <a:effectRef idx="0">
-            <a:schemeClr val="accent4"/>
-          </a:effectRef>
-          <a:fontRef idx="minor">
-            <a:schemeClr val="lt1"/>
-          </a:fontRef>
-        </p:style>
-        <p:txBody>
-          <a:bodyPr rtlCol="0" anchor="ctr"/>
-          <a:lstStyle/>
-          <a:p>
-            <a:pPr algn="ctr"/>
-            <a:r>
-              <a:rPr lang="en-US" dirty="0" smtClean="0"/>
-              <a:t>web.xml</a:t>
-            </a:r>
-            <a:endParaRPr lang="uk-UA" dirty="0"/>
-          </a:p>
-        </p:txBody>
-      </p:sp>
-      <p:cxnSp>
-        <p:nvCxnSpPr>
-          <p:cNvPr id="55" name="Прямая со стрелкой 54"/>
-          <p:cNvCxnSpPr/>
-          <p:nvPr/>
-        </p:nvCxnSpPr>
-        <p:spPr>
-          <a:xfrm>
-            <a:off x="5652120" y="5884687"/>
-            <a:ext cx="720080" cy="0"/>
-          </a:xfrm>
-          <a:prstGeom prst="straightConnector1">
-            <a:avLst/>
-          </a:prstGeom>
-          <a:ln>
-            <a:tailEnd type="arrow"/>
-          </a:ln>
-        </p:spPr>
-        <p:style>
-          <a:lnRef idx="1">
-            <a:schemeClr val="accent1"/>
-          </a:lnRef>
-          <a:fillRef idx="0">
-            <a:schemeClr val="accent1"/>
-          </a:fillRef>
-          <a:effectRef idx="0">
-            <a:schemeClr val="accent1"/>
-          </a:effectRef>
-          <a:fontRef idx="minor">
-            <a:schemeClr val="tx1"/>
-          </a:fontRef>
-        </p:style>
-      </p:cxnSp>
-      <p:sp>
-        <p:nvSpPr>
-          <p:cNvPr id="56" name="Прямоугольник 55"/>
-          <p:cNvSpPr/>
-          <p:nvPr/>
-        </p:nvSpPr>
-        <p:spPr>
-          <a:xfrm>
-            <a:off x="6372200" y="6093296"/>
-            <a:ext cx="2232248" cy="295095"/>
-          </a:xfrm>
-          <a:prstGeom prst="rect">
-            <a:avLst/>
-          </a:prstGeom>
-        </p:spPr>
-        <p:style>
-          <a:lnRef idx="2">
-            <a:schemeClr val="accent4">
-              <a:shade val="50000"/>
-            </a:schemeClr>
-          </a:lnRef>
-          <a:fillRef idx="1">
-            <a:schemeClr val="accent4"/>
-          </a:fillRef>
-          <a:effectRef idx="0">
-            <a:schemeClr val="accent4"/>
-          </a:effectRef>
-          <a:fontRef idx="minor">
-            <a:schemeClr val="lt1"/>
-          </a:fontRef>
-        </p:style>
-        <p:txBody>
-          <a:bodyPr rtlCol="0" anchor="ctr"/>
-          <a:lstStyle/>
-          <a:p>
-            <a:pPr algn="ctr"/>
-            <a:r>
-              <a:rPr lang="en-US" dirty="0" err="1" smtClean="0"/>
-              <a:t>jsp</a:t>
-            </a:r>
-            <a:endParaRPr lang="uk-UA" dirty="0"/>
-          </a:p>
-        </p:txBody>
-      </p:sp>
-    </p:spTree>
-    <p:extLst>
-      <p:ext uri="{BB962C8B-B14F-4D97-AF65-F5344CB8AC3E}">
-        <p14:creationId xmlns:p14="http://schemas.microsoft.com/office/powerpoint/2010/main" val="3999618662"/>
-      </p:ext>
-    </p:extLst>
-  </p:cSld>
-  <p:clrMapOvr>
-    <a:masterClrMapping/>
-  </p:clrMapOvr>
-</p:sld>
-</file>
-
-<file path=ppt/slides/slide6.xml><?xml version="1.0" encoding="utf-8"?>
-<p:sld xmlns:a="http://schemas.openxmlformats.org/drawingml/2006/main" xmlns:r="http://schemas.openxmlformats.org/officeDocument/2006/relationships" xmlns:p="http://schemas.openxmlformats.org/presentationml/2006/main">
-  <p:cSld>
-    <p:spTree>
-      <p:nvGrpSpPr>
-        <p:cNvPr id="1" name=""/>
-        <p:cNvGrpSpPr/>
-        <p:nvPr/>
-      </p:nvGrpSpPr>
-      <p:grpSpPr>
-        <a:xfrm>
-          <a:off x="0" y="0"/>
-          <a:ext cx="0" cy="0"/>
-          <a:chOff x="0" y="0"/>
-          <a:chExt cx="0" cy="0"/>
-        </a:xfrm>
-      </p:grpSpPr>
-      <p:sp>
-        <p:nvSpPr>
-          <p:cNvPr id="2" name="Заголовок 1"/>
-          <p:cNvSpPr>
-            <a:spLocks noGrp="1"/>
-          </p:cNvSpPr>
-          <p:nvPr>
-            <p:ph type="title"/>
-          </p:nvPr>
-        </p:nvSpPr>
-        <p:spPr/>
-        <p:txBody>
-          <a:bodyPr/>
-          <a:lstStyle/>
-          <a:p>
-            <a:r>
-              <a:rPr lang="ru-RU" dirty="0"/>
-              <a:t>Архитектура </a:t>
-            </a:r>
-            <a:r>
-              <a:rPr lang="en-US" dirty="0" smtClean="0"/>
-              <a:t>3/3</a:t>
-            </a:r>
-            <a:endParaRPr lang="uk-UA" dirty="0"/>
-          </a:p>
-        </p:txBody>
-      </p:sp>
-      <p:sp>
-        <p:nvSpPr>
-          <p:cNvPr id="3" name="Объект 2"/>
-          <p:cNvSpPr>
-            <a:spLocks noGrp="1"/>
-          </p:cNvSpPr>
-          <p:nvPr>
-            <p:ph idx="1"/>
-          </p:nvPr>
-        </p:nvSpPr>
-        <p:spPr/>
-        <p:txBody>
-          <a:bodyPr/>
-          <a:lstStyle/>
-          <a:p>
-            <a:pPr algn="just"/>
-            <a:r>
-              <a:rPr lang="en-US" dirty="0" smtClean="0">
-                <a:solidFill>
-                  <a:srgbClr val="FF0000"/>
-                </a:solidFill>
-              </a:rPr>
-              <a:t>model/entity</a:t>
-            </a:r>
-            <a:r>
-              <a:rPr lang="en-US" dirty="0" smtClean="0"/>
-              <a:t> - </a:t>
-            </a:r>
-            <a:r>
-              <a:rPr lang="ru-RU" dirty="0" smtClean="0"/>
-              <a:t>хранение</a:t>
-            </a:r>
-            <a:r>
-              <a:rPr lang="uk-UA" dirty="0" smtClean="0"/>
-              <a:t> </a:t>
-            </a:r>
-            <a:r>
-              <a:rPr lang="ru-RU" dirty="0" smtClean="0"/>
-              <a:t>информации</a:t>
-            </a:r>
-            <a:r>
-              <a:rPr lang="uk-UA" dirty="0" smtClean="0"/>
-              <a:t> о</a:t>
-            </a:r>
-            <a:r>
-              <a:rPr lang="en-US" dirty="0" smtClean="0"/>
-              <a:t> </a:t>
-            </a:r>
-            <a:r>
-              <a:rPr lang="ru-RU" dirty="0" smtClean="0"/>
-              <a:t>сущностях</a:t>
-            </a:r>
-            <a:r>
-              <a:rPr lang="uk-UA" dirty="0" smtClean="0"/>
-              <a:t> </a:t>
-            </a:r>
-            <a:r>
-              <a:rPr lang="ru-RU" dirty="0" smtClean="0"/>
-              <a:t>предметной</a:t>
-            </a:r>
-            <a:r>
-              <a:rPr lang="uk-UA" dirty="0" smtClean="0"/>
-              <a:t> </a:t>
-            </a:r>
-            <a:r>
-              <a:rPr lang="ru-RU" dirty="0" smtClean="0"/>
-              <a:t>области</a:t>
-            </a:r>
-          </a:p>
-          <a:p>
-            <a:pPr algn="just"/>
-            <a:r>
-              <a:rPr lang="en-US" dirty="0" smtClean="0">
-                <a:solidFill>
-                  <a:srgbClr val="FF0000"/>
-                </a:solidFill>
-              </a:rPr>
-              <a:t>model/</a:t>
-            </a:r>
-            <a:r>
-              <a:rPr lang="en-US" dirty="0" err="1" smtClean="0">
-                <a:solidFill>
-                  <a:srgbClr val="FF0000"/>
-                </a:solidFill>
-              </a:rPr>
-              <a:t>dao</a:t>
-            </a:r>
-            <a:r>
-              <a:rPr lang="en-US" dirty="0" smtClean="0"/>
-              <a:t> – </a:t>
-            </a:r>
-            <a:r>
-              <a:rPr lang="ru-RU" dirty="0" smtClean="0"/>
-              <a:t>работа</a:t>
-            </a:r>
-            <a:r>
-              <a:rPr lang="uk-UA" dirty="0" smtClean="0"/>
-              <a:t> с БД</a:t>
-            </a:r>
-          </a:p>
-          <a:p>
-            <a:pPr algn="just"/>
-            <a:r>
-              <a:rPr lang="en-US" dirty="0">
-                <a:solidFill>
-                  <a:srgbClr val="FF0000"/>
-                </a:solidFill>
-              </a:rPr>
-              <a:t>s</a:t>
-            </a:r>
-            <a:r>
-              <a:rPr lang="en-US" dirty="0" smtClean="0">
-                <a:solidFill>
-                  <a:srgbClr val="FF0000"/>
-                </a:solidFill>
-              </a:rPr>
-              <a:t>ervices</a:t>
-            </a:r>
-            <a:r>
-              <a:rPr lang="en-US" dirty="0" smtClean="0"/>
-              <a:t> – </a:t>
-            </a:r>
-            <a:r>
-              <a:rPr lang="ru-RU" dirty="0" smtClean="0"/>
-              <a:t>бизнес-логика</a:t>
-            </a:r>
-            <a:endParaRPr lang="en-US" dirty="0" smtClean="0"/>
-          </a:p>
-          <a:p>
-            <a:pPr algn="just"/>
-            <a:r>
-              <a:rPr lang="en-US" dirty="0" smtClean="0">
-                <a:solidFill>
-                  <a:srgbClr val="FF0000"/>
-                </a:solidFill>
-              </a:rPr>
-              <a:t>servlets</a:t>
-            </a:r>
-            <a:r>
-              <a:rPr lang="en-US" dirty="0" smtClean="0"/>
-              <a:t> – </a:t>
-            </a:r>
-            <a:r>
-              <a:rPr lang="ru-RU" dirty="0" smtClean="0"/>
-              <a:t>прием</a:t>
-            </a:r>
-            <a:r>
-              <a:rPr lang="uk-UA" dirty="0" smtClean="0"/>
-              <a:t> </a:t>
-            </a:r>
-            <a:r>
-              <a:rPr lang="ru-RU" dirty="0" smtClean="0"/>
-              <a:t>запросов</a:t>
-            </a:r>
-            <a:r>
-              <a:rPr lang="uk-UA" dirty="0" smtClean="0"/>
-              <a:t> и </a:t>
-            </a:r>
-            <a:r>
-              <a:rPr lang="ru-RU" dirty="0" smtClean="0"/>
-              <a:t>вызов</a:t>
-            </a:r>
-            <a:r>
-              <a:rPr lang="uk-UA" dirty="0" smtClean="0"/>
-              <a:t> </a:t>
-            </a:r>
-            <a:r>
-              <a:rPr lang="ru-RU" dirty="0" smtClean="0"/>
-              <a:t>команд</a:t>
-            </a:r>
-          </a:p>
-          <a:p>
-            <a:pPr algn="just"/>
-            <a:r>
-              <a:rPr lang="en-US" dirty="0" smtClean="0">
-                <a:solidFill>
-                  <a:srgbClr val="FF0000"/>
-                </a:solidFill>
-              </a:rPr>
-              <a:t>commands</a:t>
-            </a:r>
-            <a:r>
-              <a:rPr lang="en-US" dirty="0" smtClean="0"/>
-              <a:t> – </a:t>
-            </a:r>
-            <a:r>
-              <a:rPr lang="ru-RU" dirty="0" smtClean="0"/>
-              <a:t>обработка</a:t>
-            </a:r>
-            <a:r>
-              <a:rPr lang="uk-UA" dirty="0" smtClean="0"/>
-              <a:t> </a:t>
-            </a:r>
-            <a:r>
-              <a:rPr lang="ru-RU" dirty="0" smtClean="0"/>
-              <a:t>поступивших</a:t>
-            </a:r>
-            <a:r>
-              <a:rPr lang="uk-UA" dirty="0" smtClean="0"/>
-              <a:t> </a:t>
-            </a:r>
-            <a:r>
-              <a:rPr lang="ru-RU" dirty="0" smtClean="0"/>
-              <a:t>запросов</a:t>
-            </a:r>
-          </a:p>
-          <a:p>
-            <a:pPr algn="just"/>
-            <a:r>
-              <a:rPr lang="en-US" dirty="0" err="1" smtClean="0">
-                <a:solidFill>
-                  <a:srgbClr val="FF0000"/>
-                </a:solidFill>
-              </a:rPr>
-              <a:t>webapp</a:t>
-            </a:r>
-            <a:r>
-              <a:rPr lang="en-US" dirty="0" smtClean="0">
-                <a:solidFill>
-                  <a:srgbClr val="FF0000"/>
-                </a:solidFill>
-              </a:rPr>
-              <a:t> </a:t>
-            </a:r>
-            <a:r>
-              <a:rPr lang="en-US" dirty="0" smtClean="0"/>
-              <a:t>– </a:t>
-            </a:r>
-            <a:r>
-              <a:rPr lang="ru-RU" dirty="0" smtClean="0"/>
-              <a:t>взаимодействие с пользователем</a:t>
-            </a:r>
-          </a:p>
-          <a:p>
-            <a:pPr algn="just"/>
-            <a:endParaRPr lang="uk-UA" dirty="0"/>
-          </a:p>
-        </p:txBody>
-      </p:sp>
-    </p:spTree>
-    <p:extLst>
-      <p:ext uri="{BB962C8B-B14F-4D97-AF65-F5344CB8AC3E}">
-        <p14:creationId xmlns:p14="http://schemas.microsoft.com/office/powerpoint/2010/main" val="1655393284"/>
-      </p:ext>
-    </p:extLst>
-  </p:cSld>
-  <p:clrMapOvr>
-    <a:masterClrMapping/>
-  </p:clrMapOvr>
-</p:sld>
-</file>
-
-<file path=ppt/slides/slide7.xml><?xml version="1.0" encoding="utf-8"?>
-<p:sld xmlns:a="http://schemas.openxmlformats.org/drawingml/2006/main" xmlns:r="http://schemas.openxmlformats.org/officeDocument/2006/relationships" xmlns:p="http://schemas.openxmlformats.org/presentationml/2006/main">
-  <p:cSld>
-    <p:spTree>
-      <p:nvGrpSpPr>
-        <p:cNvPr id="1" name=""/>
-        <p:cNvGrpSpPr/>
-        <p:nvPr/>
-      </p:nvGrpSpPr>
-      <p:grpSpPr>
-        <a:xfrm>
-          <a:off x="0" y="0"/>
-          <a:ext cx="0" cy="0"/>
-          <a:chOff x="0" y="0"/>
-          <a:chExt cx="0" cy="0"/>
-        </a:xfrm>
-      </p:grpSpPr>
-      <p:sp>
-        <p:nvSpPr>
-          <p:cNvPr id="2" name="Заголовок 1"/>
-          <p:cNvSpPr>
-            <a:spLocks noGrp="1"/>
-          </p:cNvSpPr>
-          <p:nvPr>
-            <p:ph type="title"/>
-          </p:nvPr>
-        </p:nvSpPr>
-        <p:spPr/>
-        <p:txBody>
-          <a:bodyPr/>
-          <a:lstStyle/>
-          <a:p>
-            <a:r>
-              <a:rPr lang="uk-UA" dirty="0" smtClean="0"/>
-              <a:t>Процес</a:t>
-            </a:r>
-            <a:r>
-              <a:rPr lang="ru-RU" dirty="0" smtClean="0"/>
-              <a:t>с «Заказ»</a:t>
-            </a:r>
-            <a:endParaRPr lang="ru-RU" dirty="0"/>
           </a:p>
         </p:txBody>
       </p:sp>
       <p:pic>
         <p:nvPicPr>
-          <p:cNvPr id="1026" name="Picture 2"/>
+          <p:cNvPr id="1027" name="Picture 3"/>
           <p:cNvPicPr>
             <a:picLocks noChangeAspect="1" noChangeArrowheads="1"/>
           </p:cNvPicPr>
@@ -6831,8 +3878,8 @@
         </p:blipFill>
         <p:spPr bwMode="auto">
           <a:xfrm>
-            <a:off x="350719" y="1772816"/>
-            <a:ext cx="8438644" cy="4608512"/>
+            <a:off x="395536" y="1596407"/>
+            <a:ext cx="8280920" cy="4568897"/>
           </a:xfrm>
           <a:prstGeom prst="rect">
             <a:avLst/>
@@ -6875,7 +3922,7 @@
     </p:spTree>
     <p:extLst>
       <p:ext uri="{BB962C8B-B14F-4D97-AF65-F5344CB8AC3E}">
-        <p14:creationId xmlns:p14="http://schemas.microsoft.com/office/powerpoint/2010/main" val="3523139235"/>
+        <p14:creationId xmlns:p14="http://schemas.microsoft.com/office/powerpoint/2010/main" val="161780547"/>
       </p:ext>
     </p:extLst>
   </p:cSld>
@@ -6885,7 +3932,7 @@
 </p:sld>
 </file>
 
-<file path=ppt/slides/slide8.xml><?xml version="1.0" encoding="utf-8"?>
+<file path=ppt/slides/slide4.xml><?xml version="1.0" encoding="utf-8"?>
 <p:sld xmlns:a="http://schemas.openxmlformats.org/drawingml/2006/main" xmlns:r="http://schemas.openxmlformats.org/officeDocument/2006/relationships" xmlns:p="http://schemas.openxmlformats.org/presentationml/2006/main">
   <p:cSld>
     <p:spTree>
@@ -6919,7 +3966,2961 @@
           <a:p>
             <a:r>
               <a:rPr lang="ru-RU" dirty="0" smtClean="0"/>
-              <a:t>Регистрация</a:t>
+              <a:t>Архитектура 1</a:t>
+            </a:r>
+            <a:r>
+              <a:rPr lang="en-US" dirty="0" smtClean="0"/>
+              <a:t>/</a:t>
+            </a:r>
+            <a:r>
+              <a:rPr lang="ru-RU" dirty="0" smtClean="0"/>
+              <a:t>3</a:t>
+            </a:r>
+            <a:endParaRPr lang="uk-UA" dirty="0"/>
+          </a:p>
+        </p:txBody>
+      </p:sp>
+      <p:sp>
+        <p:nvSpPr>
+          <p:cNvPr id="3" name="Объект 2"/>
+          <p:cNvSpPr>
+            <a:spLocks noGrp="1"/>
+          </p:cNvSpPr>
+          <p:nvPr>
+            <p:ph idx="1"/>
+          </p:nvPr>
+        </p:nvSpPr>
+        <p:spPr/>
+        <p:txBody>
+          <a:bodyPr/>
+          <a:lstStyle/>
+          <a:p>
+            <a:pPr marL="0" indent="0">
+              <a:buNone/>
+            </a:pPr>
+            <a:endParaRPr lang="uk-UA" dirty="0"/>
+          </a:p>
+        </p:txBody>
+      </p:sp>
+      <p:sp>
+        <p:nvSpPr>
+          <p:cNvPr id="57" name="Прямоугольник 56"/>
+          <p:cNvSpPr/>
+          <p:nvPr/>
+        </p:nvSpPr>
+        <p:spPr>
+          <a:xfrm>
+            <a:off x="3307804" y="1870111"/>
+            <a:ext cx="4288531" cy="4295193"/>
+          </a:xfrm>
+          <a:prstGeom prst="rect">
+            <a:avLst/>
+          </a:prstGeom>
+        </p:spPr>
+        <p:style>
+          <a:lnRef idx="2">
+            <a:schemeClr val="accent1"/>
+          </a:lnRef>
+          <a:fillRef idx="1">
+            <a:schemeClr val="lt1"/>
+          </a:fillRef>
+          <a:effectRef idx="0">
+            <a:schemeClr val="accent1"/>
+          </a:effectRef>
+          <a:fontRef idx="minor">
+            <a:schemeClr val="dk1"/>
+          </a:fontRef>
+        </p:style>
+        <p:txBody>
+          <a:bodyPr rtlCol="0" anchor="ctr"/>
+          <a:lstStyle/>
+          <a:p>
+            <a:pPr algn="ctr"/>
+            <a:endParaRPr lang="uk-UA"/>
+          </a:p>
+        </p:txBody>
+      </p:sp>
+      <p:sp>
+        <p:nvSpPr>
+          <p:cNvPr id="58" name="Прямоугольник 57"/>
+          <p:cNvSpPr/>
+          <p:nvPr/>
+        </p:nvSpPr>
+        <p:spPr>
+          <a:xfrm>
+            <a:off x="3307805" y="1643953"/>
+            <a:ext cx="1648198" cy="241311"/>
+          </a:xfrm>
+          <a:prstGeom prst="rect">
+            <a:avLst/>
+          </a:prstGeom>
+        </p:spPr>
+        <p:style>
+          <a:lnRef idx="2">
+            <a:schemeClr val="accent1">
+              <a:shade val="50000"/>
+            </a:schemeClr>
+          </a:lnRef>
+          <a:fillRef idx="1">
+            <a:schemeClr val="accent1"/>
+          </a:fillRef>
+          <a:effectRef idx="0">
+            <a:schemeClr val="accent1"/>
+          </a:effectRef>
+          <a:fontRef idx="minor">
+            <a:schemeClr val="lt1"/>
+          </a:fontRef>
+        </p:style>
+        <p:txBody>
+          <a:bodyPr rtlCol="0" anchor="ctr"/>
+          <a:lstStyle/>
+          <a:p>
+            <a:pPr algn="ctr"/>
+            <a:r>
+              <a:rPr lang="en-US" dirty="0" smtClean="0"/>
+              <a:t>Apache Tomcat</a:t>
+            </a:r>
+            <a:endParaRPr lang="uk-UA" dirty="0"/>
+          </a:p>
+        </p:txBody>
+      </p:sp>
+      <p:sp>
+        <p:nvSpPr>
+          <p:cNvPr id="59" name="Скругленный прямоугольник 58"/>
+          <p:cNvSpPr/>
+          <p:nvPr/>
+        </p:nvSpPr>
+        <p:spPr>
+          <a:xfrm>
+            <a:off x="479675" y="2532322"/>
+            <a:ext cx="1152128" cy="648072"/>
+          </a:xfrm>
+          <a:prstGeom prst="roundRect">
+            <a:avLst/>
+          </a:prstGeom>
+        </p:spPr>
+        <p:style>
+          <a:lnRef idx="2">
+            <a:schemeClr val="accent1">
+              <a:shade val="50000"/>
+            </a:schemeClr>
+          </a:lnRef>
+          <a:fillRef idx="1">
+            <a:schemeClr val="accent1"/>
+          </a:fillRef>
+          <a:effectRef idx="0">
+            <a:schemeClr val="accent1"/>
+          </a:effectRef>
+          <a:fontRef idx="minor">
+            <a:schemeClr val="lt1"/>
+          </a:fontRef>
+        </p:style>
+        <p:txBody>
+          <a:bodyPr rtlCol="0" anchor="ctr"/>
+          <a:lstStyle/>
+          <a:p>
+            <a:pPr algn="ctr"/>
+            <a:r>
+              <a:rPr lang="en-US" dirty="0" smtClean="0"/>
+              <a:t>Browser</a:t>
+            </a:r>
+            <a:endParaRPr lang="uk-UA" dirty="0"/>
+          </a:p>
+        </p:txBody>
+      </p:sp>
+      <p:cxnSp>
+        <p:nvCxnSpPr>
+          <p:cNvPr id="60" name="Прямая со стрелкой 59"/>
+          <p:cNvCxnSpPr/>
+          <p:nvPr/>
+        </p:nvCxnSpPr>
+        <p:spPr>
+          <a:xfrm>
+            <a:off x="1631803" y="2657754"/>
+            <a:ext cx="1676002" cy="0"/>
+          </a:xfrm>
+          <a:prstGeom prst="straightConnector1">
+            <a:avLst/>
+          </a:prstGeom>
+          <a:ln>
+            <a:tailEnd type="arrow"/>
+          </a:ln>
+        </p:spPr>
+        <p:style>
+          <a:lnRef idx="1">
+            <a:schemeClr val="accent1"/>
+          </a:lnRef>
+          <a:fillRef idx="0">
+            <a:schemeClr val="accent1"/>
+          </a:fillRef>
+          <a:effectRef idx="0">
+            <a:schemeClr val="accent1"/>
+          </a:effectRef>
+          <a:fontRef idx="minor">
+            <a:schemeClr val="tx1"/>
+          </a:fontRef>
+        </p:style>
+      </p:cxnSp>
+      <p:cxnSp>
+        <p:nvCxnSpPr>
+          <p:cNvPr id="61" name="Прямая со стрелкой 60"/>
+          <p:cNvCxnSpPr/>
+          <p:nvPr/>
+        </p:nvCxnSpPr>
+        <p:spPr>
+          <a:xfrm flipH="1">
+            <a:off x="1631804" y="3017794"/>
+            <a:ext cx="1676001" cy="0"/>
+          </a:xfrm>
+          <a:prstGeom prst="straightConnector1">
+            <a:avLst/>
+          </a:prstGeom>
+          <a:ln>
+            <a:tailEnd type="arrow"/>
+          </a:ln>
+        </p:spPr>
+        <p:style>
+          <a:lnRef idx="1">
+            <a:schemeClr val="accent1"/>
+          </a:lnRef>
+          <a:fillRef idx="0">
+            <a:schemeClr val="accent1"/>
+          </a:fillRef>
+          <a:effectRef idx="0">
+            <a:schemeClr val="accent1"/>
+          </a:effectRef>
+          <a:fontRef idx="minor">
+            <a:schemeClr val="tx1"/>
+          </a:fontRef>
+        </p:style>
+      </p:cxnSp>
+      <p:sp>
+        <p:nvSpPr>
+          <p:cNvPr id="62" name="TextBox 61"/>
+          <p:cNvSpPr txBox="1"/>
+          <p:nvPr/>
+        </p:nvSpPr>
+        <p:spPr>
+          <a:xfrm>
+            <a:off x="1631803" y="2576454"/>
+            <a:ext cx="1143583" cy="307777"/>
+          </a:xfrm>
+          <a:prstGeom prst="rect">
+            <a:avLst/>
+          </a:prstGeom>
+          <a:noFill/>
+        </p:spPr>
+        <p:txBody>
+          <a:bodyPr wrap="none" rtlCol="0">
+            <a:spAutoFit/>
+          </a:bodyPr>
+          <a:lstStyle/>
+          <a:p>
+            <a:r>
+              <a:rPr lang="en-US" sz="1400" dirty="0" smtClean="0"/>
+              <a:t>Http Request</a:t>
+            </a:r>
+            <a:endParaRPr lang="uk-UA" sz="1400" dirty="0"/>
+          </a:p>
+        </p:txBody>
+      </p:sp>
+      <p:sp>
+        <p:nvSpPr>
+          <p:cNvPr id="63" name="TextBox 62"/>
+          <p:cNvSpPr txBox="1"/>
+          <p:nvPr/>
+        </p:nvSpPr>
+        <p:spPr>
+          <a:xfrm>
+            <a:off x="1631804" y="2782025"/>
+            <a:ext cx="1249766" cy="307777"/>
+          </a:xfrm>
+          <a:prstGeom prst="rect">
+            <a:avLst/>
+          </a:prstGeom>
+          <a:noFill/>
+        </p:spPr>
+        <p:txBody>
+          <a:bodyPr wrap="none" rtlCol="0">
+            <a:spAutoFit/>
+          </a:bodyPr>
+          <a:lstStyle/>
+          <a:p>
+            <a:r>
+              <a:rPr lang="en-US" sz="1400" dirty="0" smtClean="0"/>
+              <a:t>Http Response</a:t>
+            </a:r>
+            <a:endParaRPr lang="uk-UA" sz="1400" dirty="0"/>
+          </a:p>
+        </p:txBody>
+      </p:sp>
+      <p:sp>
+        <p:nvSpPr>
+          <p:cNvPr id="64" name="TextBox 63"/>
+          <p:cNvSpPr txBox="1"/>
+          <p:nvPr/>
+        </p:nvSpPr>
+        <p:spPr>
+          <a:xfrm>
+            <a:off x="2338759" y="2369722"/>
+            <a:ext cx="301686" cy="369332"/>
+          </a:xfrm>
+          <a:prstGeom prst="rect">
+            <a:avLst/>
+          </a:prstGeom>
+          <a:noFill/>
+        </p:spPr>
+        <p:txBody>
+          <a:bodyPr wrap="none" rtlCol="0">
+            <a:spAutoFit/>
+          </a:bodyPr>
+          <a:lstStyle/>
+          <a:p>
+            <a:r>
+              <a:rPr lang="en-US" dirty="0" smtClean="0"/>
+              <a:t>1</a:t>
+            </a:r>
+            <a:endParaRPr lang="uk-UA" dirty="0"/>
+          </a:p>
+        </p:txBody>
+      </p:sp>
+      <p:sp>
+        <p:nvSpPr>
+          <p:cNvPr id="65" name="TextBox 64"/>
+          <p:cNvSpPr txBox="1"/>
+          <p:nvPr/>
+        </p:nvSpPr>
+        <p:spPr>
+          <a:xfrm>
+            <a:off x="2338759" y="3035384"/>
+            <a:ext cx="418704" cy="369332"/>
+          </a:xfrm>
+          <a:prstGeom prst="rect">
+            <a:avLst/>
+          </a:prstGeom>
+          <a:noFill/>
+        </p:spPr>
+        <p:txBody>
+          <a:bodyPr wrap="none" rtlCol="0">
+            <a:spAutoFit/>
+          </a:bodyPr>
+          <a:lstStyle/>
+          <a:p>
+            <a:r>
+              <a:rPr lang="ru-RU" dirty="0" smtClean="0"/>
+              <a:t>16</a:t>
+            </a:r>
+            <a:endParaRPr lang="uk-UA" dirty="0"/>
+          </a:p>
+        </p:txBody>
+      </p:sp>
+      <p:sp>
+        <p:nvSpPr>
+          <p:cNvPr id="73" name="Скругленный прямоугольник 72"/>
+          <p:cNvSpPr/>
+          <p:nvPr/>
+        </p:nvSpPr>
+        <p:spPr>
+          <a:xfrm>
+            <a:off x="3994032" y="2492859"/>
+            <a:ext cx="1296144" cy="648072"/>
+          </a:xfrm>
+          <a:prstGeom prst="roundRect">
+            <a:avLst/>
+          </a:prstGeom>
+        </p:spPr>
+        <p:style>
+          <a:lnRef idx="2">
+            <a:schemeClr val="accent1">
+              <a:shade val="50000"/>
+            </a:schemeClr>
+          </a:lnRef>
+          <a:fillRef idx="1">
+            <a:schemeClr val="accent1"/>
+          </a:fillRef>
+          <a:effectRef idx="0">
+            <a:schemeClr val="accent1"/>
+          </a:effectRef>
+          <a:fontRef idx="minor">
+            <a:schemeClr val="lt1"/>
+          </a:fontRef>
+        </p:style>
+        <p:txBody>
+          <a:bodyPr rtlCol="0" anchor="ctr"/>
+          <a:lstStyle/>
+          <a:p>
+            <a:pPr algn="ctr"/>
+            <a:r>
+              <a:rPr lang="en-US" dirty="0" smtClean="0"/>
+              <a:t>Controller</a:t>
+            </a:r>
+            <a:endParaRPr lang="uk-UA" dirty="0"/>
+          </a:p>
+        </p:txBody>
+      </p:sp>
+      <p:cxnSp>
+        <p:nvCxnSpPr>
+          <p:cNvPr id="74" name="Прямая со стрелкой 73"/>
+          <p:cNvCxnSpPr/>
+          <p:nvPr/>
+        </p:nvCxnSpPr>
+        <p:spPr>
+          <a:xfrm>
+            <a:off x="3281938" y="2632345"/>
+            <a:ext cx="711206" cy="0"/>
+          </a:xfrm>
+          <a:prstGeom prst="straightConnector1">
+            <a:avLst/>
+          </a:prstGeom>
+          <a:ln>
+            <a:tailEnd type="arrow"/>
+          </a:ln>
+        </p:spPr>
+        <p:style>
+          <a:lnRef idx="1">
+            <a:schemeClr val="accent1"/>
+          </a:lnRef>
+          <a:fillRef idx="0">
+            <a:schemeClr val="accent1"/>
+          </a:fillRef>
+          <a:effectRef idx="0">
+            <a:schemeClr val="accent1"/>
+          </a:effectRef>
+          <a:fontRef idx="minor">
+            <a:schemeClr val="tx1"/>
+          </a:fontRef>
+        </p:style>
+      </p:cxnSp>
+      <p:cxnSp>
+        <p:nvCxnSpPr>
+          <p:cNvPr id="75" name="Прямая со стрелкой 74"/>
+          <p:cNvCxnSpPr/>
+          <p:nvPr/>
+        </p:nvCxnSpPr>
+        <p:spPr>
+          <a:xfrm flipH="1">
+            <a:off x="3281938" y="2992385"/>
+            <a:ext cx="711206" cy="0"/>
+          </a:xfrm>
+          <a:prstGeom prst="straightConnector1">
+            <a:avLst/>
+          </a:prstGeom>
+          <a:ln>
+            <a:tailEnd type="arrow"/>
+          </a:ln>
+        </p:spPr>
+        <p:style>
+          <a:lnRef idx="1">
+            <a:schemeClr val="accent1"/>
+          </a:lnRef>
+          <a:fillRef idx="0">
+            <a:schemeClr val="accent1"/>
+          </a:fillRef>
+          <a:effectRef idx="0">
+            <a:schemeClr val="accent1"/>
+          </a:effectRef>
+          <a:fontRef idx="minor">
+            <a:schemeClr val="tx1"/>
+          </a:fontRef>
+        </p:style>
+      </p:cxnSp>
+      <p:sp>
+        <p:nvSpPr>
+          <p:cNvPr id="76" name="TextBox 75"/>
+          <p:cNvSpPr txBox="1"/>
+          <p:nvPr/>
+        </p:nvSpPr>
+        <p:spPr>
+          <a:xfrm>
+            <a:off x="3486698" y="2344313"/>
+            <a:ext cx="301686" cy="369332"/>
+          </a:xfrm>
+          <a:prstGeom prst="rect">
+            <a:avLst/>
+          </a:prstGeom>
+          <a:noFill/>
+        </p:spPr>
+        <p:txBody>
+          <a:bodyPr wrap="none" rtlCol="0">
+            <a:spAutoFit/>
+          </a:bodyPr>
+          <a:lstStyle/>
+          <a:p>
+            <a:r>
+              <a:rPr lang="en-US" dirty="0" smtClean="0"/>
+              <a:t>2</a:t>
+            </a:r>
+            <a:endParaRPr lang="uk-UA" dirty="0"/>
+          </a:p>
+        </p:txBody>
+      </p:sp>
+      <p:sp>
+        <p:nvSpPr>
+          <p:cNvPr id="77" name="TextBox 76"/>
+          <p:cNvSpPr txBox="1"/>
+          <p:nvPr/>
+        </p:nvSpPr>
+        <p:spPr>
+          <a:xfrm>
+            <a:off x="3486698" y="2694313"/>
+            <a:ext cx="418704" cy="369332"/>
+          </a:xfrm>
+          <a:prstGeom prst="rect">
+            <a:avLst/>
+          </a:prstGeom>
+          <a:noFill/>
+        </p:spPr>
+        <p:txBody>
+          <a:bodyPr wrap="none" rtlCol="0">
+            <a:spAutoFit/>
+          </a:bodyPr>
+          <a:lstStyle/>
+          <a:p>
+            <a:r>
+              <a:rPr lang="en-US" dirty="0" smtClean="0"/>
+              <a:t>1</a:t>
+            </a:r>
+            <a:r>
+              <a:rPr lang="ru-RU" dirty="0" smtClean="0"/>
+              <a:t>5</a:t>
+            </a:r>
+            <a:endParaRPr lang="uk-UA" dirty="0"/>
+          </a:p>
+        </p:txBody>
+      </p:sp>
+      <p:sp>
+        <p:nvSpPr>
+          <p:cNvPr id="78" name="Скругленный прямоугольник 77"/>
+          <p:cNvSpPr/>
+          <p:nvPr/>
+        </p:nvSpPr>
+        <p:spPr>
+          <a:xfrm>
+            <a:off x="5717456" y="2462407"/>
+            <a:ext cx="1296144" cy="648072"/>
+          </a:xfrm>
+          <a:prstGeom prst="roundRect">
+            <a:avLst/>
+          </a:prstGeom>
+        </p:spPr>
+        <p:style>
+          <a:lnRef idx="2">
+            <a:schemeClr val="accent1">
+              <a:shade val="50000"/>
+            </a:schemeClr>
+          </a:lnRef>
+          <a:fillRef idx="1">
+            <a:schemeClr val="accent1"/>
+          </a:fillRef>
+          <a:effectRef idx="0">
+            <a:schemeClr val="accent1"/>
+          </a:effectRef>
+          <a:fontRef idx="minor">
+            <a:schemeClr val="lt1"/>
+          </a:fontRef>
+        </p:style>
+        <p:txBody>
+          <a:bodyPr rtlCol="0" anchor="ctr"/>
+          <a:lstStyle/>
+          <a:p>
+            <a:pPr algn="ctr"/>
+            <a:r>
+              <a:rPr lang="en-US" dirty="0" smtClean="0"/>
+              <a:t>Command</a:t>
+            </a:r>
+            <a:endParaRPr lang="uk-UA" dirty="0"/>
+          </a:p>
+        </p:txBody>
+      </p:sp>
+      <p:cxnSp>
+        <p:nvCxnSpPr>
+          <p:cNvPr id="79" name="Прямая со стрелкой 78"/>
+          <p:cNvCxnSpPr/>
+          <p:nvPr/>
+        </p:nvCxnSpPr>
+        <p:spPr>
+          <a:xfrm>
+            <a:off x="5199985" y="2615565"/>
+            <a:ext cx="517471" cy="2128"/>
+          </a:xfrm>
+          <a:prstGeom prst="straightConnector1">
+            <a:avLst/>
+          </a:prstGeom>
+          <a:ln>
+            <a:tailEnd type="arrow"/>
+          </a:ln>
+        </p:spPr>
+        <p:style>
+          <a:lnRef idx="1">
+            <a:schemeClr val="accent1"/>
+          </a:lnRef>
+          <a:fillRef idx="0">
+            <a:schemeClr val="accent1"/>
+          </a:fillRef>
+          <a:effectRef idx="0">
+            <a:schemeClr val="accent1"/>
+          </a:effectRef>
+          <a:fontRef idx="minor">
+            <a:schemeClr val="tx1"/>
+          </a:fontRef>
+        </p:style>
+      </p:cxnSp>
+      <p:cxnSp>
+        <p:nvCxnSpPr>
+          <p:cNvPr id="80" name="Прямая со стрелкой 79"/>
+          <p:cNvCxnSpPr/>
+          <p:nvPr/>
+        </p:nvCxnSpPr>
+        <p:spPr>
+          <a:xfrm>
+            <a:off x="6725568" y="3110479"/>
+            <a:ext cx="0" cy="587334"/>
+          </a:xfrm>
+          <a:prstGeom prst="straightConnector1">
+            <a:avLst/>
+          </a:prstGeom>
+          <a:ln>
+            <a:tailEnd type="arrow"/>
+          </a:ln>
+        </p:spPr>
+        <p:style>
+          <a:lnRef idx="1">
+            <a:schemeClr val="accent1"/>
+          </a:lnRef>
+          <a:fillRef idx="0">
+            <a:schemeClr val="accent1"/>
+          </a:fillRef>
+          <a:effectRef idx="0">
+            <a:schemeClr val="accent1"/>
+          </a:effectRef>
+          <a:fontRef idx="minor">
+            <a:schemeClr val="tx1"/>
+          </a:fontRef>
+        </p:style>
+      </p:cxnSp>
+      <p:cxnSp>
+        <p:nvCxnSpPr>
+          <p:cNvPr id="81" name="Прямая со стрелкой 80"/>
+          <p:cNvCxnSpPr/>
+          <p:nvPr/>
+        </p:nvCxnSpPr>
+        <p:spPr>
+          <a:xfrm flipV="1">
+            <a:off x="5933480" y="3110479"/>
+            <a:ext cx="0" cy="587334"/>
+          </a:xfrm>
+          <a:prstGeom prst="straightConnector1">
+            <a:avLst/>
+          </a:prstGeom>
+          <a:ln>
+            <a:tailEnd type="arrow"/>
+          </a:ln>
+        </p:spPr>
+        <p:style>
+          <a:lnRef idx="1">
+            <a:schemeClr val="accent1"/>
+          </a:lnRef>
+          <a:fillRef idx="0">
+            <a:schemeClr val="accent1"/>
+          </a:fillRef>
+          <a:effectRef idx="0">
+            <a:schemeClr val="accent1"/>
+          </a:effectRef>
+          <a:fontRef idx="minor">
+            <a:schemeClr val="tx1"/>
+          </a:fontRef>
+        </p:style>
+      </p:cxnSp>
+      <p:cxnSp>
+        <p:nvCxnSpPr>
+          <p:cNvPr id="82" name="Прямая со стрелкой 81"/>
+          <p:cNvCxnSpPr/>
+          <p:nvPr/>
+        </p:nvCxnSpPr>
+        <p:spPr>
+          <a:xfrm flipH="1">
+            <a:off x="5284520" y="2977733"/>
+            <a:ext cx="432936" cy="0"/>
+          </a:xfrm>
+          <a:prstGeom prst="straightConnector1">
+            <a:avLst/>
+          </a:prstGeom>
+          <a:ln>
+            <a:tailEnd type="arrow"/>
+          </a:ln>
+        </p:spPr>
+        <p:style>
+          <a:lnRef idx="1">
+            <a:schemeClr val="accent1"/>
+          </a:lnRef>
+          <a:fillRef idx="0">
+            <a:schemeClr val="accent1"/>
+          </a:fillRef>
+          <a:effectRef idx="0">
+            <a:schemeClr val="accent1"/>
+          </a:effectRef>
+          <a:fontRef idx="minor">
+            <a:schemeClr val="tx1"/>
+          </a:fontRef>
+        </p:style>
+      </p:cxnSp>
+      <p:sp>
+        <p:nvSpPr>
+          <p:cNvPr id="83" name="TextBox 82"/>
+          <p:cNvSpPr txBox="1"/>
+          <p:nvPr/>
+        </p:nvSpPr>
+        <p:spPr>
+          <a:xfrm>
+            <a:off x="5350145" y="2307595"/>
+            <a:ext cx="301686" cy="369332"/>
+          </a:xfrm>
+          <a:prstGeom prst="rect">
+            <a:avLst/>
+          </a:prstGeom>
+          <a:noFill/>
+        </p:spPr>
+        <p:txBody>
+          <a:bodyPr wrap="none" rtlCol="0">
+            <a:spAutoFit/>
+          </a:bodyPr>
+          <a:lstStyle/>
+          <a:p>
+            <a:r>
+              <a:rPr lang="en-US" dirty="0" smtClean="0"/>
+              <a:t>3</a:t>
+            </a:r>
+            <a:endParaRPr lang="uk-UA" dirty="0"/>
+          </a:p>
+        </p:txBody>
+      </p:sp>
+      <p:sp>
+        <p:nvSpPr>
+          <p:cNvPr id="84" name="TextBox 83"/>
+          <p:cNvSpPr txBox="1"/>
+          <p:nvPr/>
+        </p:nvSpPr>
+        <p:spPr>
+          <a:xfrm>
+            <a:off x="6725568" y="3219480"/>
+            <a:ext cx="301686" cy="369332"/>
+          </a:xfrm>
+          <a:prstGeom prst="rect">
+            <a:avLst/>
+          </a:prstGeom>
+          <a:noFill/>
+        </p:spPr>
+        <p:txBody>
+          <a:bodyPr wrap="none" rtlCol="0">
+            <a:spAutoFit/>
+          </a:bodyPr>
+          <a:lstStyle/>
+          <a:p>
+            <a:r>
+              <a:rPr lang="en-US" dirty="0" smtClean="0"/>
+              <a:t>4</a:t>
+            </a:r>
+            <a:endParaRPr lang="uk-UA" dirty="0"/>
+          </a:p>
+        </p:txBody>
+      </p:sp>
+      <p:sp>
+        <p:nvSpPr>
+          <p:cNvPr id="85" name="TextBox 84"/>
+          <p:cNvSpPr txBox="1"/>
+          <p:nvPr/>
+        </p:nvSpPr>
+        <p:spPr>
+          <a:xfrm>
+            <a:off x="5933480" y="3219480"/>
+            <a:ext cx="418704" cy="369332"/>
+          </a:xfrm>
+          <a:prstGeom prst="rect">
+            <a:avLst/>
+          </a:prstGeom>
+          <a:noFill/>
+        </p:spPr>
+        <p:txBody>
+          <a:bodyPr wrap="none" rtlCol="0">
+            <a:spAutoFit/>
+          </a:bodyPr>
+          <a:lstStyle/>
+          <a:p>
+            <a:r>
+              <a:rPr lang="en-US" dirty="0" smtClean="0"/>
+              <a:t>1</a:t>
+            </a:r>
+            <a:r>
+              <a:rPr lang="ru-RU" dirty="0" smtClean="0"/>
+              <a:t>3</a:t>
+            </a:r>
+            <a:endParaRPr lang="uk-UA" dirty="0"/>
+          </a:p>
+        </p:txBody>
+      </p:sp>
+      <p:sp>
+        <p:nvSpPr>
+          <p:cNvPr id="86" name="TextBox 85"/>
+          <p:cNvSpPr txBox="1"/>
+          <p:nvPr/>
+        </p:nvSpPr>
+        <p:spPr>
+          <a:xfrm>
+            <a:off x="5307877" y="2631631"/>
+            <a:ext cx="418704" cy="369332"/>
+          </a:xfrm>
+          <a:prstGeom prst="rect">
+            <a:avLst/>
+          </a:prstGeom>
+          <a:noFill/>
+        </p:spPr>
+        <p:txBody>
+          <a:bodyPr wrap="none" rtlCol="0">
+            <a:spAutoFit/>
+          </a:bodyPr>
+          <a:lstStyle/>
+          <a:p>
+            <a:r>
+              <a:rPr lang="en-US" dirty="0" smtClean="0"/>
+              <a:t>1</a:t>
+            </a:r>
+            <a:r>
+              <a:rPr lang="ru-RU" dirty="0" smtClean="0"/>
+              <a:t>4</a:t>
+            </a:r>
+            <a:endParaRPr lang="uk-UA" dirty="0"/>
+          </a:p>
+        </p:txBody>
+      </p:sp>
+      <p:sp>
+        <p:nvSpPr>
+          <p:cNvPr id="88" name="Скругленный прямоугольник 87"/>
+          <p:cNvSpPr/>
+          <p:nvPr/>
+        </p:nvSpPr>
+        <p:spPr>
+          <a:xfrm>
+            <a:off x="5726581" y="3693671"/>
+            <a:ext cx="1356972" cy="648072"/>
+          </a:xfrm>
+          <a:prstGeom prst="roundRect">
+            <a:avLst/>
+          </a:prstGeom>
+        </p:spPr>
+        <p:style>
+          <a:lnRef idx="2">
+            <a:schemeClr val="accent1">
+              <a:shade val="50000"/>
+            </a:schemeClr>
+          </a:lnRef>
+          <a:fillRef idx="1">
+            <a:schemeClr val="accent1"/>
+          </a:fillRef>
+          <a:effectRef idx="0">
+            <a:schemeClr val="accent1"/>
+          </a:effectRef>
+          <a:fontRef idx="minor">
+            <a:schemeClr val="lt1"/>
+          </a:fontRef>
+        </p:style>
+        <p:txBody>
+          <a:bodyPr rtlCol="0" anchor="ctr"/>
+          <a:lstStyle/>
+          <a:p>
+            <a:pPr algn="ctr"/>
+            <a:r>
+              <a:rPr lang="en-US" dirty="0" smtClean="0"/>
+              <a:t>Specific Command</a:t>
+            </a:r>
+            <a:endParaRPr lang="uk-UA" dirty="0"/>
+          </a:p>
+        </p:txBody>
+      </p:sp>
+      <p:sp>
+        <p:nvSpPr>
+          <p:cNvPr id="89" name="Скругленный прямоугольник 88"/>
+          <p:cNvSpPr/>
+          <p:nvPr/>
+        </p:nvSpPr>
+        <p:spPr>
+          <a:xfrm>
+            <a:off x="5726581" y="4857265"/>
+            <a:ext cx="1356972" cy="648072"/>
+          </a:xfrm>
+          <a:prstGeom prst="roundRect">
+            <a:avLst/>
+          </a:prstGeom>
+        </p:spPr>
+        <p:style>
+          <a:lnRef idx="2">
+            <a:schemeClr val="accent1">
+              <a:shade val="50000"/>
+            </a:schemeClr>
+          </a:lnRef>
+          <a:fillRef idx="1">
+            <a:schemeClr val="accent1"/>
+          </a:fillRef>
+          <a:effectRef idx="0">
+            <a:schemeClr val="accent1"/>
+          </a:effectRef>
+          <a:fontRef idx="minor">
+            <a:schemeClr val="lt1"/>
+          </a:fontRef>
+        </p:style>
+        <p:txBody>
+          <a:bodyPr rtlCol="0" anchor="ctr"/>
+          <a:lstStyle/>
+          <a:p>
+            <a:pPr algn="ctr"/>
+            <a:r>
+              <a:rPr lang="en-US" dirty="0" smtClean="0"/>
+              <a:t>Specific Service</a:t>
+            </a:r>
+            <a:endParaRPr lang="uk-UA" dirty="0"/>
+          </a:p>
+        </p:txBody>
+      </p:sp>
+      <p:cxnSp>
+        <p:nvCxnSpPr>
+          <p:cNvPr id="90" name="Прямая со стрелкой 89"/>
+          <p:cNvCxnSpPr/>
+          <p:nvPr/>
+        </p:nvCxnSpPr>
+        <p:spPr>
+          <a:xfrm>
+            <a:off x="6732240" y="4201031"/>
+            <a:ext cx="0" cy="648072"/>
+          </a:xfrm>
+          <a:prstGeom prst="straightConnector1">
+            <a:avLst/>
+          </a:prstGeom>
+          <a:ln>
+            <a:tailEnd type="arrow"/>
+          </a:ln>
+        </p:spPr>
+        <p:style>
+          <a:lnRef idx="1">
+            <a:schemeClr val="accent1"/>
+          </a:lnRef>
+          <a:fillRef idx="0">
+            <a:schemeClr val="accent1"/>
+          </a:fillRef>
+          <a:effectRef idx="0">
+            <a:schemeClr val="accent1"/>
+          </a:effectRef>
+          <a:fontRef idx="minor">
+            <a:schemeClr val="tx1"/>
+          </a:fontRef>
+        </p:style>
+      </p:cxnSp>
+      <p:cxnSp>
+        <p:nvCxnSpPr>
+          <p:cNvPr id="91" name="Прямая со стрелкой 90"/>
+          <p:cNvCxnSpPr/>
+          <p:nvPr/>
+        </p:nvCxnSpPr>
+        <p:spPr>
+          <a:xfrm flipV="1">
+            <a:off x="5940307" y="4201031"/>
+            <a:ext cx="0" cy="648072"/>
+          </a:xfrm>
+          <a:prstGeom prst="straightConnector1">
+            <a:avLst/>
+          </a:prstGeom>
+          <a:ln>
+            <a:tailEnd type="arrow"/>
+          </a:ln>
+        </p:spPr>
+        <p:style>
+          <a:lnRef idx="1">
+            <a:schemeClr val="accent1"/>
+          </a:lnRef>
+          <a:fillRef idx="0">
+            <a:schemeClr val="accent1"/>
+          </a:fillRef>
+          <a:effectRef idx="0">
+            <a:schemeClr val="accent1"/>
+          </a:effectRef>
+          <a:fontRef idx="minor">
+            <a:schemeClr val="tx1"/>
+          </a:fontRef>
+        </p:style>
+      </p:cxnSp>
+      <p:sp>
+        <p:nvSpPr>
+          <p:cNvPr id="92" name="TextBox 91"/>
+          <p:cNvSpPr txBox="1"/>
+          <p:nvPr/>
+        </p:nvSpPr>
+        <p:spPr>
+          <a:xfrm>
+            <a:off x="5940307" y="4369549"/>
+            <a:ext cx="418704" cy="369332"/>
+          </a:xfrm>
+          <a:prstGeom prst="rect">
+            <a:avLst/>
+          </a:prstGeom>
+          <a:noFill/>
+        </p:spPr>
+        <p:txBody>
+          <a:bodyPr wrap="none" rtlCol="0">
+            <a:spAutoFit/>
+          </a:bodyPr>
+          <a:lstStyle/>
+          <a:p>
+            <a:r>
+              <a:rPr lang="en-US" dirty="0" smtClean="0"/>
+              <a:t>10</a:t>
+            </a:r>
+            <a:endParaRPr lang="uk-UA" dirty="0"/>
+          </a:p>
+        </p:txBody>
+      </p:sp>
+      <p:sp>
+        <p:nvSpPr>
+          <p:cNvPr id="93" name="TextBox 92"/>
+          <p:cNvSpPr txBox="1"/>
+          <p:nvPr/>
+        </p:nvSpPr>
+        <p:spPr>
+          <a:xfrm>
+            <a:off x="6718586" y="4348259"/>
+            <a:ext cx="301686" cy="369332"/>
+          </a:xfrm>
+          <a:prstGeom prst="rect">
+            <a:avLst/>
+          </a:prstGeom>
+          <a:noFill/>
+        </p:spPr>
+        <p:txBody>
+          <a:bodyPr wrap="none" rtlCol="0">
+            <a:spAutoFit/>
+          </a:bodyPr>
+          <a:lstStyle/>
+          <a:p>
+            <a:r>
+              <a:rPr lang="en-US" dirty="0" smtClean="0"/>
+              <a:t>5</a:t>
+            </a:r>
+            <a:endParaRPr lang="uk-UA" dirty="0"/>
+          </a:p>
+        </p:txBody>
+      </p:sp>
+      <p:sp>
+        <p:nvSpPr>
+          <p:cNvPr id="94" name="Скругленный прямоугольник 93"/>
+          <p:cNvSpPr/>
+          <p:nvPr/>
+        </p:nvSpPr>
+        <p:spPr>
+          <a:xfrm>
+            <a:off x="3901797" y="4849103"/>
+            <a:ext cx="1332448" cy="648072"/>
+          </a:xfrm>
+          <a:prstGeom prst="roundRect">
+            <a:avLst/>
+          </a:prstGeom>
+        </p:spPr>
+        <p:style>
+          <a:lnRef idx="2">
+            <a:schemeClr val="accent1">
+              <a:shade val="50000"/>
+            </a:schemeClr>
+          </a:lnRef>
+          <a:fillRef idx="1">
+            <a:schemeClr val="accent1"/>
+          </a:fillRef>
+          <a:effectRef idx="0">
+            <a:schemeClr val="accent1"/>
+          </a:effectRef>
+          <a:fontRef idx="minor">
+            <a:schemeClr val="lt1"/>
+          </a:fontRef>
+        </p:style>
+        <p:txBody>
+          <a:bodyPr rtlCol="0" anchor="ctr"/>
+          <a:lstStyle/>
+          <a:p>
+            <a:pPr algn="ctr"/>
+            <a:r>
+              <a:rPr lang="en-US" dirty="0"/>
+              <a:t>Specific DAO</a:t>
+            </a:r>
+            <a:endParaRPr lang="uk-UA" dirty="0"/>
+          </a:p>
+        </p:txBody>
+      </p:sp>
+      <p:cxnSp>
+        <p:nvCxnSpPr>
+          <p:cNvPr id="95" name="Прямая со стрелкой 94"/>
+          <p:cNvCxnSpPr/>
+          <p:nvPr/>
+        </p:nvCxnSpPr>
+        <p:spPr>
+          <a:xfrm>
+            <a:off x="5236489" y="5013176"/>
+            <a:ext cx="504056" cy="0"/>
+          </a:xfrm>
+          <a:prstGeom prst="straightConnector1">
+            <a:avLst/>
+          </a:prstGeom>
+          <a:ln>
+            <a:tailEnd type="arrow"/>
+          </a:ln>
+        </p:spPr>
+        <p:style>
+          <a:lnRef idx="1">
+            <a:schemeClr val="accent1"/>
+          </a:lnRef>
+          <a:fillRef idx="0">
+            <a:schemeClr val="accent1"/>
+          </a:fillRef>
+          <a:effectRef idx="0">
+            <a:schemeClr val="accent1"/>
+          </a:effectRef>
+          <a:fontRef idx="minor">
+            <a:schemeClr val="tx1"/>
+          </a:fontRef>
+        </p:style>
+      </p:cxnSp>
+      <p:sp>
+        <p:nvSpPr>
+          <p:cNvPr id="96" name="TextBox 95"/>
+          <p:cNvSpPr txBox="1"/>
+          <p:nvPr/>
+        </p:nvSpPr>
+        <p:spPr>
+          <a:xfrm>
+            <a:off x="5301226" y="4996635"/>
+            <a:ext cx="301686" cy="369332"/>
+          </a:xfrm>
+          <a:prstGeom prst="rect">
+            <a:avLst/>
+          </a:prstGeom>
+          <a:noFill/>
+        </p:spPr>
+        <p:txBody>
+          <a:bodyPr wrap="none" rtlCol="0">
+            <a:spAutoFit/>
+          </a:bodyPr>
+          <a:lstStyle/>
+          <a:p>
+            <a:r>
+              <a:rPr lang="en-US" dirty="0" smtClean="0"/>
+              <a:t>6</a:t>
+            </a:r>
+            <a:endParaRPr lang="uk-UA" dirty="0"/>
+          </a:p>
+        </p:txBody>
+      </p:sp>
+      <p:cxnSp>
+        <p:nvCxnSpPr>
+          <p:cNvPr id="97" name="Прямая со стрелкой 96"/>
+          <p:cNvCxnSpPr/>
+          <p:nvPr/>
+        </p:nvCxnSpPr>
+        <p:spPr>
+          <a:xfrm flipH="1">
+            <a:off x="5218895" y="5376382"/>
+            <a:ext cx="507686" cy="0"/>
+          </a:xfrm>
+          <a:prstGeom prst="straightConnector1">
+            <a:avLst/>
+          </a:prstGeom>
+          <a:ln>
+            <a:tailEnd type="arrow"/>
+          </a:ln>
+        </p:spPr>
+        <p:style>
+          <a:lnRef idx="1">
+            <a:schemeClr val="accent1"/>
+          </a:lnRef>
+          <a:fillRef idx="0">
+            <a:schemeClr val="accent1"/>
+          </a:fillRef>
+          <a:effectRef idx="0">
+            <a:schemeClr val="accent1"/>
+          </a:effectRef>
+          <a:fontRef idx="minor">
+            <a:schemeClr val="tx1"/>
+          </a:fontRef>
+        </p:style>
+      </p:cxnSp>
+      <p:sp>
+        <p:nvSpPr>
+          <p:cNvPr id="100" name="TextBox 99"/>
+          <p:cNvSpPr txBox="1"/>
+          <p:nvPr/>
+        </p:nvSpPr>
+        <p:spPr>
+          <a:xfrm>
+            <a:off x="5321895" y="4627303"/>
+            <a:ext cx="301686" cy="369332"/>
+          </a:xfrm>
+          <a:prstGeom prst="rect">
+            <a:avLst/>
+          </a:prstGeom>
+          <a:noFill/>
+        </p:spPr>
+        <p:txBody>
+          <a:bodyPr wrap="none" rtlCol="0">
+            <a:spAutoFit/>
+          </a:bodyPr>
+          <a:lstStyle/>
+          <a:p>
+            <a:r>
+              <a:rPr lang="en-US" dirty="0" smtClean="0"/>
+              <a:t>8</a:t>
+            </a:r>
+            <a:endParaRPr lang="uk-UA" dirty="0"/>
+          </a:p>
+        </p:txBody>
+      </p:sp>
+      <p:sp>
+        <p:nvSpPr>
+          <p:cNvPr id="102" name="Скругленный прямоугольник 101"/>
+          <p:cNvSpPr/>
+          <p:nvPr/>
+        </p:nvSpPr>
+        <p:spPr>
+          <a:xfrm>
+            <a:off x="1448253" y="4798285"/>
+            <a:ext cx="1296144" cy="864096"/>
+          </a:xfrm>
+          <a:prstGeom prst="roundRect">
+            <a:avLst/>
+          </a:prstGeom>
+        </p:spPr>
+        <p:style>
+          <a:lnRef idx="2">
+            <a:schemeClr val="accent1">
+              <a:shade val="50000"/>
+            </a:schemeClr>
+          </a:lnRef>
+          <a:fillRef idx="1">
+            <a:schemeClr val="accent1"/>
+          </a:fillRef>
+          <a:effectRef idx="0">
+            <a:schemeClr val="accent1"/>
+          </a:effectRef>
+          <a:fontRef idx="minor">
+            <a:schemeClr val="lt1"/>
+          </a:fontRef>
+        </p:style>
+        <p:txBody>
+          <a:bodyPr rtlCol="0" anchor="ctr"/>
+          <a:lstStyle/>
+          <a:p>
+            <a:pPr algn="ctr"/>
+            <a:r>
+              <a:rPr lang="en-US" dirty="0" smtClean="0"/>
+              <a:t>Database</a:t>
+            </a:r>
+            <a:endParaRPr lang="uk-UA" dirty="0"/>
+          </a:p>
+        </p:txBody>
+      </p:sp>
+      <p:cxnSp>
+        <p:nvCxnSpPr>
+          <p:cNvPr id="103" name="Прямая со стрелкой 102"/>
+          <p:cNvCxnSpPr/>
+          <p:nvPr/>
+        </p:nvCxnSpPr>
+        <p:spPr>
+          <a:xfrm>
+            <a:off x="2750477" y="5198724"/>
+            <a:ext cx="1151320" cy="0"/>
+          </a:xfrm>
+          <a:prstGeom prst="straightConnector1">
+            <a:avLst/>
+          </a:prstGeom>
+          <a:ln>
+            <a:headEnd type="arrow"/>
+            <a:tailEnd type="arrow"/>
+          </a:ln>
+        </p:spPr>
+        <p:style>
+          <a:lnRef idx="1">
+            <a:schemeClr val="accent1"/>
+          </a:lnRef>
+          <a:fillRef idx="0">
+            <a:schemeClr val="accent1"/>
+          </a:fillRef>
+          <a:effectRef idx="0">
+            <a:schemeClr val="accent1"/>
+          </a:effectRef>
+          <a:fontRef idx="minor">
+            <a:schemeClr val="tx1"/>
+          </a:fontRef>
+        </p:style>
+      </p:cxnSp>
+      <p:sp>
+        <p:nvSpPr>
+          <p:cNvPr id="104" name="TextBox 103"/>
+          <p:cNvSpPr txBox="1"/>
+          <p:nvPr/>
+        </p:nvSpPr>
+        <p:spPr>
+          <a:xfrm>
+            <a:off x="3335855" y="4810630"/>
+            <a:ext cx="301686" cy="369332"/>
+          </a:xfrm>
+          <a:prstGeom prst="rect">
+            <a:avLst/>
+          </a:prstGeom>
+          <a:noFill/>
+        </p:spPr>
+        <p:txBody>
+          <a:bodyPr wrap="none" rtlCol="0">
+            <a:spAutoFit/>
+          </a:bodyPr>
+          <a:lstStyle/>
+          <a:p>
+            <a:r>
+              <a:rPr lang="en-US" dirty="0" smtClean="0"/>
+              <a:t>7</a:t>
+            </a:r>
+            <a:endParaRPr lang="uk-UA" dirty="0"/>
+          </a:p>
+        </p:txBody>
+      </p:sp>
+      <p:sp>
+        <p:nvSpPr>
+          <p:cNvPr id="106" name="Скругленный прямоугольник 105"/>
+          <p:cNvSpPr/>
+          <p:nvPr/>
+        </p:nvSpPr>
+        <p:spPr>
+          <a:xfrm>
+            <a:off x="3968350" y="3693671"/>
+            <a:ext cx="1296144" cy="648072"/>
+          </a:xfrm>
+          <a:prstGeom prst="roundRect">
+            <a:avLst/>
+          </a:prstGeom>
+        </p:spPr>
+        <p:style>
+          <a:lnRef idx="2">
+            <a:schemeClr val="accent1">
+              <a:shade val="50000"/>
+            </a:schemeClr>
+          </a:lnRef>
+          <a:fillRef idx="1">
+            <a:schemeClr val="accent1"/>
+          </a:fillRef>
+          <a:effectRef idx="0">
+            <a:schemeClr val="accent1"/>
+          </a:effectRef>
+          <a:fontRef idx="minor">
+            <a:schemeClr val="lt1"/>
+          </a:fontRef>
+        </p:style>
+        <p:txBody>
+          <a:bodyPr rtlCol="0" anchor="ctr"/>
+          <a:lstStyle/>
+          <a:p>
+            <a:pPr algn="ctr"/>
+            <a:r>
+              <a:rPr lang="en-US" dirty="0" smtClean="0"/>
+              <a:t>*.</a:t>
+            </a:r>
+            <a:r>
+              <a:rPr lang="en-US" dirty="0" err="1" smtClean="0"/>
+              <a:t>jsp</a:t>
+            </a:r>
+            <a:endParaRPr lang="uk-UA" dirty="0"/>
+          </a:p>
+        </p:txBody>
+      </p:sp>
+      <p:cxnSp>
+        <p:nvCxnSpPr>
+          <p:cNvPr id="107" name="Прямая со стрелкой 106"/>
+          <p:cNvCxnSpPr/>
+          <p:nvPr/>
+        </p:nvCxnSpPr>
+        <p:spPr>
+          <a:xfrm flipH="1">
+            <a:off x="5264494" y="3861048"/>
+            <a:ext cx="432936" cy="0"/>
+          </a:xfrm>
+          <a:prstGeom prst="straightConnector1">
+            <a:avLst/>
+          </a:prstGeom>
+          <a:ln>
+            <a:tailEnd type="arrow"/>
+          </a:ln>
+        </p:spPr>
+        <p:style>
+          <a:lnRef idx="1">
+            <a:schemeClr val="accent1"/>
+          </a:lnRef>
+          <a:fillRef idx="0">
+            <a:schemeClr val="accent1"/>
+          </a:fillRef>
+          <a:effectRef idx="0">
+            <a:schemeClr val="accent1"/>
+          </a:effectRef>
+          <a:fontRef idx="minor">
+            <a:schemeClr val="tx1"/>
+          </a:fontRef>
+        </p:style>
+      </p:cxnSp>
+      <p:sp>
+        <p:nvSpPr>
+          <p:cNvPr id="108" name="TextBox 107"/>
+          <p:cNvSpPr txBox="1"/>
+          <p:nvPr/>
+        </p:nvSpPr>
+        <p:spPr>
+          <a:xfrm>
+            <a:off x="5288850" y="3588510"/>
+            <a:ext cx="418704" cy="369332"/>
+          </a:xfrm>
+          <a:prstGeom prst="rect">
+            <a:avLst/>
+          </a:prstGeom>
+          <a:noFill/>
+        </p:spPr>
+        <p:txBody>
+          <a:bodyPr wrap="none" rtlCol="0">
+            <a:spAutoFit/>
+          </a:bodyPr>
+          <a:lstStyle/>
+          <a:p>
+            <a:r>
+              <a:rPr lang="en-US" dirty="0" smtClean="0"/>
+              <a:t>11</a:t>
+            </a:r>
+            <a:endParaRPr lang="uk-UA" dirty="0"/>
+          </a:p>
+        </p:txBody>
+      </p:sp>
+      <p:cxnSp>
+        <p:nvCxnSpPr>
+          <p:cNvPr id="109" name="Прямая со стрелкой 108"/>
+          <p:cNvCxnSpPr/>
+          <p:nvPr/>
+        </p:nvCxnSpPr>
+        <p:spPr>
+          <a:xfrm>
+            <a:off x="5193374" y="4213694"/>
+            <a:ext cx="504056" cy="0"/>
+          </a:xfrm>
+          <a:prstGeom prst="straightConnector1">
+            <a:avLst/>
+          </a:prstGeom>
+          <a:ln>
+            <a:tailEnd type="arrow"/>
+          </a:ln>
+        </p:spPr>
+        <p:style>
+          <a:lnRef idx="1">
+            <a:schemeClr val="accent1"/>
+          </a:lnRef>
+          <a:fillRef idx="0">
+            <a:schemeClr val="accent1"/>
+          </a:fillRef>
+          <a:effectRef idx="0">
+            <a:schemeClr val="accent1"/>
+          </a:effectRef>
+          <a:fontRef idx="minor">
+            <a:schemeClr val="tx1"/>
+          </a:fontRef>
+        </p:style>
+      </p:cxnSp>
+      <p:sp>
+        <p:nvSpPr>
+          <p:cNvPr id="110" name="TextBox 109"/>
+          <p:cNvSpPr txBox="1"/>
+          <p:nvPr/>
+        </p:nvSpPr>
+        <p:spPr>
+          <a:xfrm>
+            <a:off x="5263386" y="3865784"/>
+            <a:ext cx="418704" cy="369332"/>
+          </a:xfrm>
+          <a:prstGeom prst="rect">
+            <a:avLst/>
+          </a:prstGeom>
+          <a:noFill/>
+        </p:spPr>
+        <p:txBody>
+          <a:bodyPr wrap="none" rtlCol="0">
+            <a:spAutoFit/>
+          </a:bodyPr>
+          <a:lstStyle/>
+          <a:p>
+            <a:r>
+              <a:rPr lang="en-US" dirty="0" smtClean="0"/>
+              <a:t>12</a:t>
+            </a:r>
+            <a:endParaRPr lang="uk-UA" dirty="0"/>
+          </a:p>
+        </p:txBody>
+      </p:sp>
+    </p:spTree>
+    <p:extLst>
+      <p:ext uri="{BB962C8B-B14F-4D97-AF65-F5344CB8AC3E}">
+        <p14:creationId xmlns:p14="http://schemas.microsoft.com/office/powerpoint/2010/main" val="125127479"/>
+      </p:ext>
+    </p:extLst>
+  </p:cSld>
+  <p:clrMapOvr>
+    <a:masterClrMapping/>
+  </p:clrMapOvr>
+</p:sld>
+</file>
+
+<file path=ppt/slides/slide5.xml><?xml version="1.0" encoding="utf-8"?>
+<p:sld xmlns:a="http://schemas.openxmlformats.org/drawingml/2006/main" xmlns:r="http://schemas.openxmlformats.org/officeDocument/2006/relationships" xmlns:p="http://schemas.openxmlformats.org/presentationml/2006/main">
+  <p:cSld>
+    <p:spTree>
+      <p:nvGrpSpPr>
+        <p:cNvPr id="1" name=""/>
+        <p:cNvGrpSpPr/>
+        <p:nvPr/>
+      </p:nvGrpSpPr>
+      <p:grpSpPr>
+        <a:xfrm>
+          <a:off x="0" y="0"/>
+          <a:ext cx="0" cy="0"/>
+          <a:chOff x="0" y="0"/>
+          <a:chExt cx="0" cy="0"/>
+        </a:xfrm>
+      </p:grpSpPr>
+      <p:sp>
+        <p:nvSpPr>
+          <p:cNvPr id="2" name="Заголовок 1"/>
+          <p:cNvSpPr>
+            <a:spLocks noGrp="1"/>
+          </p:cNvSpPr>
+          <p:nvPr>
+            <p:ph type="title"/>
+          </p:nvPr>
+        </p:nvSpPr>
+        <p:spPr/>
+        <p:txBody>
+          <a:bodyPr/>
+          <a:lstStyle/>
+          <a:p>
+            <a:r>
+              <a:rPr lang="ru-RU" dirty="0"/>
+              <a:t>Архитектура </a:t>
+            </a:r>
+            <a:r>
+              <a:rPr lang="ru-RU" dirty="0" smtClean="0"/>
+              <a:t>2</a:t>
+            </a:r>
+            <a:r>
+              <a:rPr lang="en-US" dirty="0" smtClean="0"/>
+              <a:t>/3</a:t>
+            </a:r>
+            <a:endParaRPr lang="uk-UA" dirty="0"/>
+          </a:p>
+        </p:txBody>
+      </p:sp>
+      <p:sp>
+        <p:nvSpPr>
+          <p:cNvPr id="29" name="Прямоугольник 28"/>
+          <p:cNvSpPr/>
+          <p:nvPr/>
+        </p:nvSpPr>
+        <p:spPr>
+          <a:xfrm>
+            <a:off x="539552" y="1700808"/>
+            <a:ext cx="2232248" cy="295095"/>
+          </a:xfrm>
+          <a:prstGeom prst="rect">
+            <a:avLst/>
+          </a:prstGeom>
+        </p:spPr>
+        <p:style>
+          <a:lnRef idx="2">
+            <a:schemeClr val="accent1">
+              <a:shade val="50000"/>
+            </a:schemeClr>
+          </a:lnRef>
+          <a:fillRef idx="1">
+            <a:schemeClr val="accent1"/>
+          </a:fillRef>
+          <a:effectRef idx="0">
+            <a:schemeClr val="accent1"/>
+          </a:effectRef>
+          <a:fontRef idx="minor">
+            <a:schemeClr val="lt1"/>
+          </a:fontRef>
+        </p:style>
+        <p:txBody>
+          <a:bodyPr rtlCol="0" anchor="ctr"/>
+          <a:lstStyle/>
+          <a:p>
+            <a:pPr algn="ctr"/>
+            <a:r>
+              <a:rPr lang="en-US" dirty="0" smtClean="0"/>
+              <a:t>Java</a:t>
+            </a:r>
+            <a:endParaRPr lang="uk-UA" dirty="0"/>
+          </a:p>
+        </p:txBody>
+      </p:sp>
+      <p:sp>
+        <p:nvSpPr>
+          <p:cNvPr id="30" name="Прямоугольник 29"/>
+          <p:cNvSpPr/>
+          <p:nvPr/>
+        </p:nvSpPr>
+        <p:spPr>
+          <a:xfrm>
+            <a:off x="3491880" y="1700808"/>
+            <a:ext cx="2232248" cy="295095"/>
+          </a:xfrm>
+          <a:prstGeom prst="rect">
+            <a:avLst/>
+          </a:prstGeom>
+        </p:spPr>
+        <p:style>
+          <a:lnRef idx="2">
+            <a:schemeClr val="accent1">
+              <a:shade val="50000"/>
+            </a:schemeClr>
+          </a:lnRef>
+          <a:fillRef idx="1">
+            <a:schemeClr val="accent1"/>
+          </a:fillRef>
+          <a:effectRef idx="0">
+            <a:schemeClr val="accent1"/>
+          </a:effectRef>
+          <a:fontRef idx="minor">
+            <a:schemeClr val="lt1"/>
+          </a:fontRef>
+        </p:style>
+        <p:txBody>
+          <a:bodyPr rtlCol="0" anchor="ctr"/>
+          <a:lstStyle/>
+          <a:p>
+            <a:pPr algn="ctr"/>
+            <a:r>
+              <a:rPr lang="en-US" dirty="0" smtClean="0"/>
+              <a:t>commands</a:t>
+            </a:r>
+            <a:endParaRPr lang="uk-UA" dirty="0"/>
+          </a:p>
+        </p:txBody>
+      </p:sp>
+      <p:sp>
+        <p:nvSpPr>
+          <p:cNvPr id="31" name="Прямоугольник 30"/>
+          <p:cNvSpPr/>
+          <p:nvPr/>
+        </p:nvSpPr>
+        <p:spPr>
+          <a:xfrm>
+            <a:off x="3491880" y="2060848"/>
+            <a:ext cx="2232248" cy="295095"/>
+          </a:xfrm>
+          <a:prstGeom prst="rect">
+            <a:avLst/>
+          </a:prstGeom>
+        </p:spPr>
+        <p:style>
+          <a:lnRef idx="2">
+            <a:schemeClr val="accent1">
+              <a:shade val="50000"/>
+            </a:schemeClr>
+          </a:lnRef>
+          <a:fillRef idx="1">
+            <a:schemeClr val="accent1"/>
+          </a:fillRef>
+          <a:effectRef idx="0">
+            <a:schemeClr val="accent1"/>
+          </a:effectRef>
+          <a:fontRef idx="minor">
+            <a:schemeClr val="lt1"/>
+          </a:fontRef>
+        </p:style>
+        <p:txBody>
+          <a:bodyPr rtlCol="0" anchor="ctr"/>
+          <a:lstStyle/>
+          <a:p>
+            <a:pPr algn="ctr"/>
+            <a:r>
+              <a:rPr lang="en-US" dirty="0" smtClean="0"/>
+              <a:t>configurations</a:t>
+            </a:r>
+            <a:endParaRPr lang="uk-UA" dirty="0"/>
+          </a:p>
+        </p:txBody>
+      </p:sp>
+      <p:sp>
+        <p:nvSpPr>
+          <p:cNvPr id="32" name="Прямоугольник 31"/>
+          <p:cNvSpPr/>
+          <p:nvPr/>
+        </p:nvSpPr>
+        <p:spPr>
+          <a:xfrm>
+            <a:off x="3491880" y="2420888"/>
+            <a:ext cx="2232248" cy="295095"/>
+          </a:xfrm>
+          <a:prstGeom prst="rect">
+            <a:avLst/>
+          </a:prstGeom>
+        </p:spPr>
+        <p:style>
+          <a:lnRef idx="2">
+            <a:schemeClr val="accent1">
+              <a:shade val="50000"/>
+            </a:schemeClr>
+          </a:lnRef>
+          <a:fillRef idx="1">
+            <a:schemeClr val="accent1"/>
+          </a:fillRef>
+          <a:effectRef idx="0">
+            <a:schemeClr val="accent1"/>
+          </a:effectRef>
+          <a:fontRef idx="minor">
+            <a:schemeClr val="lt1"/>
+          </a:fontRef>
+        </p:style>
+        <p:txBody>
+          <a:bodyPr rtlCol="0" anchor="ctr"/>
+          <a:lstStyle/>
+          <a:p>
+            <a:pPr algn="ctr"/>
+            <a:r>
+              <a:rPr lang="en-US" dirty="0" smtClean="0"/>
+              <a:t>exception</a:t>
+            </a:r>
+            <a:endParaRPr lang="uk-UA" dirty="0"/>
+          </a:p>
+        </p:txBody>
+      </p:sp>
+      <p:sp>
+        <p:nvSpPr>
+          <p:cNvPr id="33" name="Прямоугольник 32"/>
+          <p:cNvSpPr/>
+          <p:nvPr/>
+        </p:nvSpPr>
+        <p:spPr>
+          <a:xfrm>
+            <a:off x="3491880" y="2780928"/>
+            <a:ext cx="2232248" cy="295095"/>
+          </a:xfrm>
+          <a:prstGeom prst="rect">
+            <a:avLst/>
+          </a:prstGeom>
+        </p:spPr>
+        <p:style>
+          <a:lnRef idx="2">
+            <a:schemeClr val="accent1">
+              <a:shade val="50000"/>
+            </a:schemeClr>
+          </a:lnRef>
+          <a:fillRef idx="1">
+            <a:schemeClr val="accent1"/>
+          </a:fillRef>
+          <a:effectRef idx="0">
+            <a:schemeClr val="accent1"/>
+          </a:effectRef>
+          <a:fontRef idx="minor">
+            <a:schemeClr val="lt1"/>
+          </a:fontRef>
+        </p:style>
+        <p:txBody>
+          <a:bodyPr rtlCol="0" anchor="ctr"/>
+          <a:lstStyle/>
+          <a:p>
+            <a:pPr algn="ctr"/>
+            <a:r>
+              <a:rPr lang="en-US" dirty="0" smtClean="0"/>
+              <a:t>filters</a:t>
+            </a:r>
+            <a:endParaRPr lang="uk-UA" dirty="0"/>
+          </a:p>
+        </p:txBody>
+      </p:sp>
+      <p:sp>
+        <p:nvSpPr>
+          <p:cNvPr id="34" name="Прямоугольник 33"/>
+          <p:cNvSpPr/>
+          <p:nvPr/>
+        </p:nvSpPr>
+        <p:spPr>
+          <a:xfrm>
+            <a:off x="3491880" y="3140968"/>
+            <a:ext cx="2232248" cy="295095"/>
+          </a:xfrm>
+          <a:prstGeom prst="rect">
+            <a:avLst/>
+          </a:prstGeom>
+        </p:spPr>
+        <p:style>
+          <a:lnRef idx="2">
+            <a:schemeClr val="accent1">
+              <a:shade val="50000"/>
+            </a:schemeClr>
+          </a:lnRef>
+          <a:fillRef idx="1">
+            <a:schemeClr val="accent1"/>
+          </a:fillRef>
+          <a:effectRef idx="0">
+            <a:schemeClr val="accent1"/>
+          </a:effectRef>
+          <a:fontRef idx="minor">
+            <a:schemeClr val="lt1"/>
+          </a:fontRef>
+        </p:style>
+        <p:txBody>
+          <a:bodyPr rtlCol="0" anchor="ctr"/>
+          <a:lstStyle/>
+          <a:p>
+            <a:pPr algn="ctr"/>
+            <a:r>
+              <a:rPr lang="en-US" dirty="0" smtClean="0"/>
+              <a:t>model</a:t>
+            </a:r>
+            <a:endParaRPr lang="uk-UA" dirty="0"/>
+          </a:p>
+        </p:txBody>
+      </p:sp>
+      <p:sp>
+        <p:nvSpPr>
+          <p:cNvPr id="35" name="Прямоугольник 34"/>
+          <p:cNvSpPr/>
+          <p:nvPr/>
+        </p:nvSpPr>
+        <p:spPr>
+          <a:xfrm>
+            <a:off x="6372200" y="3140968"/>
+            <a:ext cx="2232248" cy="295095"/>
+          </a:xfrm>
+          <a:prstGeom prst="rect">
+            <a:avLst/>
+          </a:prstGeom>
+        </p:spPr>
+        <p:style>
+          <a:lnRef idx="2">
+            <a:schemeClr val="accent1">
+              <a:shade val="50000"/>
+            </a:schemeClr>
+          </a:lnRef>
+          <a:fillRef idx="1">
+            <a:schemeClr val="accent1"/>
+          </a:fillRef>
+          <a:effectRef idx="0">
+            <a:schemeClr val="accent1"/>
+          </a:effectRef>
+          <a:fontRef idx="minor">
+            <a:schemeClr val="lt1"/>
+          </a:fontRef>
+        </p:style>
+        <p:txBody>
+          <a:bodyPr rtlCol="0" anchor="ctr"/>
+          <a:lstStyle/>
+          <a:p>
+            <a:pPr algn="ctr"/>
+            <a:r>
+              <a:rPr lang="en-US" dirty="0" smtClean="0"/>
+              <a:t>entity</a:t>
+            </a:r>
+            <a:endParaRPr lang="uk-UA" dirty="0"/>
+          </a:p>
+        </p:txBody>
+      </p:sp>
+      <p:sp>
+        <p:nvSpPr>
+          <p:cNvPr id="36" name="Прямоугольник 35"/>
+          <p:cNvSpPr/>
+          <p:nvPr/>
+        </p:nvSpPr>
+        <p:spPr>
+          <a:xfrm>
+            <a:off x="6372200" y="3501008"/>
+            <a:ext cx="2232248" cy="295095"/>
+          </a:xfrm>
+          <a:prstGeom prst="rect">
+            <a:avLst/>
+          </a:prstGeom>
+        </p:spPr>
+        <p:style>
+          <a:lnRef idx="2">
+            <a:schemeClr val="accent1">
+              <a:shade val="50000"/>
+            </a:schemeClr>
+          </a:lnRef>
+          <a:fillRef idx="1">
+            <a:schemeClr val="accent1"/>
+          </a:fillRef>
+          <a:effectRef idx="0">
+            <a:schemeClr val="accent1"/>
+          </a:effectRef>
+          <a:fontRef idx="minor">
+            <a:schemeClr val="lt1"/>
+          </a:fontRef>
+        </p:style>
+        <p:txBody>
+          <a:bodyPr rtlCol="0" anchor="ctr"/>
+          <a:lstStyle/>
+          <a:p>
+            <a:pPr algn="ctr"/>
+            <a:r>
+              <a:rPr lang="en-US" dirty="0" smtClean="0"/>
+              <a:t>DAO</a:t>
+            </a:r>
+            <a:endParaRPr lang="uk-UA" dirty="0"/>
+          </a:p>
+        </p:txBody>
+      </p:sp>
+      <p:sp>
+        <p:nvSpPr>
+          <p:cNvPr id="37" name="Прямоугольник 36"/>
+          <p:cNvSpPr/>
+          <p:nvPr/>
+        </p:nvSpPr>
+        <p:spPr>
+          <a:xfrm>
+            <a:off x="3491880" y="3501008"/>
+            <a:ext cx="2232248" cy="295095"/>
+          </a:xfrm>
+          <a:prstGeom prst="rect">
+            <a:avLst/>
+          </a:prstGeom>
+        </p:spPr>
+        <p:style>
+          <a:lnRef idx="2">
+            <a:schemeClr val="accent1">
+              <a:shade val="50000"/>
+            </a:schemeClr>
+          </a:lnRef>
+          <a:fillRef idx="1">
+            <a:schemeClr val="accent1"/>
+          </a:fillRef>
+          <a:effectRef idx="0">
+            <a:schemeClr val="accent1"/>
+          </a:effectRef>
+          <a:fontRef idx="minor">
+            <a:schemeClr val="lt1"/>
+          </a:fontRef>
+        </p:style>
+        <p:txBody>
+          <a:bodyPr rtlCol="0" anchor="ctr"/>
+          <a:lstStyle/>
+          <a:p>
+            <a:pPr algn="ctr"/>
+            <a:r>
+              <a:rPr lang="en-US" dirty="0" smtClean="0"/>
+              <a:t>services</a:t>
+            </a:r>
+            <a:endParaRPr lang="uk-UA" dirty="0"/>
+          </a:p>
+        </p:txBody>
+      </p:sp>
+      <p:sp>
+        <p:nvSpPr>
+          <p:cNvPr id="38" name="Прямоугольник 37"/>
+          <p:cNvSpPr/>
+          <p:nvPr/>
+        </p:nvSpPr>
+        <p:spPr>
+          <a:xfrm>
+            <a:off x="3491880" y="3861048"/>
+            <a:ext cx="2232248" cy="295095"/>
+          </a:xfrm>
+          <a:prstGeom prst="rect">
+            <a:avLst/>
+          </a:prstGeom>
+        </p:spPr>
+        <p:style>
+          <a:lnRef idx="2">
+            <a:schemeClr val="accent1">
+              <a:shade val="50000"/>
+            </a:schemeClr>
+          </a:lnRef>
+          <a:fillRef idx="1">
+            <a:schemeClr val="accent1"/>
+          </a:fillRef>
+          <a:effectRef idx="0">
+            <a:schemeClr val="accent1"/>
+          </a:effectRef>
+          <a:fontRef idx="minor">
+            <a:schemeClr val="lt1"/>
+          </a:fontRef>
+        </p:style>
+        <p:txBody>
+          <a:bodyPr rtlCol="0" anchor="ctr"/>
+          <a:lstStyle/>
+          <a:p>
+            <a:pPr algn="ctr"/>
+            <a:r>
+              <a:rPr lang="en-US" dirty="0" smtClean="0"/>
+              <a:t>servlet</a:t>
+            </a:r>
+            <a:endParaRPr lang="uk-UA" dirty="0"/>
+          </a:p>
+        </p:txBody>
+      </p:sp>
+      <p:sp>
+        <p:nvSpPr>
+          <p:cNvPr id="39" name="Прямоугольник 38"/>
+          <p:cNvSpPr/>
+          <p:nvPr/>
+        </p:nvSpPr>
+        <p:spPr>
+          <a:xfrm>
+            <a:off x="3491880" y="4221088"/>
+            <a:ext cx="2232248" cy="295095"/>
+          </a:xfrm>
+          <a:prstGeom prst="rect">
+            <a:avLst/>
+          </a:prstGeom>
+        </p:spPr>
+        <p:style>
+          <a:lnRef idx="2">
+            <a:schemeClr val="accent1">
+              <a:shade val="50000"/>
+            </a:schemeClr>
+          </a:lnRef>
+          <a:fillRef idx="1">
+            <a:schemeClr val="accent1"/>
+          </a:fillRef>
+          <a:effectRef idx="0">
+            <a:schemeClr val="accent1"/>
+          </a:effectRef>
+          <a:fontRef idx="minor">
+            <a:schemeClr val="lt1"/>
+          </a:fontRef>
+        </p:style>
+        <p:txBody>
+          <a:bodyPr rtlCol="0" anchor="ctr"/>
+          <a:lstStyle/>
+          <a:p>
+            <a:pPr algn="ctr"/>
+            <a:r>
+              <a:rPr lang="en-US" dirty="0" smtClean="0"/>
+              <a:t>transaction</a:t>
+            </a:r>
+            <a:endParaRPr lang="uk-UA" dirty="0"/>
+          </a:p>
+        </p:txBody>
+      </p:sp>
+      <p:sp>
+        <p:nvSpPr>
+          <p:cNvPr id="40" name="Прямоугольник 39"/>
+          <p:cNvSpPr/>
+          <p:nvPr/>
+        </p:nvSpPr>
+        <p:spPr>
+          <a:xfrm>
+            <a:off x="3491880" y="4581128"/>
+            <a:ext cx="2232248" cy="295095"/>
+          </a:xfrm>
+          <a:prstGeom prst="rect">
+            <a:avLst/>
+          </a:prstGeom>
+        </p:spPr>
+        <p:style>
+          <a:lnRef idx="2">
+            <a:schemeClr val="accent1">
+              <a:shade val="50000"/>
+            </a:schemeClr>
+          </a:lnRef>
+          <a:fillRef idx="1">
+            <a:schemeClr val="accent1"/>
+          </a:fillRef>
+          <a:effectRef idx="0">
+            <a:schemeClr val="accent1"/>
+          </a:effectRef>
+          <a:fontRef idx="minor">
+            <a:schemeClr val="lt1"/>
+          </a:fontRef>
+        </p:style>
+        <p:txBody>
+          <a:bodyPr rtlCol="0" anchor="ctr"/>
+          <a:lstStyle/>
+          <a:p>
+            <a:pPr algn="ctr"/>
+            <a:r>
+              <a:rPr lang="en-US" dirty="0" err="1" smtClean="0"/>
+              <a:t>util</a:t>
+            </a:r>
+            <a:endParaRPr lang="uk-UA" dirty="0"/>
+          </a:p>
+        </p:txBody>
+      </p:sp>
+      <p:cxnSp>
+        <p:nvCxnSpPr>
+          <p:cNvPr id="42" name="Прямая со стрелкой 41"/>
+          <p:cNvCxnSpPr>
+            <a:stCxn id="29" idx="3"/>
+            <a:endCxn id="30" idx="1"/>
+          </p:cNvCxnSpPr>
+          <p:nvPr/>
+        </p:nvCxnSpPr>
+        <p:spPr>
+          <a:xfrm>
+            <a:off x="2771800" y="1848356"/>
+            <a:ext cx="720080" cy="0"/>
+          </a:xfrm>
+          <a:prstGeom prst="straightConnector1">
+            <a:avLst/>
+          </a:prstGeom>
+          <a:ln>
+            <a:tailEnd type="arrow"/>
+          </a:ln>
+        </p:spPr>
+        <p:style>
+          <a:lnRef idx="1">
+            <a:schemeClr val="accent1"/>
+          </a:lnRef>
+          <a:fillRef idx="0">
+            <a:schemeClr val="accent1"/>
+          </a:fillRef>
+          <a:effectRef idx="0">
+            <a:schemeClr val="accent1"/>
+          </a:effectRef>
+          <a:fontRef idx="minor">
+            <a:schemeClr val="tx1"/>
+          </a:fontRef>
+        </p:style>
+      </p:cxnSp>
+      <p:cxnSp>
+        <p:nvCxnSpPr>
+          <p:cNvPr id="43" name="Прямая со стрелкой 42"/>
+          <p:cNvCxnSpPr/>
+          <p:nvPr/>
+        </p:nvCxnSpPr>
+        <p:spPr>
+          <a:xfrm>
+            <a:off x="5652120" y="3284984"/>
+            <a:ext cx="720080" cy="0"/>
+          </a:xfrm>
+          <a:prstGeom prst="straightConnector1">
+            <a:avLst/>
+          </a:prstGeom>
+          <a:ln>
+            <a:tailEnd type="arrow"/>
+          </a:ln>
+        </p:spPr>
+        <p:style>
+          <a:lnRef idx="1">
+            <a:schemeClr val="accent1"/>
+          </a:lnRef>
+          <a:fillRef idx="0">
+            <a:schemeClr val="accent1"/>
+          </a:fillRef>
+          <a:effectRef idx="0">
+            <a:schemeClr val="accent1"/>
+          </a:effectRef>
+          <a:fontRef idx="minor">
+            <a:schemeClr val="tx1"/>
+          </a:fontRef>
+        </p:style>
+      </p:cxnSp>
+      <p:sp>
+        <p:nvSpPr>
+          <p:cNvPr id="44" name="Прямоугольник 43"/>
+          <p:cNvSpPr/>
+          <p:nvPr/>
+        </p:nvSpPr>
+        <p:spPr>
+          <a:xfrm>
+            <a:off x="467544" y="5013176"/>
+            <a:ext cx="2232248" cy="295095"/>
+          </a:xfrm>
+          <a:prstGeom prst="rect">
+            <a:avLst/>
+          </a:prstGeom>
+        </p:spPr>
+        <p:style>
+          <a:lnRef idx="2">
+            <a:schemeClr val="accent6">
+              <a:shade val="50000"/>
+            </a:schemeClr>
+          </a:lnRef>
+          <a:fillRef idx="1">
+            <a:schemeClr val="accent6"/>
+          </a:fillRef>
+          <a:effectRef idx="0">
+            <a:schemeClr val="accent6"/>
+          </a:effectRef>
+          <a:fontRef idx="minor">
+            <a:schemeClr val="lt1"/>
+          </a:fontRef>
+        </p:style>
+        <p:txBody>
+          <a:bodyPr rtlCol="0" anchor="ctr"/>
+          <a:lstStyle/>
+          <a:p>
+            <a:pPr algn="ctr"/>
+            <a:r>
+              <a:rPr lang="en-US" dirty="0" smtClean="0"/>
+              <a:t>resources</a:t>
+            </a:r>
+            <a:endParaRPr lang="uk-UA" dirty="0"/>
+          </a:p>
+        </p:txBody>
+      </p:sp>
+      <p:sp>
+        <p:nvSpPr>
+          <p:cNvPr id="45" name="Прямоугольник 44"/>
+          <p:cNvSpPr/>
+          <p:nvPr/>
+        </p:nvSpPr>
+        <p:spPr>
+          <a:xfrm>
+            <a:off x="467544" y="5373216"/>
+            <a:ext cx="2232248" cy="295095"/>
+          </a:xfrm>
+          <a:prstGeom prst="rect">
+            <a:avLst/>
+          </a:prstGeom>
+        </p:spPr>
+        <p:style>
+          <a:lnRef idx="2">
+            <a:schemeClr val="accent4">
+              <a:shade val="50000"/>
+            </a:schemeClr>
+          </a:lnRef>
+          <a:fillRef idx="1">
+            <a:schemeClr val="accent4"/>
+          </a:fillRef>
+          <a:effectRef idx="0">
+            <a:schemeClr val="accent4"/>
+          </a:effectRef>
+          <a:fontRef idx="minor">
+            <a:schemeClr val="lt1"/>
+          </a:fontRef>
+        </p:style>
+        <p:txBody>
+          <a:bodyPr rtlCol="0" anchor="ctr"/>
+          <a:lstStyle/>
+          <a:p>
+            <a:pPr algn="ctr"/>
+            <a:r>
+              <a:rPr lang="en-US" dirty="0" err="1" smtClean="0"/>
+              <a:t>webapp</a:t>
+            </a:r>
+            <a:endParaRPr lang="uk-UA" dirty="0"/>
+          </a:p>
+        </p:txBody>
+      </p:sp>
+      <p:sp>
+        <p:nvSpPr>
+          <p:cNvPr id="46" name="Прямоугольник 45"/>
+          <p:cNvSpPr/>
+          <p:nvPr/>
+        </p:nvSpPr>
+        <p:spPr>
+          <a:xfrm>
+            <a:off x="467544" y="6158241"/>
+            <a:ext cx="2232248" cy="295095"/>
+          </a:xfrm>
+          <a:prstGeom prst="rect">
+            <a:avLst/>
+          </a:prstGeom>
+        </p:spPr>
+        <p:style>
+          <a:lnRef idx="2">
+            <a:schemeClr val="accent3">
+              <a:shade val="50000"/>
+            </a:schemeClr>
+          </a:lnRef>
+          <a:fillRef idx="1">
+            <a:schemeClr val="accent3"/>
+          </a:fillRef>
+          <a:effectRef idx="0">
+            <a:schemeClr val="accent3"/>
+          </a:effectRef>
+          <a:fontRef idx="minor">
+            <a:schemeClr val="lt1"/>
+          </a:fontRef>
+        </p:style>
+        <p:txBody>
+          <a:bodyPr rtlCol="0" anchor="ctr"/>
+          <a:lstStyle/>
+          <a:p>
+            <a:pPr algn="ctr"/>
+            <a:r>
+              <a:rPr lang="en-US" dirty="0" smtClean="0"/>
+              <a:t>test</a:t>
+            </a:r>
+            <a:endParaRPr lang="uk-UA" dirty="0"/>
+          </a:p>
+        </p:txBody>
+      </p:sp>
+      <p:sp>
+        <p:nvSpPr>
+          <p:cNvPr id="47" name="Прямоугольник 46"/>
+          <p:cNvSpPr/>
+          <p:nvPr/>
+        </p:nvSpPr>
+        <p:spPr>
+          <a:xfrm>
+            <a:off x="3419872" y="5373216"/>
+            <a:ext cx="2232248" cy="295095"/>
+          </a:xfrm>
+          <a:prstGeom prst="rect">
+            <a:avLst/>
+          </a:prstGeom>
+        </p:spPr>
+        <p:style>
+          <a:lnRef idx="2">
+            <a:schemeClr val="accent4">
+              <a:shade val="50000"/>
+            </a:schemeClr>
+          </a:lnRef>
+          <a:fillRef idx="1">
+            <a:schemeClr val="accent4"/>
+          </a:fillRef>
+          <a:effectRef idx="0">
+            <a:schemeClr val="accent4"/>
+          </a:effectRef>
+          <a:fontRef idx="minor">
+            <a:schemeClr val="lt1"/>
+          </a:fontRef>
+        </p:style>
+        <p:txBody>
+          <a:bodyPr rtlCol="0" anchor="ctr"/>
+          <a:lstStyle/>
+          <a:p>
+            <a:pPr algn="ctr"/>
+            <a:r>
+              <a:rPr lang="en-US" dirty="0" smtClean="0"/>
+              <a:t>META-INF</a:t>
+            </a:r>
+            <a:endParaRPr lang="uk-UA" dirty="0"/>
+          </a:p>
+        </p:txBody>
+      </p:sp>
+      <p:sp>
+        <p:nvSpPr>
+          <p:cNvPr id="48" name="Прямоугольник 47"/>
+          <p:cNvSpPr/>
+          <p:nvPr/>
+        </p:nvSpPr>
+        <p:spPr>
+          <a:xfrm>
+            <a:off x="6372200" y="5373216"/>
+            <a:ext cx="2232248" cy="295095"/>
+          </a:xfrm>
+          <a:prstGeom prst="rect">
+            <a:avLst/>
+          </a:prstGeom>
+        </p:spPr>
+        <p:style>
+          <a:lnRef idx="2">
+            <a:schemeClr val="accent4">
+              <a:shade val="50000"/>
+            </a:schemeClr>
+          </a:lnRef>
+          <a:fillRef idx="1">
+            <a:schemeClr val="accent4"/>
+          </a:fillRef>
+          <a:effectRef idx="0">
+            <a:schemeClr val="accent4"/>
+          </a:effectRef>
+          <a:fontRef idx="minor">
+            <a:schemeClr val="lt1"/>
+          </a:fontRef>
+        </p:style>
+        <p:txBody>
+          <a:bodyPr rtlCol="0" anchor="ctr"/>
+          <a:lstStyle/>
+          <a:p>
+            <a:pPr algn="ctr"/>
+            <a:r>
+              <a:rPr lang="en-US" dirty="0"/>
+              <a:t>context.xml</a:t>
+            </a:r>
+            <a:endParaRPr lang="uk-UA" dirty="0"/>
+          </a:p>
+        </p:txBody>
+      </p:sp>
+      <p:cxnSp>
+        <p:nvCxnSpPr>
+          <p:cNvPr id="50" name="Прямая со стрелкой 49"/>
+          <p:cNvCxnSpPr>
+            <a:stCxn id="45" idx="3"/>
+            <a:endCxn id="47" idx="1"/>
+          </p:cNvCxnSpPr>
+          <p:nvPr/>
+        </p:nvCxnSpPr>
+        <p:spPr>
+          <a:xfrm>
+            <a:off x="2699792" y="5520764"/>
+            <a:ext cx="720080" cy="0"/>
+          </a:xfrm>
+          <a:prstGeom prst="straightConnector1">
+            <a:avLst/>
+          </a:prstGeom>
+          <a:ln>
+            <a:tailEnd type="arrow"/>
+          </a:ln>
+        </p:spPr>
+        <p:style>
+          <a:lnRef idx="1">
+            <a:schemeClr val="accent1"/>
+          </a:lnRef>
+          <a:fillRef idx="0">
+            <a:schemeClr val="accent1"/>
+          </a:fillRef>
+          <a:effectRef idx="0">
+            <a:schemeClr val="accent1"/>
+          </a:effectRef>
+          <a:fontRef idx="minor">
+            <a:schemeClr val="tx1"/>
+          </a:fontRef>
+        </p:style>
+      </p:cxnSp>
+      <p:cxnSp>
+        <p:nvCxnSpPr>
+          <p:cNvPr id="52" name="Прямая со стрелкой 51"/>
+          <p:cNvCxnSpPr>
+            <a:stCxn id="47" idx="3"/>
+            <a:endCxn id="48" idx="1"/>
+          </p:cNvCxnSpPr>
+          <p:nvPr/>
+        </p:nvCxnSpPr>
+        <p:spPr>
+          <a:xfrm>
+            <a:off x="5652120" y="5520764"/>
+            <a:ext cx="720080" cy="0"/>
+          </a:xfrm>
+          <a:prstGeom prst="straightConnector1">
+            <a:avLst/>
+          </a:prstGeom>
+          <a:ln>
+            <a:tailEnd type="arrow"/>
+          </a:ln>
+        </p:spPr>
+        <p:style>
+          <a:lnRef idx="1">
+            <a:schemeClr val="accent1"/>
+          </a:lnRef>
+          <a:fillRef idx="0">
+            <a:schemeClr val="accent1"/>
+          </a:fillRef>
+          <a:effectRef idx="0">
+            <a:schemeClr val="accent1"/>
+          </a:effectRef>
+          <a:fontRef idx="minor">
+            <a:schemeClr val="tx1"/>
+          </a:fontRef>
+        </p:style>
+      </p:cxnSp>
+      <p:sp>
+        <p:nvSpPr>
+          <p:cNvPr id="53" name="Прямоугольник 52"/>
+          <p:cNvSpPr/>
+          <p:nvPr/>
+        </p:nvSpPr>
+        <p:spPr>
+          <a:xfrm>
+            <a:off x="3419872" y="5726193"/>
+            <a:ext cx="2232248" cy="295095"/>
+          </a:xfrm>
+          <a:prstGeom prst="rect">
+            <a:avLst/>
+          </a:prstGeom>
+        </p:spPr>
+        <p:style>
+          <a:lnRef idx="2">
+            <a:schemeClr val="accent4">
+              <a:shade val="50000"/>
+            </a:schemeClr>
+          </a:lnRef>
+          <a:fillRef idx="1">
+            <a:schemeClr val="accent4"/>
+          </a:fillRef>
+          <a:effectRef idx="0">
+            <a:schemeClr val="accent4"/>
+          </a:effectRef>
+          <a:fontRef idx="minor">
+            <a:schemeClr val="lt1"/>
+          </a:fontRef>
+        </p:style>
+        <p:txBody>
+          <a:bodyPr rtlCol="0" anchor="ctr"/>
+          <a:lstStyle/>
+          <a:p>
+            <a:pPr algn="ctr"/>
+            <a:r>
+              <a:rPr lang="en-US" dirty="0" smtClean="0"/>
+              <a:t>WEB-INF</a:t>
+            </a:r>
+            <a:endParaRPr lang="uk-UA" dirty="0"/>
+          </a:p>
+        </p:txBody>
+      </p:sp>
+      <p:sp>
+        <p:nvSpPr>
+          <p:cNvPr id="54" name="Прямоугольник 53"/>
+          <p:cNvSpPr/>
+          <p:nvPr/>
+        </p:nvSpPr>
+        <p:spPr>
+          <a:xfrm>
+            <a:off x="6372200" y="5733256"/>
+            <a:ext cx="2232248" cy="295095"/>
+          </a:xfrm>
+          <a:prstGeom prst="rect">
+            <a:avLst/>
+          </a:prstGeom>
+        </p:spPr>
+        <p:style>
+          <a:lnRef idx="2">
+            <a:schemeClr val="accent4">
+              <a:shade val="50000"/>
+            </a:schemeClr>
+          </a:lnRef>
+          <a:fillRef idx="1">
+            <a:schemeClr val="accent4"/>
+          </a:fillRef>
+          <a:effectRef idx="0">
+            <a:schemeClr val="accent4"/>
+          </a:effectRef>
+          <a:fontRef idx="minor">
+            <a:schemeClr val="lt1"/>
+          </a:fontRef>
+        </p:style>
+        <p:txBody>
+          <a:bodyPr rtlCol="0" anchor="ctr"/>
+          <a:lstStyle/>
+          <a:p>
+            <a:pPr algn="ctr"/>
+            <a:r>
+              <a:rPr lang="en-US" dirty="0" smtClean="0"/>
+              <a:t>web.xml</a:t>
+            </a:r>
+            <a:endParaRPr lang="uk-UA" dirty="0"/>
+          </a:p>
+        </p:txBody>
+      </p:sp>
+      <p:cxnSp>
+        <p:nvCxnSpPr>
+          <p:cNvPr id="55" name="Прямая со стрелкой 54"/>
+          <p:cNvCxnSpPr/>
+          <p:nvPr/>
+        </p:nvCxnSpPr>
+        <p:spPr>
+          <a:xfrm>
+            <a:off x="5652120" y="5884687"/>
+            <a:ext cx="720080" cy="0"/>
+          </a:xfrm>
+          <a:prstGeom prst="straightConnector1">
+            <a:avLst/>
+          </a:prstGeom>
+          <a:ln>
+            <a:tailEnd type="arrow"/>
+          </a:ln>
+        </p:spPr>
+        <p:style>
+          <a:lnRef idx="1">
+            <a:schemeClr val="accent1"/>
+          </a:lnRef>
+          <a:fillRef idx="0">
+            <a:schemeClr val="accent1"/>
+          </a:fillRef>
+          <a:effectRef idx="0">
+            <a:schemeClr val="accent1"/>
+          </a:effectRef>
+          <a:fontRef idx="minor">
+            <a:schemeClr val="tx1"/>
+          </a:fontRef>
+        </p:style>
+      </p:cxnSp>
+      <p:sp>
+        <p:nvSpPr>
+          <p:cNvPr id="56" name="Прямоугольник 55"/>
+          <p:cNvSpPr/>
+          <p:nvPr/>
+        </p:nvSpPr>
+        <p:spPr>
+          <a:xfrm>
+            <a:off x="6372200" y="6093296"/>
+            <a:ext cx="2232248" cy="295095"/>
+          </a:xfrm>
+          <a:prstGeom prst="rect">
+            <a:avLst/>
+          </a:prstGeom>
+        </p:spPr>
+        <p:style>
+          <a:lnRef idx="2">
+            <a:schemeClr val="accent4">
+              <a:shade val="50000"/>
+            </a:schemeClr>
+          </a:lnRef>
+          <a:fillRef idx="1">
+            <a:schemeClr val="accent4"/>
+          </a:fillRef>
+          <a:effectRef idx="0">
+            <a:schemeClr val="accent4"/>
+          </a:effectRef>
+          <a:fontRef idx="minor">
+            <a:schemeClr val="lt1"/>
+          </a:fontRef>
+        </p:style>
+        <p:txBody>
+          <a:bodyPr rtlCol="0" anchor="ctr"/>
+          <a:lstStyle/>
+          <a:p>
+            <a:pPr algn="ctr"/>
+            <a:r>
+              <a:rPr lang="en-US" dirty="0" err="1" smtClean="0"/>
+              <a:t>jsp</a:t>
+            </a:r>
+            <a:endParaRPr lang="uk-UA" dirty="0"/>
+          </a:p>
+        </p:txBody>
+      </p:sp>
+    </p:spTree>
+    <p:extLst>
+      <p:ext uri="{BB962C8B-B14F-4D97-AF65-F5344CB8AC3E}">
+        <p14:creationId xmlns:p14="http://schemas.microsoft.com/office/powerpoint/2010/main" val="3999618662"/>
+      </p:ext>
+    </p:extLst>
+  </p:cSld>
+  <p:clrMapOvr>
+    <a:masterClrMapping/>
+  </p:clrMapOvr>
+</p:sld>
+</file>
+
+<file path=ppt/slides/slide6.xml><?xml version="1.0" encoding="utf-8"?>
+<p:sld xmlns:a="http://schemas.openxmlformats.org/drawingml/2006/main" xmlns:r="http://schemas.openxmlformats.org/officeDocument/2006/relationships" xmlns:p="http://schemas.openxmlformats.org/presentationml/2006/main">
+  <p:cSld>
+    <p:spTree>
+      <p:nvGrpSpPr>
+        <p:cNvPr id="1" name=""/>
+        <p:cNvGrpSpPr/>
+        <p:nvPr/>
+      </p:nvGrpSpPr>
+      <p:grpSpPr>
+        <a:xfrm>
+          <a:off x="0" y="0"/>
+          <a:ext cx="0" cy="0"/>
+          <a:chOff x="0" y="0"/>
+          <a:chExt cx="0" cy="0"/>
+        </a:xfrm>
+      </p:grpSpPr>
+      <p:sp>
+        <p:nvSpPr>
+          <p:cNvPr id="2" name="Заголовок 1"/>
+          <p:cNvSpPr>
+            <a:spLocks noGrp="1"/>
+          </p:cNvSpPr>
+          <p:nvPr>
+            <p:ph type="title"/>
+          </p:nvPr>
+        </p:nvSpPr>
+        <p:spPr/>
+        <p:txBody>
+          <a:bodyPr/>
+          <a:lstStyle/>
+          <a:p>
+            <a:r>
+              <a:rPr lang="ru-RU" dirty="0"/>
+              <a:t>Архитектура </a:t>
+            </a:r>
+            <a:r>
+              <a:rPr lang="en-US" dirty="0" smtClean="0"/>
+              <a:t>3/3</a:t>
+            </a:r>
+            <a:endParaRPr lang="uk-UA" dirty="0"/>
+          </a:p>
+        </p:txBody>
+      </p:sp>
+      <p:sp>
+        <p:nvSpPr>
+          <p:cNvPr id="3" name="Объект 2"/>
+          <p:cNvSpPr>
+            <a:spLocks noGrp="1"/>
+          </p:cNvSpPr>
+          <p:nvPr>
+            <p:ph idx="1"/>
+          </p:nvPr>
+        </p:nvSpPr>
+        <p:spPr/>
+        <p:txBody>
+          <a:bodyPr/>
+          <a:lstStyle/>
+          <a:p>
+            <a:pPr algn="just"/>
+            <a:r>
+              <a:rPr lang="en-US" dirty="0" smtClean="0">
+                <a:solidFill>
+                  <a:srgbClr val="FF0000"/>
+                </a:solidFill>
+              </a:rPr>
+              <a:t>model/entity</a:t>
+            </a:r>
+            <a:r>
+              <a:rPr lang="en-US" dirty="0" smtClean="0"/>
+              <a:t> - </a:t>
+            </a:r>
+            <a:r>
+              <a:rPr lang="ru-RU" dirty="0" smtClean="0"/>
+              <a:t>хранение</a:t>
+            </a:r>
+            <a:r>
+              <a:rPr lang="uk-UA" dirty="0" smtClean="0"/>
+              <a:t> </a:t>
+            </a:r>
+            <a:r>
+              <a:rPr lang="ru-RU" dirty="0" smtClean="0"/>
+              <a:t>информации</a:t>
+            </a:r>
+            <a:r>
+              <a:rPr lang="uk-UA" dirty="0" smtClean="0"/>
+              <a:t> о</a:t>
+            </a:r>
+            <a:r>
+              <a:rPr lang="en-US" dirty="0" smtClean="0"/>
+              <a:t> </a:t>
+            </a:r>
+            <a:r>
+              <a:rPr lang="ru-RU" dirty="0" smtClean="0"/>
+              <a:t>сущностях</a:t>
+            </a:r>
+            <a:r>
+              <a:rPr lang="uk-UA" dirty="0" smtClean="0"/>
+              <a:t> </a:t>
+            </a:r>
+            <a:r>
+              <a:rPr lang="ru-RU" dirty="0" smtClean="0"/>
+              <a:t>предметной</a:t>
+            </a:r>
+            <a:r>
+              <a:rPr lang="uk-UA" dirty="0" smtClean="0"/>
+              <a:t> </a:t>
+            </a:r>
+            <a:r>
+              <a:rPr lang="ru-RU" dirty="0" smtClean="0"/>
+              <a:t>области</a:t>
+            </a:r>
+          </a:p>
+          <a:p>
+            <a:pPr algn="just"/>
+            <a:r>
+              <a:rPr lang="en-US" dirty="0" smtClean="0">
+                <a:solidFill>
+                  <a:srgbClr val="FF0000"/>
+                </a:solidFill>
+              </a:rPr>
+              <a:t>model/</a:t>
+            </a:r>
+            <a:r>
+              <a:rPr lang="en-US" dirty="0" err="1" smtClean="0">
+                <a:solidFill>
+                  <a:srgbClr val="FF0000"/>
+                </a:solidFill>
+              </a:rPr>
+              <a:t>dao</a:t>
+            </a:r>
+            <a:r>
+              <a:rPr lang="en-US" dirty="0" smtClean="0"/>
+              <a:t> – </a:t>
+            </a:r>
+            <a:r>
+              <a:rPr lang="ru-RU" dirty="0" smtClean="0"/>
+              <a:t>работа</a:t>
+            </a:r>
+            <a:r>
+              <a:rPr lang="uk-UA" dirty="0" smtClean="0"/>
+              <a:t> с БД</a:t>
+            </a:r>
+          </a:p>
+          <a:p>
+            <a:pPr algn="just"/>
+            <a:r>
+              <a:rPr lang="en-US" dirty="0">
+                <a:solidFill>
+                  <a:srgbClr val="FF0000"/>
+                </a:solidFill>
+              </a:rPr>
+              <a:t>s</a:t>
+            </a:r>
+            <a:r>
+              <a:rPr lang="en-US" dirty="0" smtClean="0">
+                <a:solidFill>
+                  <a:srgbClr val="FF0000"/>
+                </a:solidFill>
+              </a:rPr>
+              <a:t>ervices</a:t>
+            </a:r>
+            <a:r>
+              <a:rPr lang="en-US" dirty="0" smtClean="0"/>
+              <a:t> – </a:t>
+            </a:r>
+            <a:r>
+              <a:rPr lang="ru-RU" dirty="0" smtClean="0"/>
+              <a:t>бизнес-логика</a:t>
+            </a:r>
+            <a:endParaRPr lang="en-US" dirty="0" smtClean="0"/>
+          </a:p>
+          <a:p>
+            <a:pPr algn="just"/>
+            <a:r>
+              <a:rPr lang="en-US" dirty="0" smtClean="0">
+                <a:solidFill>
+                  <a:srgbClr val="FF0000"/>
+                </a:solidFill>
+              </a:rPr>
+              <a:t>servlets</a:t>
+            </a:r>
+            <a:r>
+              <a:rPr lang="en-US" dirty="0" smtClean="0"/>
+              <a:t> – </a:t>
+            </a:r>
+            <a:r>
+              <a:rPr lang="ru-RU" dirty="0" smtClean="0"/>
+              <a:t>прием</a:t>
+            </a:r>
+            <a:r>
+              <a:rPr lang="uk-UA" dirty="0" smtClean="0"/>
+              <a:t> </a:t>
+            </a:r>
+            <a:r>
+              <a:rPr lang="ru-RU" dirty="0" smtClean="0"/>
+              <a:t>запросов</a:t>
+            </a:r>
+            <a:r>
+              <a:rPr lang="uk-UA" dirty="0" smtClean="0"/>
+              <a:t> и </a:t>
+            </a:r>
+            <a:r>
+              <a:rPr lang="ru-RU" dirty="0" smtClean="0"/>
+              <a:t>вызов</a:t>
+            </a:r>
+            <a:r>
+              <a:rPr lang="uk-UA" dirty="0" smtClean="0"/>
+              <a:t> </a:t>
+            </a:r>
+            <a:r>
+              <a:rPr lang="ru-RU" dirty="0" smtClean="0"/>
+              <a:t>команд</a:t>
+            </a:r>
+          </a:p>
+          <a:p>
+            <a:pPr algn="just"/>
+            <a:r>
+              <a:rPr lang="en-US" dirty="0" smtClean="0">
+                <a:solidFill>
+                  <a:srgbClr val="FF0000"/>
+                </a:solidFill>
+              </a:rPr>
+              <a:t>commands</a:t>
+            </a:r>
+            <a:r>
+              <a:rPr lang="en-US" dirty="0" smtClean="0"/>
+              <a:t> – </a:t>
+            </a:r>
+            <a:r>
+              <a:rPr lang="ru-RU" dirty="0" smtClean="0"/>
+              <a:t>обработка</a:t>
+            </a:r>
+            <a:r>
+              <a:rPr lang="uk-UA" dirty="0" smtClean="0"/>
+              <a:t> </a:t>
+            </a:r>
+            <a:r>
+              <a:rPr lang="ru-RU" dirty="0" smtClean="0"/>
+              <a:t>поступивших</a:t>
+            </a:r>
+            <a:r>
+              <a:rPr lang="uk-UA" dirty="0" smtClean="0"/>
+              <a:t> </a:t>
+            </a:r>
+            <a:r>
+              <a:rPr lang="ru-RU" dirty="0" smtClean="0"/>
+              <a:t>запросов</a:t>
+            </a:r>
+          </a:p>
+          <a:p>
+            <a:pPr algn="just"/>
+            <a:r>
+              <a:rPr lang="en-US" dirty="0" err="1" smtClean="0">
+                <a:solidFill>
+                  <a:srgbClr val="FF0000"/>
+                </a:solidFill>
+              </a:rPr>
+              <a:t>webapp</a:t>
+            </a:r>
+            <a:r>
+              <a:rPr lang="en-US" dirty="0" smtClean="0">
+                <a:solidFill>
+                  <a:srgbClr val="FF0000"/>
+                </a:solidFill>
+              </a:rPr>
+              <a:t> </a:t>
+            </a:r>
+            <a:r>
+              <a:rPr lang="en-US" dirty="0" smtClean="0"/>
+              <a:t>– </a:t>
+            </a:r>
+            <a:r>
+              <a:rPr lang="ru-RU" dirty="0" smtClean="0"/>
+              <a:t>взаимодействие с пользователем</a:t>
+            </a:r>
+          </a:p>
+          <a:p>
+            <a:pPr algn="just"/>
+            <a:endParaRPr lang="uk-UA" dirty="0"/>
+          </a:p>
+        </p:txBody>
+      </p:sp>
+    </p:spTree>
+    <p:extLst>
+      <p:ext uri="{BB962C8B-B14F-4D97-AF65-F5344CB8AC3E}">
+        <p14:creationId xmlns:p14="http://schemas.microsoft.com/office/powerpoint/2010/main" val="1655393284"/>
+      </p:ext>
+    </p:extLst>
+  </p:cSld>
+  <p:clrMapOvr>
+    <a:masterClrMapping/>
+  </p:clrMapOvr>
+</p:sld>
+</file>
+
+<file path=ppt/slides/slide7.xml><?xml version="1.0" encoding="utf-8"?>
+<p:sld xmlns:a="http://schemas.openxmlformats.org/drawingml/2006/main" xmlns:r="http://schemas.openxmlformats.org/officeDocument/2006/relationships" xmlns:p="http://schemas.openxmlformats.org/presentationml/2006/main">
+  <p:cSld>
+    <p:spTree>
+      <p:nvGrpSpPr>
+        <p:cNvPr id="1" name=""/>
+        <p:cNvGrpSpPr/>
+        <p:nvPr/>
+      </p:nvGrpSpPr>
+      <p:grpSpPr>
+        <a:xfrm>
+          <a:off x="0" y="0"/>
+          <a:ext cx="0" cy="0"/>
+          <a:chOff x="0" y="0"/>
+          <a:chExt cx="0" cy="0"/>
+        </a:xfrm>
+      </p:grpSpPr>
+      <p:sp>
+        <p:nvSpPr>
+          <p:cNvPr id="2" name="Заголовок 1"/>
+          <p:cNvSpPr>
+            <a:spLocks noGrp="1"/>
+          </p:cNvSpPr>
+          <p:nvPr>
+            <p:ph type="title"/>
+          </p:nvPr>
+        </p:nvSpPr>
+        <p:spPr/>
+        <p:txBody>
+          <a:bodyPr/>
+          <a:lstStyle/>
+          <a:p>
+            <a:r>
+              <a:rPr lang="uk-UA" dirty="0" smtClean="0"/>
+              <a:t>Процес</a:t>
+            </a:r>
+            <a:r>
+              <a:rPr lang="ru-RU" dirty="0" smtClean="0"/>
+              <a:t>с «Заказ»</a:t>
             </a:r>
             <a:endParaRPr lang="ru-RU" dirty="0"/>
           </a:p>
@@ -6927,7 +6928,7 @@
       </p:sp>
       <p:pic>
         <p:nvPicPr>
-          <p:cNvPr id="2051" name="Picture 3"/>
+          <p:cNvPr id="1026" name="Picture 2"/>
           <p:cNvPicPr>
             <a:picLocks noChangeAspect="1" noChangeArrowheads="1"/>
           </p:cNvPicPr>
@@ -6948,8 +6949,8 @@
         </p:blipFill>
         <p:spPr bwMode="auto">
           <a:xfrm>
-            <a:off x="1935117" y="1628800"/>
-            <a:ext cx="5487736" cy="4464496"/>
+            <a:off x="350719" y="1772816"/>
+            <a:ext cx="8438644" cy="4608512"/>
           </a:xfrm>
           <a:prstGeom prst="rect">
             <a:avLst/>
@@ -6992,6 +6993,131 @@
     </p:spTree>
     <p:extLst>
       <p:ext uri="{BB962C8B-B14F-4D97-AF65-F5344CB8AC3E}">
+        <p14:creationId xmlns:p14="http://schemas.microsoft.com/office/powerpoint/2010/main" val="3523139235"/>
+      </p:ext>
+    </p:extLst>
+  </p:cSld>
+  <p:clrMapOvr>
+    <a:masterClrMapping/>
+  </p:clrMapOvr>
+</p:sld>
+</file>
+
+<file path=ppt/slides/slide8.xml><?xml version="1.0" encoding="utf-8"?>
+<p:sld xmlns:a="http://schemas.openxmlformats.org/drawingml/2006/main" xmlns:r="http://schemas.openxmlformats.org/officeDocument/2006/relationships" xmlns:p="http://schemas.openxmlformats.org/presentationml/2006/main">
+  <p:cSld>
+    <p:spTree>
+      <p:nvGrpSpPr>
+        <p:cNvPr id="1" name=""/>
+        <p:cNvGrpSpPr/>
+        <p:nvPr/>
+      </p:nvGrpSpPr>
+      <p:grpSpPr>
+        <a:xfrm>
+          <a:off x="0" y="0"/>
+          <a:ext cx="0" cy="0"/>
+          <a:chOff x="0" y="0"/>
+          <a:chExt cx="0" cy="0"/>
+        </a:xfrm>
+      </p:grpSpPr>
+      <p:sp>
+        <p:nvSpPr>
+          <p:cNvPr id="2" name="Заголовок 1"/>
+          <p:cNvSpPr>
+            <a:spLocks noGrp="1"/>
+          </p:cNvSpPr>
+          <p:nvPr>
+            <p:ph type="title"/>
+          </p:nvPr>
+        </p:nvSpPr>
+        <p:spPr/>
+        <p:txBody>
+          <a:bodyPr/>
+          <a:lstStyle/>
+          <a:p>
+            <a:r>
+              <a:rPr lang="ru-RU" dirty="0" smtClean="0"/>
+              <a:t>Регистрация</a:t>
+            </a:r>
+            <a:r>
+              <a:rPr lang="en-US" dirty="0" smtClean="0"/>
+              <a:t> </a:t>
+            </a:r>
+            <a:r>
+              <a:rPr lang="uk-UA" dirty="0" err="1" smtClean="0"/>
+              <a:t>клиента</a:t>
+            </a:r>
+            <a:endParaRPr lang="ru-RU" dirty="0"/>
+          </a:p>
+        </p:txBody>
+      </p:sp>
+      <p:pic>
+        <p:nvPicPr>
+          <p:cNvPr id="2051" name="Picture 3"/>
+          <p:cNvPicPr>
+            <a:picLocks noChangeAspect="1" noChangeArrowheads="1"/>
+          </p:cNvPicPr>
+          <p:nvPr/>
+        </p:nvPicPr>
+        <p:blipFill>
+          <a:blip r:embed="rId2">
+            <a:extLst>
+              <a:ext uri="{28A0092B-C50C-407E-A947-70E740481C1C}">
+                <a14:useLocalDpi xmlns:a14="http://schemas.microsoft.com/office/drawing/2010/main" val="0"/>
+              </a:ext>
+            </a:extLst>
+          </a:blip>
+          <a:srcRect/>
+          <a:stretch>
+            <a:fillRect/>
+          </a:stretch>
+        </p:blipFill>
+        <p:spPr bwMode="auto">
+          <a:xfrm>
+            <a:off x="1935117" y="1628800"/>
+            <a:ext cx="5487736" cy="4464496"/>
+          </a:xfrm>
+          <a:prstGeom prst="rect">
+            <a:avLst/>
+          </a:prstGeom>
+          <a:noFill/>
+          <a:ln>
+            <a:noFill/>
+          </a:ln>
+          <a:effectLst/>
+          <a:extLst>
+            <a:ext uri="{909E8E84-426E-40DD-AFC4-6F175D3DCCD1}">
+              <a14:hiddenFill xmlns:a14="http://schemas.microsoft.com/office/drawing/2010/main">
+                <a:solidFill>
+                  <a:schemeClr val="accent1"/>
+                </a:solidFill>
+              </a14:hiddenFill>
+            </a:ext>
+            <a:ext uri="{91240B29-F687-4F45-9708-019B960494DF}">
+              <a14:hiddenLine xmlns:a14="http://schemas.microsoft.com/office/drawing/2010/main" w="9525">
+                <a:solidFill>
+                  <a:schemeClr val="tx1"/>
+                </a:solidFill>
+                <a:miter lim="800000"/>
+                <a:headEnd/>
+                <a:tailEnd/>
+              </a14:hiddenLine>
+            </a:ext>
+            <a:ext uri="{AF507438-7753-43E0-B8FC-AC1667EBCBE1}">
+              <a14:hiddenEffects xmlns:a14="http://schemas.microsoft.com/office/drawing/2010/main">
+                <a:effectLst>
+                  <a:outerShdw dist="35921" dir="2700000" algn="ctr" rotWithShape="0">
+                    <a:schemeClr val="bg2"/>
+                  </a:outerShdw>
+                </a:effectLst>
+              </a14:hiddenEffects>
+            </a:ext>
+          </a:extLst>
+        </p:spPr>
+      </p:pic>
+    </p:spTree>
+    <p:extLst>
+      <p:ext uri="{BB962C8B-B14F-4D97-AF65-F5344CB8AC3E}">
         <p14:creationId xmlns:p14="http://schemas.microsoft.com/office/powerpoint/2010/main" val="699358379"/>
       </p:ext>
     </p:extLst>
@@ -7036,7 +7162,7 @@
           <a:p>
             <a:r>
               <a:rPr lang="ru-RU" dirty="0" smtClean="0"/>
-              <a:t>Авторизация</a:t>
+              <a:t>Авторизация пользователя</a:t>
             </a:r>
             <a:endParaRPr lang="ru-RU" dirty="0"/>
           </a:p>

--- a/doc/README.pptx
+++ b/doc/README.pptx
@@ -18,6 +18,7 @@
     <p:sldId id="275" r:id="rId12"/>
     <p:sldId id="276" r:id="rId13"/>
     <p:sldId id="277" r:id="rId14"/>
+    <p:sldId id="278" r:id="rId15"/>
   </p:sldIdLst>
   <p:sldSz cx="9144000" cy="6858000" type="screen4x3"/>
   <p:notesSz cx="6858000" cy="9144000"/>
@@ -302,7 +303,7 @@
               <a:rPr lang="uk-UA" smtClean="0"/>
               <a:t>30.01.2018</a:t>
             </a:fld>
-            <a:endParaRPr lang="uk-UA"/>
+            <a:endParaRPr lang="uk-UA" dirty="0"/>
           </a:p>
         </p:txBody>
       </p:sp>
@@ -321,7 +322,7 @@
           <a:bodyPr/>
           <a:lstStyle/>
           <a:p>
-            <a:endParaRPr lang="uk-UA"/>
+            <a:endParaRPr lang="uk-UA" dirty="0"/>
           </a:p>
         </p:txBody>
       </p:sp>
@@ -344,7 +345,7 @@
               <a:rPr lang="uk-UA" smtClean="0"/>
               <a:t>‹#›</a:t>
             </a:fld>
-            <a:endParaRPr lang="uk-UA"/>
+            <a:endParaRPr lang="uk-UA" dirty="0"/>
           </a:p>
         </p:txBody>
       </p:sp>
@@ -472,7 +473,7 @@
               <a:rPr lang="uk-UA" smtClean="0"/>
               <a:t>30.01.2018</a:t>
             </a:fld>
-            <a:endParaRPr lang="uk-UA"/>
+            <a:endParaRPr lang="uk-UA" dirty="0"/>
           </a:p>
         </p:txBody>
       </p:sp>
@@ -491,7 +492,7 @@
           <a:bodyPr/>
           <a:lstStyle/>
           <a:p>
-            <a:endParaRPr lang="uk-UA"/>
+            <a:endParaRPr lang="uk-UA" dirty="0"/>
           </a:p>
         </p:txBody>
       </p:sp>
@@ -514,7 +515,7 @@
               <a:rPr lang="uk-UA" smtClean="0"/>
               <a:t>‹#›</a:t>
             </a:fld>
-            <a:endParaRPr lang="uk-UA"/>
+            <a:endParaRPr lang="uk-UA" dirty="0"/>
           </a:p>
         </p:txBody>
       </p:sp>
@@ -652,7 +653,7 @@
               <a:rPr lang="uk-UA" smtClean="0"/>
               <a:t>30.01.2018</a:t>
             </a:fld>
-            <a:endParaRPr lang="uk-UA"/>
+            <a:endParaRPr lang="uk-UA" dirty="0"/>
           </a:p>
         </p:txBody>
       </p:sp>
@@ -671,7 +672,7 @@
           <a:bodyPr/>
           <a:lstStyle/>
           <a:p>
-            <a:endParaRPr lang="uk-UA"/>
+            <a:endParaRPr lang="uk-UA" dirty="0"/>
           </a:p>
         </p:txBody>
       </p:sp>
@@ -694,7 +695,7 @@
               <a:rPr lang="uk-UA" smtClean="0"/>
               <a:t>‹#›</a:t>
             </a:fld>
-            <a:endParaRPr lang="uk-UA"/>
+            <a:endParaRPr lang="uk-UA" dirty="0"/>
           </a:p>
         </p:txBody>
       </p:sp>
@@ -822,7 +823,7 @@
               <a:rPr lang="uk-UA" smtClean="0"/>
               <a:t>30.01.2018</a:t>
             </a:fld>
-            <a:endParaRPr lang="uk-UA"/>
+            <a:endParaRPr lang="uk-UA" dirty="0"/>
           </a:p>
         </p:txBody>
       </p:sp>
@@ -841,7 +842,7 @@
           <a:bodyPr/>
           <a:lstStyle/>
           <a:p>
-            <a:endParaRPr lang="uk-UA"/>
+            <a:endParaRPr lang="uk-UA" dirty="0"/>
           </a:p>
         </p:txBody>
       </p:sp>
@@ -864,7 +865,7 @@
               <a:rPr lang="uk-UA" smtClean="0"/>
               <a:t>‹#›</a:t>
             </a:fld>
-            <a:endParaRPr lang="uk-UA"/>
+            <a:endParaRPr lang="uk-UA" dirty="0"/>
           </a:p>
         </p:txBody>
       </p:sp>
@@ -1068,7 +1069,7 @@
               <a:rPr lang="uk-UA" smtClean="0"/>
               <a:t>30.01.2018</a:t>
             </a:fld>
-            <a:endParaRPr lang="uk-UA"/>
+            <a:endParaRPr lang="uk-UA" dirty="0"/>
           </a:p>
         </p:txBody>
       </p:sp>
@@ -1087,7 +1088,7 @@
           <a:bodyPr/>
           <a:lstStyle/>
           <a:p>
-            <a:endParaRPr lang="uk-UA"/>
+            <a:endParaRPr lang="uk-UA" dirty="0"/>
           </a:p>
         </p:txBody>
       </p:sp>
@@ -1110,7 +1111,7 @@
               <a:rPr lang="uk-UA" smtClean="0"/>
               <a:t>‹#›</a:t>
             </a:fld>
-            <a:endParaRPr lang="uk-UA"/>
+            <a:endParaRPr lang="uk-UA" dirty="0"/>
           </a:p>
         </p:txBody>
       </p:sp>
@@ -1356,7 +1357,7 @@
               <a:rPr lang="uk-UA" smtClean="0"/>
               <a:t>30.01.2018</a:t>
             </a:fld>
-            <a:endParaRPr lang="uk-UA"/>
+            <a:endParaRPr lang="uk-UA" dirty="0"/>
           </a:p>
         </p:txBody>
       </p:sp>
@@ -1375,7 +1376,7 @@
           <a:bodyPr/>
           <a:lstStyle/>
           <a:p>
-            <a:endParaRPr lang="uk-UA"/>
+            <a:endParaRPr lang="uk-UA" dirty="0"/>
           </a:p>
         </p:txBody>
       </p:sp>
@@ -1398,7 +1399,7 @@
               <a:rPr lang="uk-UA" smtClean="0"/>
               <a:t>‹#›</a:t>
             </a:fld>
-            <a:endParaRPr lang="uk-UA"/>
+            <a:endParaRPr lang="uk-UA" dirty="0"/>
           </a:p>
         </p:txBody>
       </p:sp>
@@ -1778,7 +1779,7 @@
               <a:rPr lang="uk-UA" smtClean="0"/>
               <a:t>30.01.2018</a:t>
             </a:fld>
-            <a:endParaRPr lang="uk-UA"/>
+            <a:endParaRPr lang="uk-UA" dirty="0"/>
           </a:p>
         </p:txBody>
       </p:sp>
@@ -1797,7 +1798,7 @@
           <a:bodyPr/>
           <a:lstStyle/>
           <a:p>
-            <a:endParaRPr lang="uk-UA"/>
+            <a:endParaRPr lang="uk-UA" dirty="0"/>
           </a:p>
         </p:txBody>
       </p:sp>
@@ -1820,7 +1821,7 @@
               <a:rPr lang="uk-UA" smtClean="0"/>
               <a:t>‹#›</a:t>
             </a:fld>
-            <a:endParaRPr lang="uk-UA"/>
+            <a:endParaRPr lang="uk-UA" dirty="0"/>
           </a:p>
         </p:txBody>
       </p:sp>
@@ -1896,7 +1897,7 @@
               <a:rPr lang="uk-UA" smtClean="0"/>
               <a:t>30.01.2018</a:t>
             </a:fld>
-            <a:endParaRPr lang="uk-UA"/>
+            <a:endParaRPr lang="uk-UA" dirty="0"/>
           </a:p>
         </p:txBody>
       </p:sp>
@@ -1915,7 +1916,7 @@
           <a:bodyPr/>
           <a:lstStyle/>
           <a:p>
-            <a:endParaRPr lang="uk-UA"/>
+            <a:endParaRPr lang="uk-UA" dirty="0"/>
           </a:p>
         </p:txBody>
       </p:sp>
@@ -1938,7 +1939,7 @@
               <a:rPr lang="uk-UA" smtClean="0"/>
               <a:t>‹#›</a:t>
             </a:fld>
-            <a:endParaRPr lang="uk-UA"/>
+            <a:endParaRPr lang="uk-UA" dirty="0"/>
           </a:p>
         </p:txBody>
       </p:sp>
@@ -1991,7 +1992,7 @@
               <a:rPr lang="uk-UA" smtClean="0"/>
               <a:t>30.01.2018</a:t>
             </a:fld>
-            <a:endParaRPr lang="uk-UA"/>
+            <a:endParaRPr lang="uk-UA" dirty="0"/>
           </a:p>
         </p:txBody>
       </p:sp>
@@ -2010,7 +2011,7 @@
           <a:bodyPr/>
           <a:lstStyle/>
           <a:p>
-            <a:endParaRPr lang="uk-UA"/>
+            <a:endParaRPr lang="uk-UA" dirty="0"/>
           </a:p>
         </p:txBody>
       </p:sp>
@@ -2033,7 +2034,7 @@
               <a:rPr lang="uk-UA" smtClean="0"/>
               <a:t>‹#›</a:t>
             </a:fld>
-            <a:endParaRPr lang="uk-UA"/>
+            <a:endParaRPr lang="uk-UA" dirty="0"/>
           </a:p>
         </p:txBody>
       </p:sp>
@@ -2268,7 +2269,7 @@
               <a:rPr lang="uk-UA" smtClean="0"/>
               <a:t>30.01.2018</a:t>
             </a:fld>
-            <a:endParaRPr lang="uk-UA"/>
+            <a:endParaRPr lang="uk-UA" dirty="0"/>
           </a:p>
         </p:txBody>
       </p:sp>
@@ -2287,7 +2288,7 @@
           <a:bodyPr/>
           <a:lstStyle/>
           <a:p>
-            <a:endParaRPr lang="uk-UA"/>
+            <a:endParaRPr lang="uk-UA" dirty="0"/>
           </a:p>
         </p:txBody>
       </p:sp>
@@ -2310,7 +2311,7 @@
               <a:rPr lang="uk-UA" smtClean="0"/>
               <a:t>‹#›</a:t>
             </a:fld>
-            <a:endParaRPr lang="uk-UA"/>
+            <a:endParaRPr lang="uk-UA" dirty="0"/>
           </a:p>
         </p:txBody>
       </p:sp>
@@ -2433,7 +2434,7 @@
             </a:lvl9pPr>
           </a:lstStyle>
           <a:p>
-            <a:endParaRPr lang="uk-UA"/>
+            <a:endParaRPr lang="uk-UA" dirty="0"/>
           </a:p>
         </p:txBody>
       </p:sp>
@@ -2521,7 +2522,7 @@
               <a:rPr lang="uk-UA" smtClean="0"/>
               <a:t>30.01.2018</a:t>
             </a:fld>
-            <a:endParaRPr lang="uk-UA"/>
+            <a:endParaRPr lang="uk-UA" dirty="0"/>
           </a:p>
         </p:txBody>
       </p:sp>
@@ -2540,7 +2541,7 @@
           <a:bodyPr/>
           <a:lstStyle/>
           <a:p>
-            <a:endParaRPr lang="uk-UA"/>
+            <a:endParaRPr lang="uk-UA" dirty="0"/>
           </a:p>
         </p:txBody>
       </p:sp>
@@ -2563,7 +2564,7 @@
               <a:rPr lang="uk-UA" smtClean="0"/>
               <a:t>‹#›</a:t>
             </a:fld>
-            <a:endParaRPr lang="uk-UA"/>
+            <a:endParaRPr lang="uk-UA" dirty="0"/>
           </a:p>
         </p:txBody>
       </p:sp>
@@ -2734,7 +2735,7 @@
               <a:rPr lang="uk-UA" smtClean="0"/>
               <a:t>30.01.2018</a:t>
             </a:fld>
-            <a:endParaRPr lang="uk-UA"/>
+            <a:endParaRPr lang="uk-UA" dirty="0"/>
           </a:p>
         </p:txBody>
       </p:sp>
@@ -2771,7 +2772,7 @@
             </a:lvl1pPr>
           </a:lstStyle>
           <a:p>
-            <a:endParaRPr lang="uk-UA"/>
+            <a:endParaRPr lang="uk-UA" dirty="0"/>
           </a:p>
         </p:txBody>
       </p:sp>
@@ -2812,7 +2813,7 @@
               <a:rPr lang="uk-UA" smtClean="0"/>
               <a:t>‹#›</a:t>
             </a:fld>
-            <a:endParaRPr lang="uk-UA"/>
+            <a:endParaRPr lang="uk-UA" dirty="0"/>
           </a:p>
         </p:txBody>
       </p:sp>
@@ -3642,6 +3643,313 @@
 </p:sld>
 </file>
 
+<file path=ppt/slides/slide14.xml><?xml version="1.0" encoding="utf-8"?>
+<p:sld xmlns:a="http://schemas.openxmlformats.org/drawingml/2006/main" xmlns:r="http://schemas.openxmlformats.org/officeDocument/2006/relationships" xmlns:p="http://schemas.openxmlformats.org/presentationml/2006/main">
+  <p:cSld>
+    <p:spTree>
+      <p:nvGrpSpPr>
+        <p:cNvPr id="1" name=""/>
+        <p:cNvGrpSpPr/>
+        <p:nvPr/>
+      </p:nvGrpSpPr>
+      <p:grpSpPr>
+        <a:xfrm>
+          <a:off x="0" y="0"/>
+          <a:ext cx="0" cy="0"/>
+          <a:chOff x="0" y="0"/>
+          <a:chExt cx="0" cy="0"/>
+        </a:xfrm>
+      </p:grpSpPr>
+      <p:sp>
+        <p:nvSpPr>
+          <p:cNvPr id="2" name="Заголовок 1"/>
+          <p:cNvSpPr>
+            <a:spLocks noGrp="1"/>
+          </p:cNvSpPr>
+          <p:nvPr>
+            <p:ph type="title"/>
+          </p:nvPr>
+        </p:nvSpPr>
+        <p:spPr/>
+        <p:txBody>
+          <a:bodyPr/>
+          <a:lstStyle/>
+          <a:p>
+            <a:r>
+              <a:rPr lang="ru-RU" dirty="0" smtClean="0"/>
+              <a:t>Развертывание</a:t>
+            </a:r>
+            <a:endParaRPr lang="ru-RU" dirty="0"/>
+          </a:p>
+        </p:txBody>
+      </p:sp>
+      <p:sp>
+        <p:nvSpPr>
+          <p:cNvPr id="3" name="Объект 2"/>
+          <p:cNvSpPr>
+            <a:spLocks noGrp="1"/>
+          </p:cNvSpPr>
+          <p:nvPr>
+            <p:ph idx="1"/>
+          </p:nvPr>
+        </p:nvSpPr>
+        <p:spPr/>
+        <p:txBody>
+          <a:bodyPr>
+            <a:noAutofit/>
+          </a:bodyPr>
+          <a:lstStyle/>
+          <a:p>
+            <a:pPr marL="0" indent="0" algn="ctr">
+              <a:buNone/>
+            </a:pPr>
+            <a:r>
+              <a:rPr lang="ru-RU" sz="1200" b="1" dirty="0" smtClean="0"/>
+              <a:t>Установка</a:t>
+            </a:r>
+          </a:p>
+          <a:p>
+            <a:r>
+              <a:rPr lang="ru-RU" sz="1200" dirty="0" smtClean="0"/>
+              <a:t>Клонировать репозиторий </a:t>
+            </a:r>
+            <a:r>
+              <a:rPr lang="ru-RU" sz="1200" i="1" dirty="0" smtClean="0"/>
+              <a:t>git </a:t>
+            </a:r>
+            <a:r>
+              <a:rPr lang="en-GB" sz="1200" i="1" dirty="0" smtClean="0"/>
+              <a:t>clone</a:t>
+            </a:r>
+            <a:r>
+              <a:rPr lang="ru-RU" sz="1200" i="1" dirty="0" smtClean="0"/>
+              <a:t> </a:t>
+            </a:r>
+            <a:r>
+              <a:rPr lang="ru-RU" sz="1200" i="1" dirty="0" smtClean="0">
+                <a:hlinkClick r:id="rId2"/>
+              </a:rPr>
+              <a:t>https://github.com/MikhailGlushko/FinalProject</a:t>
+            </a:r>
+            <a:r>
+              <a:rPr lang="ru-RU" sz="1200" dirty="0" smtClean="0"/>
+              <a:t>;</a:t>
+            </a:r>
+          </a:p>
+          <a:p>
+            <a:r>
+              <a:rPr lang="ru-RU" sz="1200" dirty="0" smtClean="0"/>
+              <a:t>Запустить </a:t>
+            </a:r>
+            <a:r>
+              <a:rPr lang="en-GB" sz="1200" dirty="0" smtClean="0"/>
+              <a:t>MySQL</a:t>
+            </a:r>
+            <a:r>
+              <a:rPr lang="ru-RU" sz="1200" dirty="0" smtClean="0"/>
+              <a:t> сервер, создать там схему </a:t>
+            </a:r>
+            <a:r>
+              <a:rPr lang="en-GB" sz="1200" dirty="0" smtClean="0"/>
+              <a:t>repair_agency</a:t>
+            </a:r>
+            <a:r>
+              <a:rPr lang="ru-RU" sz="1200" dirty="0" smtClean="0"/>
+              <a:t>;</a:t>
+            </a:r>
+            <a:endParaRPr lang="ru-RU" sz="1200" dirty="0"/>
+          </a:p>
+          <a:p>
+            <a:r>
+              <a:rPr lang="ru-RU" sz="1200" dirty="0" smtClean="0"/>
+              <a:t>Запустить </a:t>
+            </a:r>
+            <a:r>
+              <a:rPr lang="en-GB" sz="1200" dirty="0" smtClean="0"/>
+              <a:t>Tomcat</a:t>
+            </a:r>
+            <a:r>
+              <a:rPr lang="ru-RU" sz="1200" dirty="0" smtClean="0"/>
+              <a:t> сервер;</a:t>
+            </a:r>
+            <a:endParaRPr lang="ru-RU" sz="1200" dirty="0"/>
+          </a:p>
+          <a:p>
+            <a:r>
+              <a:rPr lang="ru-RU" sz="1200" dirty="0" smtClean="0"/>
+              <a:t>Настроить параметры подключения flyway-maven-plugin для развертывания базы данных pom.xml: project/profiles/profile:prod/build/plugins/plugin:flyway-maven-plugin</a:t>
+            </a:r>
+            <a:r>
+              <a:rPr lang="ru-RU" sz="1200" b="1" dirty="0" smtClean="0"/>
+              <a:t> </a:t>
+            </a:r>
+            <a:r>
+              <a:rPr lang="ru-RU" sz="1200" dirty="0" smtClean="0"/>
+              <a:t>(пользователь с правами создания таблиц);</a:t>
+            </a:r>
+            <a:endParaRPr lang="ru-RU" sz="1200" dirty="0"/>
+          </a:p>
+          <a:p>
+            <a:r>
+              <a:rPr lang="ru-RU" sz="1200" dirty="0" smtClean="0"/>
+              <a:t>Развернуть базу данных, выполнив из каталога проекта команду </a:t>
+            </a:r>
+            <a:r>
+              <a:rPr lang="ru-RU" sz="1200" i="1" dirty="0" smtClean="0"/>
+              <a:t>mvn -Pprod flyway:clean flyway:migrate</a:t>
+            </a:r>
+            <a:r>
+              <a:rPr lang="ru-RU" sz="1200" dirty="0" smtClean="0"/>
+              <a:t>;</a:t>
+            </a:r>
+            <a:endParaRPr lang="ru-RU" sz="1200" dirty="0"/>
+          </a:p>
+          <a:p>
+            <a:r>
+              <a:rPr lang="ru-RU" sz="1200" dirty="0" smtClean="0"/>
+              <a:t>Настроить параметры подключения приложения к серверу MySQL src/main/config/prod/META-INF/context.xml</a:t>
+            </a:r>
+            <a:r>
+              <a:rPr lang="ru-RU" sz="1200" b="1" dirty="0" smtClean="0"/>
+              <a:t> </a:t>
+            </a:r>
+            <a:r>
+              <a:rPr lang="ru-RU" sz="1200" dirty="0" smtClean="0"/>
+              <a:t>(пользователь с параметрами просмотра, добавления, удаления, изменения);</a:t>
+            </a:r>
+            <a:endParaRPr lang="ru-RU" sz="1200" dirty="0"/>
+          </a:p>
+          <a:p>
+            <a:r>
+              <a:rPr lang="ru-RU" sz="1200" dirty="0" smtClean="0"/>
+              <a:t>Настроить параметры подключения maven к серверу Apache Tomcat pom.xml: project/profiles/profile:prod/build/plugins/plugin:tomcat7-maven-plugin;</a:t>
+            </a:r>
+            <a:endParaRPr lang="ru-RU" sz="1200" dirty="0"/>
+          </a:p>
+          <a:p>
+            <a:r>
+              <a:rPr lang="ru-RU" sz="1200" dirty="0" smtClean="0"/>
+              <a:t>Выполнить из каталога проекта развертывание приложения командой </a:t>
+            </a:r>
+            <a:r>
+              <a:rPr lang="ru-RU" sz="1200" i="1" dirty="0" smtClean="0"/>
+              <a:t>mvn -Pprod tomcat7:redeploy</a:t>
+            </a:r>
+            <a:r>
+              <a:rPr lang="ru-RU" sz="1200" dirty="0" smtClean="0"/>
+              <a:t>.</a:t>
+            </a:r>
+          </a:p>
+          <a:p>
+            <a:pPr marL="0" indent="0" algn="ctr">
+              <a:buNone/>
+            </a:pPr>
+            <a:r>
+              <a:rPr lang="ru-RU" sz="1200" dirty="0" smtClean="0"/>
+              <a:t/>
+            </a:r>
+            <a:br>
+              <a:rPr lang="ru-RU" sz="1200" dirty="0" smtClean="0"/>
+            </a:br>
+            <a:r>
+              <a:rPr lang="ru-RU" sz="1200" b="1" dirty="0" smtClean="0"/>
+              <a:t>Запуск</a:t>
+            </a:r>
+          </a:p>
+          <a:p>
+            <a:pPr marL="0" indent="0" algn="ctr">
+              <a:buNone/>
+            </a:pPr>
+            <a:r>
+              <a:rPr lang="ru-RU" sz="1200" dirty="0" smtClean="0"/>
+              <a:t>перейти по полученной ссылке вида </a:t>
+            </a:r>
+            <a:r>
+              <a:rPr lang="ru-RU" sz="1200" i="1" dirty="0" smtClean="0">
+                <a:hlinkClick r:id="rId3"/>
+              </a:rPr>
+              <a:t>http://192.168.99.100:8080</a:t>
+            </a:r>
+            <a:endParaRPr lang="ru-RU" sz="1200" i="1" dirty="0" smtClean="0"/>
+          </a:p>
+          <a:p>
+            <a:pPr marL="0" indent="0" algn="ctr">
+              <a:buNone/>
+            </a:pPr>
+            <a:r>
+              <a:rPr lang="ru-RU" sz="1200" dirty="0" smtClean="0"/>
+              <a:t/>
+            </a:r>
+            <a:br>
+              <a:rPr lang="ru-RU" sz="1200" dirty="0" smtClean="0"/>
+            </a:br>
+            <a:r>
+              <a:rPr lang="ru-RU" sz="1200" b="1" dirty="0" smtClean="0"/>
+              <a:t>Тестовые пользователи</a:t>
+            </a:r>
+          </a:p>
+          <a:p>
+            <a:pPr marL="0" indent="0" algn="ctr">
+              <a:buNone/>
+            </a:pPr>
+            <a:r>
+              <a:rPr lang="ru-RU" sz="1200" b="1" dirty="0" smtClean="0"/>
+              <a:t>- </a:t>
+            </a:r>
+            <a:r>
+              <a:rPr lang="ru-RU" sz="1200" dirty="0" smtClean="0"/>
+              <a:t>admin/P@ssw0rd - Администратор;</a:t>
+            </a:r>
+            <a:br>
+              <a:rPr lang="ru-RU" sz="1200" dirty="0" smtClean="0"/>
+            </a:br>
+            <a:r>
+              <a:rPr lang="ru-RU" sz="1200" b="1" dirty="0" smtClean="0"/>
+              <a:t>- </a:t>
+            </a:r>
+            <a:r>
+              <a:rPr lang="ru-RU" sz="1200" dirty="0" smtClean="0"/>
+              <a:t>manager/P@ssw0rd - Менеджер;</a:t>
+            </a:r>
+            <a:br>
+              <a:rPr lang="ru-RU" sz="1200" dirty="0" smtClean="0"/>
+            </a:br>
+            <a:r>
+              <a:rPr lang="ru-RU" sz="1200" b="1" dirty="0" smtClean="0"/>
+              <a:t>- </a:t>
+            </a:r>
+            <a:r>
+              <a:rPr lang="ru-RU" sz="1200" dirty="0" smtClean="0"/>
+              <a:t>master/P@ssw0rd - Мастер;</a:t>
+            </a:r>
+            <a:br>
+              <a:rPr lang="ru-RU" sz="1200" dirty="0" smtClean="0"/>
+            </a:br>
+            <a:r>
+              <a:rPr lang="ru-RU" sz="1200" b="1" dirty="0" smtClean="0"/>
+              <a:t>- </a:t>
+            </a:r>
+            <a:r>
+              <a:rPr lang="ru-RU" sz="1200" dirty="0" smtClean="0"/>
+              <a:t>customer/P@ssw0rd - Клиент.</a:t>
+            </a:r>
+            <a:endParaRPr lang="ru-RU" sz="1200" dirty="0"/>
+          </a:p>
+        </p:txBody>
+      </p:sp>
+    </p:spTree>
+    <p:extLst>
+      <p:ext uri="{BB962C8B-B14F-4D97-AF65-F5344CB8AC3E}">
+        <p14:creationId xmlns:p14="http://schemas.microsoft.com/office/powerpoint/2010/main" val="4218106225"/>
+      </p:ext>
+    </p:extLst>
+  </p:cSld>
+  <p:clrMapOvr>
+    <a:masterClrMapping/>
+  </p:clrMapOvr>
+</p:sld>
+</file>
+
 <file path=ppt/slides/slide2.xml><?xml version="1.0" encoding="utf-8"?>
 <p:sld xmlns:a="http://schemas.openxmlformats.org/drawingml/2006/main" xmlns:r="http://schemas.openxmlformats.org/officeDocument/2006/relationships" xmlns:p="http://schemas.openxmlformats.org/presentationml/2006/main">
   <p:cSld>
@@ -3675,8 +3983,8 @@
           <a:lstStyle/>
           <a:p>
             <a:r>
-              <a:rPr lang="en-US" b="1" dirty="0"/>
-              <a:t>FINAL PROJECT</a:t>
+              <a:rPr lang="ru-RU" b="1" dirty="0" smtClean="0"/>
+              <a:t>Финальный проект</a:t>
             </a:r>
             <a:endParaRPr lang="uk-UA" dirty="0"/>
           </a:p>
@@ -4036,7 +4344,7 @@
           <a:lstStyle/>
           <a:p>
             <a:pPr algn="ctr"/>
-            <a:endParaRPr lang="uk-UA"/>
+            <a:endParaRPr lang="uk-UA" dirty="0"/>
           </a:p>
         </p:txBody>
       </p:sp>
@@ -5322,11 +5630,7 @@
             <a:pPr algn="ctr"/>
             <a:r>
               <a:rPr lang="en-US" dirty="0" smtClean="0"/>
-              <a:t>*.</a:t>
-            </a:r>
-            <a:r>
-              <a:rPr lang="en-US" dirty="0" err="1" smtClean="0"/>
-              <a:t>jsp</a:t>
+              <a:t>*.jsp</a:t>
             </a:r>
             <a:endParaRPr lang="uk-UA" dirty="0"/>
           </a:p>
@@ -6040,7 +6344,7 @@
           <a:p>
             <a:pPr algn="ctr"/>
             <a:r>
-              <a:rPr lang="en-US" dirty="0" err="1" smtClean="0"/>
+              <a:rPr lang="en-US" dirty="0" smtClean="0"/>
               <a:t>util</a:t>
             </a:r>
             <a:endParaRPr lang="uk-UA" dirty="0"/>
@@ -6197,7 +6501,7 @@
           <a:p>
             <a:pPr algn="ctr"/>
             <a:r>
-              <a:rPr lang="en-US" dirty="0" err="1" smtClean="0"/>
+              <a:rPr lang="en-US" dirty="0" smtClean="0"/>
               <a:t>webapp</a:t>
             </a:r>
             <a:endParaRPr lang="uk-UA" dirty="0"/>
@@ -6566,7 +6870,7 @@
           <a:p>
             <a:pPr algn="ctr"/>
             <a:r>
-              <a:rPr lang="en-US" dirty="0" err="1" smtClean="0"/>
+              <a:rPr lang="en-US" dirty="0" smtClean="0"/>
               <a:t>jsp</a:t>
             </a:r>
             <a:endParaRPr lang="uk-UA" dirty="0"/>
@@ -6707,15 +7011,7 @@
                   <a:srgbClr val="FF0000"/>
                 </a:solidFill>
               </a:rPr>
-              <a:t>model/</a:t>
-            </a:r>
-            <a:r>
-              <a:rPr lang="en-US" dirty="0" err="1" smtClean="0">
-                <a:solidFill>
-                  <a:srgbClr val="FF0000"/>
-                </a:solidFill>
-              </a:rPr>
-              <a:t>dao</a:t>
+              <a:t>model/dao</a:t>
             </a:r>
             <a:r>
               <a:rPr lang="en-US" dirty="0" smtClean="0"/>
@@ -6839,20 +7135,12 @@
           <a:p>
             <a:pPr algn="just"/>
             <a:r>
-              <a:rPr lang="en-US" dirty="0" err="1" smtClean="0">
-                <a:solidFill>
-                  <a:srgbClr val="FF0000"/>
-                </a:solidFill>
-              </a:rPr>
-              <a:t>webapp</a:t>
-            </a:r>
-            <a:r>
               <a:rPr lang="en-US" dirty="0" smtClean="0">
                 <a:solidFill>
                   <a:srgbClr val="FF0000"/>
                 </a:solidFill>
               </a:rPr>
-              <a:t> </a:t>
+              <a:t>webapp </a:t>
             </a:r>
             <a:r>
               <a:rPr lang="en-US" dirty="0" smtClean="0"/>
@@ -7044,7 +7332,7 @@
               <a:t> </a:t>
             </a:r>
             <a:r>
-              <a:rPr lang="uk-UA" dirty="0" err="1" smtClean="0"/>
+              <a:rPr lang="ru-RU" dirty="0" smtClean="0"/>
               <a:t>клиента</a:t>
             </a:r>
             <a:endParaRPr lang="ru-RU" dirty="0"/>
